--- a/ppt/Dian/项目组进度汇报ppt模板更新-2020-12-12.pptx
+++ b/ppt/Dian/项目组进度汇报ppt模板更新-2020-12-12.pptx
@@ -1,23 +1,24 @@
 
 <file path=ppt/presentation.xml><?xml version="1.0" encoding="utf-8"?>
-<p:presentation xmlns:a="http://schemas.openxmlformats.org/drawingml/2006/main" xmlns:r="http://schemas.openxmlformats.org/officeDocument/2006/relationships" xmlns:p="http://schemas.openxmlformats.org/presentationml/2006/main" saveSubsetFonts="1">
+<p:presentation xmlns:a="http://schemas.openxmlformats.org/drawingml/2006/main" xmlns:r="http://schemas.openxmlformats.org/officeDocument/2006/relationships" xmlns:p="http://schemas.openxmlformats.org/presentationml/2006/main">
   <p:sldMasterIdLst>
-    <p:sldMasterId id="2147483650" r:id="rId1"/>
+    <p:sldMasterId id="2147483648" r:id="rId1"/>
   </p:sldMasterIdLst>
   <p:notesMasterIdLst>
-    <p:notesMasterId r:id="rId9"/>
+    <p:notesMasterId r:id="rId10"/>
   </p:notesMasterIdLst>
   <p:handoutMasterIdLst>
-    <p:handoutMasterId r:id="rId10"/>
+    <p:handoutMasterId r:id="rId11"/>
   </p:handoutMasterIdLst>
   <p:sldIdLst>
     <p:sldId id="256" r:id="rId2"/>
-    <p:sldId id="257" r:id="rId3"/>
-    <p:sldId id="258" r:id="rId4"/>
-    <p:sldId id="264" r:id="rId5"/>
-    <p:sldId id="266" r:id="rId6"/>
-    <p:sldId id="265" r:id="rId7"/>
-    <p:sldId id="270" r:id="rId8"/>
+    <p:sldId id="272" r:id="rId3"/>
+    <p:sldId id="257" r:id="rId4"/>
+    <p:sldId id="258" r:id="rId5"/>
+    <p:sldId id="264" r:id="rId6"/>
+    <p:sldId id="266" r:id="rId7"/>
+    <p:sldId id="265" r:id="rId8"/>
+    <p:sldId id="270" r:id="rId9"/>
   </p:sldIdLst>
   <p:sldSz cx="6856413" cy="5141913"/>
   <p:notesSz cx="6858000" cy="9144000"/>
@@ -119,12 +120,12 @@
   <p:extLst>
     <p:ext uri="{EFAFB233-063F-42B5-8137-9DF3F51BA10A}">
       <p15:sldGuideLst xmlns:p15="http://schemas.microsoft.com/office/powerpoint/2012/main">
-        <p15:guide id="1" orient="horz" pos="1619" userDrawn="1">
+        <p15:guide id="1" orient="horz" pos="1619">
           <p15:clr>
             <a:srgbClr val="A4A3A4"/>
           </p15:clr>
         </p15:guide>
-        <p15:guide id="2" pos="2160" userDrawn="1">
+        <p15:guide id="2" pos="2216">
           <p15:clr>
             <a:srgbClr val="A4A3A4"/>
           </p15:clr>
@@ -137,13 +138,7 @@
 
 <file path=ppt/commentAuthors.xml><?xml version="1.0" encoding="utf-8"?>
 <p:cmAuthorLst xmlns:a="http://schemas.openxmlformats.org/drawingml/2006/main" xmlns:r="http://schemas.openxmlformats.org/officeDocument/2006/relationships" xmlns:p="http://schemas.openxmlformats.org/presentationml/2006/main">
-  <p:cmAuthor id="1" name="Le ciel" initials="Lc" lastIdx="0" clrIdx="0">
-    <p:extLst>
-      <p:ext uri="{19B8F6BF-5375-455C-9EA6-DF929625EA0E}">
-        <p15:presenceInfo xmlns:p15="http://schemas.microsoft.com/office/powerpoint/2012/main" userId="397fc4f09d427281" providerId="Windows Live"/>
-      </p:ext>
-    </p:extLst>
-  </p:cmAuthor>
+  <p:cmAuthor id="1" name="Le ciel" initials="Lc" lastIdx="0" clrIdx="0"/>
 </p:cmAuthorLst>
 </file>
 
@@ -194,49 +189,36 @@
           <c:invertIfNegative val="0"/>
           <c:cat>
             <c:strRef>
-              <c:f>Sheet1!$A$2:$A$5</c:f>
+              <c:f>Sheet1!$A$2:$A$3</c:f>
               <c:strCache>
-                <c:ptCount val="4"/>
+                <c:ptCount val="2"/>
                 <c:pt idx="0">
-                  <c:v>示例：
-投票系统开发调试</c:v>
+                  <c:v>工具分类论文</c:v>
                 </c:pt>
                 <c:pt idx="1">
-                  <c:v>子模块二</c:v>
-                </c:pt>
-                <c:pt idx="2">
-                  <c:v>子模块一</c:v>
-                </c:pt>
-                <c:pt idx="3">
-                  <c:v>总进度</c:v>
+                  <c:v>工具分析</c:v>
                 </c:pt>
               </c:strCache>
             </c:strRef>
           </c:cat>
           <c:val>
             <c:numRef>
-              <c:f>Sheet1!$B$2:$B$5</c:f>
+              <c:f>Sheet1!$B$2:$B$3</c:f>
               <c:numCache>
                 <c:formatCode>General</c:formatCode>
-                <c:ptCount val="4"/>
+                <c:ptCount val="2"/>
                 <c:pt idx="0">
-                  <c:v>0.4</c:v>
+                  <c:v>0.23</c:v>
                 </c:pt>
                 <c:pt idx="1">
-                  <c:v>0.6</c:v>
-                </c:pt>
-                <c:pt idx="2">
-                  <c:v>0.5</c:v>
-                </c:pt>
-                <c:pt idx="3">
-                  <c:v>0.2</c:v>
+                  <c:v>0.9</c:v>
                 </c:pt>
               </c:numCache>
             </c:numRef>
           </c:val>
           <c:extLst>
             <c:ext xmlns:c16="http://schemas.microsoft.com/office/drawing/2014/chart" uri="{C3380CC4-5D6E-409C-BE32-E72D297353CC}">
-              <c16:uniqueId val="{00000000-401E-47A5-9D59-95D5877BBD32}"/>
+              <c16:uniqueId val="{00000000-26D0-404F-8779-748A0CAD758A}"/>
             </c:ext>
           </c:extLst>
         </c:ser>
@@ -279,7 +261,7 @@
               <a:lstStyle/>
               <a:p>
                 <a:pPr>
-                  <a:defRPr sz="1197" b="0" i="0" u="none" strike="noStrike" kern="1200" baseline="0">
+                  <a:defRPr lang="en-US" sz="1195" b="0" i="0" u="none" strike="noStrike" kern="1200" baseline="0">
                     <a:solidFill>
                       <a:schemeClr val="tx1">
                         <a:lumMod val="75000"/>
@@ -324,49 +306,36 @@
           </c:dLbls>
           <c:cat>
             <c:strRef>
-              <c:f>Sheet1!$A$2:$A$5</c:f>
+              <c:f>Sheet1!$A$2:$A$3</c:f>
               <c:strCache>
-                <c:ptCount val="4"/>
+                <c:ptCount val="2"/>
                 <c:pt idx="0">
-                  <c:v>示例：
-投票系统开发调试</c:v>
+                  <c:v>工具分类论文</c:v>
                 </c:pt>
                 <c:pt idx="1">
-                  <c:v>子模块二</c:v>
-                </c:pt>
-                <c:pt idx="2">
-                  <c:v>子模块一</c:v>
-                </c:pt>
-                <c:pt idx="3">
-                  <c:v>总进度</c:v>
+                  <c:v>工具分析</c:v>
                 </c:pt>
               </c:strCache>
             </c:strRef>
           </c:cat>
           <c:val>
             <c:numRef>
-              <c:f>Sheet1!$C$2:$C$5</c:f>
+              <c:f>Sheet1!$C$2:$C$3</c:f>
               <c:numCache>
                 <c:formatCode>General</c:formatCode>
-                <c:ptCount val="4"/>
+                <c:ptCount val="2"/>
                 <c:pt idx="0">
-                  <c:v>0.5</c:v>
+                  <c:v>0.25</c:v>
                 </c:pt>
                 <c:pt idx="1">
-                  <c:v>0.5</c:v>
-                </c:pt>
-                <c:pt idx="2">
-                  <c:v>0.5</c:v>
-                </c:pt>
-                <c:pt idx="3">
-                  <c:v>0.2</c:v>
+                  <c:v>0.9</c:v>
                 </c:pt>
               </c:numCache>
             </c:numRef>
           </c:val>
           <c:extLst>
             <c:ext xmlns:c16="http://schemas.microsoft.com/office/drawing/2014/chart" uri="{C3380CC4-5D6E-409C-BE32-E72D297353CC}">
-              <c16:uniqueId val="{00000001-401E-47A5-9D59-95D5877BBD32}"/>
+              <c16:uniqueId val="{00000001-26D0-404F-8779-748A0CAD758A}"/>
             </c:ext>
           </c:extLst>
         </c:ser>
@@ -396,41 +365,28 @@
           <c:invertIfNegative val="0"/>
           <c:cat>
             <c:strRef>
-              <c:f>Sheet1!$A$2:$A$5</c:f>
+              <c:f>Sheet1!$A$2:$A$3</c:f>
               <c:strCache>
-                <c:ptCount val="4"/>
+                <c:ptCount val="2"/>
                 <c:pt idx="0">
-                  <c:v>示例：
-投票系统开发调试</c:v>
+                  <c:v>工具分类论文</c:v>
                 </c:pt>
                 <c:pt idx="1">
-                  <c:v>子模块二</c:v>
-                </c:pt>
-                <c:pt idx="2">
-                  <c:v>子模块一</c:v>
-                </c:pt>
-                <c:pt idx="3">
-                  <c:v>总进度</c:v>
+                  <c:v>工具分析</c:v>
                 </c:pt>
               </c:strCache>
             </c:strRef>
           </c:cat>
           <c:val>
             <c:numRef>
-              <c:f>Sheet1!$D$2:$D$5</c:f>
+              <c:f>Sheet1!$D$2:$D$3</c:f>
               <c:numCache>
                 <c:formatCode>General</c:formatCode>
-                <c:ptCount val="4"/>
+                <c:ptCount val="2"/>
                 <c:pt idx="0">
                   <c:v>1</c:v>
                 </c:pt>
                 <c:pt idx="1">
-                  <c:v>1</c:v>
-                </c:pt>
-                <c:pt idx="2">
-                  <c:v>1</c:v>
-                </c:pt>
-                <c:pt idx="3">
                   <c:v>1</c:v>
                 </c:pt>
               </c:numCache>
@@ -438,7 +394,7 @@
           </c:val>
           <c:extLst>
             <c:ext xmlns:c16="http://schemas.microsoft.com/office/drawing/2014/chart" uri="{C3380CC4-5D6E-409C-BE32-E72D297353CC}">
-              <c16:uniqueId val="{00000004-D831-4C82-888C-9C54DB5E48CE}"/>
+              <c16:uniqueId val="{00000002-26D0-404F-8779-748A0CAD758A}"/>
             </c:ext>
           </c:extLst>
         </c:ser>
@@ -483,7 +439,7 @@
           <a:lstStyle/>
           <a:p>
             <a:pPr>
-              <a:defRPr sz="1200" b="0" i="0" u="none" strike="noStrike" kern="1200" baseline="0">
+              <a:defRPr lang="en-US" sz="1200" b="0" i="0" u="none" strike="noStrike" kern="1200" baseline="0">
                 <a:solidFill>
                   <a:schemeClr val="tx1"/>
                 </a:solidFill>
@@ -540,7 +496,7 @@
           <a:lstStyle/>
           <a:p>
             <a:pPr>
-              <a:defRPr sz="1400" b="0" i="0" u="none" strike="noStrike" kern="1200" baseline="0">
+              <a:defRPr lang="en-US" sz="1400" b="0" i="0" u="none" strike="noStrike" kern="1200" baseline="0">
                 <a:solidFill>
                   <a:schemeClr val="tx1"/>
                 </a:solidFill>
@@ -558,7 +514,7 @@
       </c:valAx>
       <c:spPr>
         <a:noFill/>
-        <a:ln>
+        <a:ln w="25400">
           <a:noFill/>
         </a:ln>
         <a:effectLst/>
@@ -579,7 +535,7 @@
         <a:lstStyle/>
         <a:p>
           <a:pPr>
-            <a:defRPr sz="1400" b="0" i="0" u="none" strike="noStrike" kern="1200" baseline="0">
+            <a:defRPr lang="en-US" sz="1400" b="0" i="0" u="none" strike="noStrike" kern="1200" baseline="0">
               <a:solidFill>
                 <a:schemeClr val="tx1"/>
               </a:solidFill>
@@ -608,7 +564,7 @@
     <a:lstStyle/>
     <a:p>
       <a:pPr>
-        <a:defRPr/>
+        <a:defRPr lang="en-US"/>
       </a:pPr>
       <a:endParaRPr lang="zh-CN"/>
     </a:p>
@@ -616,7 +572,6 @@
   <c:externalData r:id="rId3">
     <c:autoUpdate val="0"/>
   </c:externalData>
-  <c:userShapes r:id="rId4"/>
 </c:chartSpace>
 </file>
 
@@ -667,54 +622,48 @@
           <c:invertIfNegative val="0"/>
           <c:cat>
             <c:strRef>
-              <c:f>Sheet1!$A$2:$A$6</c:f>
+              <c:f>Sheet1!$A$2:$A$5</c:f>
               <c:strCache>
-                <c:ptCount val="5"/>
+                <c:ptCount val="4"/>
                 <c:pt idx="0">
-                  <c:v>张三</c:v>
+                  <c:v>刘羿</c:v>
                 </c:pt>
                 <c:pt idx="1">
-                  <c:v>李四</c:v>
+                  <c:v>董瑞华</c:v>
                 </c:pt>
                 <c:pt idx="2">
-                  <c:v>甲</c:v>
+                  <c:v>孙堃</c:v>
                 </c:pt>
                 <c:pt idx="3">
-                  <c:v>乙</c:v>
-                </c:pt>
-                <c:pt idx="4">
-                  <c:v>丙</c:v>
+                  <c:v>严宇</c:v>
                 </c:pt>
               </c:strCache>
             </c:strRef>
           </c:cat>
           <c:val>
             <c:numRef>
-              <c:f>Sheet1!$B$2:$B$6</c:f>
+              <c:f>Sheet1!$B$2:$B$5</c:f>
               <c:numCache>
                 <c:formatCode>General</c:formatCode>
-                <c:ptCount val="5"/>
+                <c:ptCount val="4"/>
                 <c:pt idx="0">
-                  <c:v>50</c:v>
+                  <c:v>20</c:v>
                 </c:pt>
                 <c:pt idx="1">
-                  <c:v>40</c:v>
+                  <c:v>21</c:v>
                 </c:pt>
                 <c:pt idx="2">
-                  <c:v>30</c:v>
+                  <c:v>15</c:v>
                 </c:pt>
                 <c:pt idx="3">
-                  <c:v>50</c:v>
-                </c:pt>
-                <c:pt idx="4">
-                  <c:v>20</c:v>
+                  <c:v>15</c:v>
                 </c:pt>
               </c:numCache>
             </c:numRef>
           </c:val>
           <c:extLst>
             <c:ext xmlns:c16="http://schemas.microsoft.com/office/drawing/2014/chart" uri="{C3380CC4-5D6E-409C-BE32-E72D297353CC}">
-              <c16:uniqueId val="{00000000-53B1-4AFF-927D-971E32F5F73E}"/>
+              <c16:uniqueId val="{00000000-0C12-44E1-9F5D-A76ADA40C34E}"/>
             </c:ext>
           </c:extLst>
         </c:ser>
@@ -744,46 +693,40 @@
           <c:invertIfNegative val="0"/>
           <c:cat>
             <c:strRef>
-              <c:f>Sheet1!$A$2:$A$6</c:f>
+              <c:f>Sheet1!$A$2:$A$5</c:f>
               <c:strCache>
-                <c:ptCount val="5"/>
+                <c:ptCount val="4"/>
                 <c:pt idx="0">
-                  <c:v>张三</c:v>
+                  <c:v>刘羿</c:v>
                 </c:pt>
                 <c:pt idx="1">
-                  <c:v>李四</c:v>
+                  <c:v>董瑞华</c:v>
                 </c:pt>
                 <c:pt idx="2">
-                  <c:v>甲</c:v>
+                  <c:v>孙堃</c:v>
                 </c:pt>
                 <c:pt idx="3">
-                  <c:v>乙</c:v>
-                </c:pt>
-                <c:pt idx="4">
-                  <c:v>丙</c:v>
+                  <c:v>严宇</c:v>
                 </c:pt>
               </c:strCache>
             </c:strRef>
           </c:cat>
           <c:val>
             <c:numRef>
-              <c:f>Sheet1!$C$2:$C$6</c:f>
+              <c:f>Sheet1!$C$2:$C$5</c:f>
               <c:numCache>
                 <c:formatCode>General</c:formatCode>
-                <c:ptCount val="5"/>
+                <c:ptCount val="4"/>
                 <c:pt idx="0">
-                  <c:v>80</c:v>
+                  <c:v>65</c:v>
                 </c:pt>
                 <c:pt idx="1">
-                  <c:v>90</c:v>
+                  <c:v>65</c:v>
                 </c:pt>
                 <c:pt idx="2">
-                  <c:v>50</c:v>
+                  <c:v>60</c:v>
                 </c:pt>
                 <c:pt idx="3">
-                  <c:v>70</c:v>
-                </c:pt>
-                <c:pt idx="4">
                   <c:v>60</c:v>
                 </c:pt>
               </c:numCache>
@@ -791,7 +734,7 @@
           </c:val>
           <c:extLst>
             <c:ext xmlns:c16="http://schemas.microsoft.com/office/drawing/2014/chart" uri="{C3380CC4-5D6E-409C-BE32-E72D297353CC}">
-              <c16:uniqueId val="{00000001-53B1-4AFF-927D-971E32F5F73E}"/>
+              <c16:uniqueId val="{00000001-0C12-44E1-9F5D-A76ADA40C34E}"/>
             </c:ext>
           </c:extLst>
         </c:ser>
@@ -837,7 +780,7 @@
           <a:lstStyle/>
           <a:p>
             <a:pPr>
-              <a:defRPr sz="1200" b="1" i="0" u="none" strike="noStrike" kern="1200" baseline="0">
+              <a:defRPr lang="en-US" sz="1200" b="1" i="0" u="none" strike="noStrike" kern="1200" baseline="0">
                 <a:solidFill>
                   <a:schemeClr val="tx1"/>
                 </a:solidFill>
@@ -896,7 +839,7 @@
           <a:lstStyle/>
           <a:p>
             <a:pPr>
-              <a:defRPr sz="1200" b="1" i="0" u="none" strike="noStrike" kern="1200" baseline="0">
+              <a:defRPr lang="en-US" sz="1200" b="1" i="0" u="none" strike="noStrike" kern="1200" baseline="0">
                 <a:solidFill>
                   <a:schemeClr val="tx1"/>
                 </a:solidFill>
@@ -935,7 +878,7 @@
         <a:lstStyle/>
         <a:p>
           <a:pPr>
-            <a:defRPr sz="1200" b="1" i="0" u="none" strike="noStrike" kern="1200" baseline="0">
+            <a:defRPr lang="en-US" sz="1200" b="1" i="0" u="none" strike="noStrike" kern="1200" baseline="0">
               <a:solidFill>
                 <a:schemeClr val="tx1"/>
               </a:solidFill>
@@ -950,13 +893,6 @@
     </c:legend>
     <c:plotVisOnly val="1"/>
     <c:dispBlanksAs val="gap"/>
-    <c:extLst>
-      <c:ext xmlns:c16r3="http://schemas.microsoft.com/office/drawing/2017/03/chart" uri="{56B9EC1D-385E-4148-901F-78D8002777C0}">
-        <c16r3:dataDisplayOptions16>
-          <c16r3:dispNaAsBlank val="1"/>
-        </c16r3:dataDisplayOptions16>
-      </c:ext>
-    </c:extLst>
     <c:showDLblsOverMax val="0"/>
   </c:chart>
   <c:spPr>
@@ -971,7 +907,7 @@
     <a:lstStyle/>
     <a:p>
       <a:pPr>
-        <a:defRPr sz="1200" b="1" i="0" baseline="0">
+        <a:defRPr lang="en-US" sz="1200" b="1" i="0" baseline="0">
           <a:solidFill>
             <a:schemeClr val="tx1"/>
           </a:solidFill>
@@ -1008,10 +944,10 @@
           <c:layoutTarget val="inner"/>
           <c:xMode val="edge"/>
           <c:yMode val="edge"/>
-          <c:x val="0.12106228139990984"/>
-          <c:y val="0.11789063667255363"/>
-          <c:w val="0.86782403568746513"/>
-          <c:h val="0.72013334725260414"/>
+          <c:x val="0.12106228139991"/>
+          <c:y val="0.11789063667255401"/>
+          <c:w val="0.86782403568746502"/>
+          <c:h val="0.72013334725260403"/>
         </c:manualLayout>
       </c:layout>
       <c:barChart>
@@ -1057,7 +993,7 @@
               <a:lstStyle/>
               <a:p>
                 <a:pPr>
-                  <a:defRPr sz="1197" b="0" i="0" u="none" strike="noStrike" kern="1200" baseline="0">
+                  <a:defRPr lang="en-US" sz="1195" b="0" i="0" u="none" strike="noStrike" kern="1200" baseline="0">
                     <a:solidFill>
                       <a:schemeClr val="lt1"/>
                     </a:solidFill>
@@ -1098,169 +1034,35 @@
           </c:dLbls>
           <c:cat>
             <c:strRef>
-              <c:f>Sheet1!$A$2:$A$6</c:f>
+              <c:f>Sheet1!$A$2:$A$5</c:f>
               <c:strCache>
-                <c:ptCount val="5"/>
+                <c:ptCount val="4"/>
                 <c:pt idx="0">
-                  <c:v>甲</c:v>
+                  <c:v>刘羿</c:v>
                 </c:pt>
                 <c:pt idx="1">
-                  <c:v>乙</c:v>
+                  <c:v>董瑞华</c:v>
                 </c:pt>
                 <c:pt idx="2">
-                  <c:v>丙</c:v>
+                  <c:v>孙堃</c:v>
                 </c:pt>
                 <c:pt idx="3">
-                  <c:v>丁</c:v>
-                </c:pt>
-                <c:pt idx="4">
-                  <c:v>戊</c:v>
+                  <c:v>严宇</c:v>
                 </c:pt>
               </c:strCache>
             </c:strRef>
           </c:cat>
           <c:val>
             <c:numRef>
-              <c:f>Sheet1!$B$2:$B$6</c:f>
+              <c:f>Sheet1!$B$2:$B$5</c:f>
               <c:numCache>
                 <c:formatCode>General</c:formatCode>
-                <c:ptCount val="5"/>
+                <c:ptCount val="4"/>
                 <c:pt idx="0">
                   <c:v>20</c:v>
                 </c:pt>
                 <c:pt idx="1">
-                  <c:v>20</c:v>
-                </c:pt>
-                <c:pt idx="2">
-                  <c:v>20</c:v>
-                </c:pt>
-                <c:pt idx="3">
-                  <c:v>20</c:v>
-                </c:pt>
-                <c:pt idx="4">
-                  <c:v>20</c:v>
-                </c:pt>
-              </c:numCache>
-            </c:numRef>
-          </c:val>
-          <c:extLst>
-            <c:ext xmlns:c16="http://schemas.microsoft.com/office/drawing/2014/chart" uri="{C3380CC4-5D6E-409C-BE32-E72D297353CC}">
-              <c16:uniqueId val="{00000000-3B97-40FE-83B9-40FB0BF844E6}"/>
-            </c:ext>
-          </c:extLst>
-        </c:ser>
-        <c:ser>
-          <c:idx val="1"/>
-          <c:order val="1"/>
-          <c:tx>
-            <c:strRef>
-              <c:f>Sheet1!$C$1</c:f>
-              <c:strCache>
-                <c:ptCount val="1"/>
-                <c:pt idx="0">
-                  <c:v>2</c:v>
-                </c:pt>
-              </c:strCache>
-            </c:strRef>
-          </c:tx>
-          <c:spPr>
-            <a:solidFill>
-              <a:schemeClr val="accent3"/>
-            </a:solidFill>
-            <a:ln>
-              <a:noFill/>
-            </a:ln>
-            <a:effectLst/>
-          </c:spPr>
-          <c:invertIfNegative val="0"/>
-          <c:dLbls>
-            <c:spPr>
-              <a:noFill/>
-              <a:ln>
-                <a:noFill/>
-              </a:ln>
-              <a:effectLst/>
-            </c:spPr>
-            <c:txPr>
-              <a:bodyPr rot="0" spcFirstLastPara="1" vertOverflow="ellipsis" vert="horz" wrap="square" lIns="38100" tIns="19050" rIns="38100" bIns="19050" anchor="ctr" anchorCtr="1">
-                <a:spAutoFit/>
-              </a:bodyPr>
-              <a:lstStyle/>
-              <a:p>
-                <a:pPr>
-                  <a:defRPr sz="1197" b="0" i="0" u="none" strike="noStrike" kern="1200" baseline="0">
-                    <a:solidFill>
-                      <a:schemeClr val="lt1"/>
-                    </a:solidFill>
-                    <a:latin typeface="+mn-lt"/>
-                    <a:ea typeface="+mn-ea"/>
-                    <a:cs typeface="+mn-cs"/>
-                  </a:defRPr>
-                </a:pPr>
-                <a:endParaRPr lang="zh-CN"/>
-              </a:p>
-            </c:txPr>
-            <c:dLblPos val="ctr"/>
-            <c:showLegendKey val="0"/>
-            <c:showVal val="1"/>
-            <c:showCatName val="0"/>
-            <c:showSerName val="0"/>
-            <c:showPercent val="0"/>
-            <c:showBubbleSize val="0"/>
-            <c:showLeaderLines val="0"/>
-            <c:extLst>
-              <c:ext xmlns:c15="http://schemas.microsoft.com/office/drawing/2012/chart" uri="{CE6537A1-D6FC-4f65-9D91-7224C49458BB}">
-                <c15:showLeaderLines val="1"/>
-                <c15:leaderLines>
-                  <c:spPr>
-                    <a:ln w="9525">
-                      <a:solidFill>
-                        <a:schemeClr val="tx1">
-                          <a:lumMod val="35000"/>
-                          <a:lumOff val="65000"/>
-                        </a:schemeClr>
-                      </a:solidFill>
-                    </a:ln>
-                    <a:effectLst/>
-                  </c:spPr>
-                </c15:leaderLines>
-              </c:ext>
-            </c:extLst>
-          </c:dLbls>
-          <c:cat>
-            <c:strRef>
-              <c:f>Sheet1!$A$2:$A$6</c:f>
-              <c:strCache>
-                <c:ptCount val="5"/>
-                <c:pt idx="0">
-                  <c:v>甲</c:v>
-                </c:pt>
-                <c:pt idx="1">
-                  <c:v>乙</c:v>
-                </c:pt>
-                <c:pt idx="2">
-                  <c:v>丙</c:v>
-                </c:pt>
-                <c:pt idx="3">
-                  <c:v>丁</c:v>
-                </c:pt>
-                <c:pt idx="4">
-                  <c:v>戊</c:v>
-                </c:pt>
-              </c:strCache>
-            </c:strRef>
-          </c:cat>
-          <c:val>
-            <c:numRef>
-              <c:f>Sheet1!$C$2:$C$6</c:f>
-              <c:numCache>
-                <c:formatCode>General</c:formatCode>
-                <c:ptCount val="5"/>
-                <c:pt idx="0">
-                  <c:v>20</c:v>
-                </c:pt>
-                <c:pt idx="1">
-                  <c:v>15</c:v>
+                  <c:v>21</c:v>
                 </c:pt>
                 <c:pt idx="2">
                   <c:v>15</c:v>
@@ -1268,1085 +1070,16 @@
                 <c:pt idx="3">
                   <c:v>15</c:v>
                 </c:pt>
-                <c:pt idx="4">
-                  <c:v>25</c:v>
-                </c:pt>
               </c:numCache>
             </c:numRef>
           </c:val>
           <c:extLst>
             <c:ext xmlns:c16="http://schemas.microsoft.com/office/drawing/2014/chart" uri="{C3380CC4-5D6E-409C-BE32-E72D297353CC}">
-              <c16:uniqueId val="{00000000-846B-40CF-86ED-8CA85BC8E413}"/>
-            </c:ext>
-          </c:extLst>
-        </c:ser>
-        <c:ser>
-          <c:idx val="2"/>
-          <c:order val="2"/>
-          <c:tx>
-            <c:strRef>
-              <c:f>Sheet1!$D$1</c:f>
-              <c:strCache>
-                <c:ptCount val="1"/>
-                <c:pt idx="0">
-                  <c:v>3</c:v>
-                </c:pt>
-              </c:strCache>
-            </c:strRef>
-          </c:tx>
-          <c:spPr>
-            <a:solidFill>
-              <a:schemeClr val="accent5"/>
-            </a:solidFill>
-            <a:ln>
-              <a:noFill/>
-            </a:ln>
-            <a:effectLst/>
-          </c:spPr>
-          <c:invertIfNegative val="0"/>
-          <c:dLbls>
-            <c:spPr>
-              <a:noFill/>
-              <a:ln>
-                <a:noFill/>
-              </a:ln>
-              <a:effectLst/>
-            </c:spPr>
-            <c:txPr>
-              <a:bodyPr rot="0" spcFirstLastPara="1" vertOverflow="ellipsis" vert="horz" wrap="square" lIns="38100" tIns="19050" rIns="38100" bIns="19050" anchor="ctr" anchorCtr="1">
-                <a:spAutoFit/>
-              </a:bodyPr>
-              <a:lstStyle/>
-              <a:p>
-                <a:pPr>
-                  <a:defRPr sz="1197" b="0" i="0" u="none" strike="noStrike" kern="1200" baseline="0">
-                    <a:solidFill>
-                      <a:schemeClr val="lt1"/>
-                    </a:solidFill>
-                    <a:latin typeface="+mn-lt"/>
-                    <a:ea typeface="+mn-ea"/>
-                    <a:cs typeface="+mn-cs"/>
-                  </a:defRPr>
-                </a:pPr>
-                <a:endParaRPr lang="zh-CN"/>
-              </a:p>
-            </c:txPr>
-            <c:dLblPos val="ctr"/>
-            <c:showLegendKey val="0"/>
-            <c:showVal val="1"/>
-            <c:showCatName val="0"/>
-            <c:showSerName val="0"/>
-            <c:showPercent val="0"/>
-            <c:showBubbleSize val="0"/>
-            <c:showLeaderLines val="0"/>
-            <c:extLst>
-              <c:ext xmlns:c15="http://schemas.microsoft.com/office/drawing/2012/chart" uri="{CE6537A1-D6FC-4f65-9D91-7224C49458BB}">
-                <c15:showLeaderLines val="1"/>
-                <c15:leaderLines>
-                  <c:spPr>
-                    <a:ln w="9525">
-                      <a:solidFill>
-                        <a:schemeClr val="tx1">
-                          <a:lumMod val="35000"/>
-                          <a:lumOff val="65000"/>
-                        </a:schemeClr>
-                      </a:solidFill>
-                    </a:ln>
-                    <a:effectLst/>
-                  </c:spPr>
-                </c15:leaderLines>
-              </c:ext>
-            </c:extLst>
-          </c:dLbls>
-          <c:cat>
-            <c:strRef>
-              <c:f>Sheet1!$A$2:$A$6</c:f>
-              <c:strCache>
-                <c:ptCount val="5"/>
-                <c:pt idx="0">
-                  <c:v>甲</c:v>
-                </c:pt>
-                <c:pt idx="1">
-                  <c:v>乙</c:v>
-                </c:pt>
-                <c:pt idx="2">
-                  <c:v>丙</c:v>
-                </c:pt>
-                <c:pt idx="3">
-                  <c:v>丁</c:v>
-                </c:pt>
-                <c:pt idx="4">
-                  <c:v>戊</c:v>
-                </c:pt>
-              </c:strCache>
-            </c:strRef>
-          </c:cat>
-          <c:val>
-            <c:numRef>
-              <c:f>Sheet1!$D$2:$D$6</c:f>
-              <c:numCache>
-                <c:formatCode>General</c:formatCode>
-                <c:ptCount val="5"/>
-                <c:pt idx="0">
-                  <c:v>26</c:v>
-                </c:pt>
-                <c:pt idx="1">
-                  <c:v>22</c:v>
-                </c:pt>
-                <c:pt idx="2">
-                  <c:v>13</c:v>
-                </c:pt>
-                <c:pt idx="3">
-                  <c:v>22</c:v>
-                </c:pt>
-                <c:pt idx="4">
-                  <c:v>20</c:v>
-                </c:pt>
-              </c:numCache>
-            </c:numRef>
-          </c:val>
-          <c:extLst>
-            <c:ext xmlns:c16="http://schemas.microsoft.com/office/drawing/2014/chart" uri="{C3380CC4-5D6E-409C-BE32-E72D297353CC}">
-              <c16:uniqueId val="{00000001-846B-40CF-86ED-8CA85BC8E413}"/>
-            </c:ext>
-          </c:extLst>
-        </c:ser>
-        <c:ser>
-          <c:idx val="3"/>
-          <c:order val="3"/>
-          <c:tx>
-            <c:strRef>
-              <c:f>Sheet1!$E$1</c:f>
-              <c:strCache>
-                <c:ptCount val="1"/>
-                <c:pt idx="0">
-                  <c:v>4</c:v>
-                </c:pt>
-              </c:strCache>
-            </c:strRef>
-          </c:tx>
-          <c:spPr>
-            <a:solidFill>
-              <a:schemeClr val="accent1">
-                <a:lumMod val="60000"/>
-              </a:schemeClr>
-            </a:solidFill>
-            <a:ln>
-              <a:noFill/>
-            </a:ln>
-            <a:effectLst/>
-          </c:spPr>
-          <c:invertIfNegative val="0"/>
-          <c:dLbls>
-            <c:spPr>
-              <a:noFill/>
-              <a:ln>
-                <a:noFill/>
-              </a:ln>
-              <a:effectLst/>
-            </c:spPr>
-            <c:txPr>
-              <a:bodyPr rot="0" spcFirstLastPara="1" vertOverflow="ellipsis" vert="horz" wrap="square" lIns="38100" tIns="19050" rIns="38100" bIns="19050" anchor="ctr" anchorCtr="1">
-                <a:spAutoFit/>
-              </a:bodyPr>
-              <a:lstStyle/>
-              <a:p>
-                <a:pPr>
-                  <a:defRPr sz="1197" b="0" i="0" u="none" strike="noStrike" kern="1200" baseline="0">
-                    <a:solidFill>
-                      <a:schemeClr val="lt1"/>
-                    </a:solidFill>
-                    <a:latin typeface="+mn-lt"/>
-                    <a:ea typeface="+mn-ea"/>
-                    <a:cs typeface="+mn-cs"/>
-                  </a:defRPr>
-                </a:pPr>
-                <a:endParaRPr lang="zh-CN"/>
-              </a:p>
-            </c:txPr>
-            <c:dLblPos val="ctr"/>
-            <c:showLegendKey val="0"/>
-            <c:showVal val="1"/>
-            <c:showCatName val="0"/>
-            <c:showSerName val="0"/>
-            <c:showPercent val="0"/>
-            <c:showBubbleSize val="0"/>
-            <c:showLeaderLines val="0"/>
-            <c:extLst>
-              <c:ext xmlns:c15="http://schemas.microsoft.com/office/drawing/2012/chart" uri="{CE6537A1-D6FC-4f65-9D91-7224C49458BB}">
-                <c15:showLeaderLines val="1"/>
-                <c15:leaderLines>
-                  <c:spPr>
-                    <a:ln w="9525">
-                      <a:solidFill>
-                        <a:schemeClr val="tx1">
-                          <a:lumMod val="35000"/>
-                          <a:lumOff val="65000"/>
-                        </a:schemeClr>
-                      </a:solidFill>
-                    </a:ln>
-                    <a:effectLst/>
-                  </c:spPr>
-                </c15:leaderLines>
-              </c:ext>
-            </c:extLst>
-          </c:dLbls>
-          <c:cat>
-            <c:strRef>
-              <c:f>Sheet1!$A$2:$A$6</c:f>
-              <c:strCache>
-                <c:ptCount val="5"/>
-                <c:pt idx="0">
-                  <c:v>甲</c:v>
-                </c:pt>
-                <c:pt idx="1">
-                  <c:v>乙</c:v>
-                </c:pt>
-                <c:pt idx="2">
-                  <c:v>丙</c:v>
-                </c:pt>
-                <c:pt idx="3">
-                  <c:v>丁</c:v>
-                </c:pt>
-                <c:pt idx="4">
-                  <c:v>戊</c:v>
-                </c:pt>
-              </c:strCache>
-            </c:strRef>
-          </c:cat>
-          <c:val>
-            <c:numRef>
-              <c:f>Sheet1!$E$2:$E$6</c:f>
-              <c:numCache>
-                <c:formatCode>General</c:formatCode>
-                <c:ptCount val="5"/>
-                <c:pt idx="0">
-                  <c:v>22</c:v>
-                </c:pt>
-                <c:pt idx="1">
-                  <c:v>22</c:v>
-                </c:pt>
-                <c:pt idx="2">
-                  <c:v>22</c:v>
-                </c:pt>
-                <c:pt idx="3">
-                  <c:v>22</c:v>
-                </c:pt>
-                <c:pt idx="4">
-                  <c:v>25</c:v>
-                </c:pt>
-              </c:numCache>
-            </c:numRef>
-          </c:val>
-          <c:extLst>
-            <c:ext xmlns:c16="http://schemas.microsoft.com/office/drawing/2014/chart" uri="{C3380CC4-5D6E-409C-BE32-E72D297353CC}">
-              <c16:uniqueId val="{00000002-846B-40CF-86ED-8CA85BC8E413}"/>
-            </c:ext>
-          </c:extLst>
-        </c:ser>
-        <c:ser>
-          <c:idx val="4"/>
-          <c:order val="4"/>
-          <c:tx>
-            <c:strRef>
-              <c:f>Sheet1!$F$1</c:f>
-              <c:strCache>
-                <c:ptCount val="1"/>
-                <c:pt idx="0">
-                  <c:v>5</c:v>
-                </c:pt>
-              </c:strCache>
-            </c:strRef>
-          </c:tx>
-          <c:spPr>
-            <a:solidFill>
-              <a:schemeClr val="accent3">
-                <a:lumMod val="60000"/>
-              </a:schemeClr>
-            </a:solidFill>
-            <a:ln>
-              <a:noFill/>
-            </a:ln>
-            <a:effectLst/>
-          </c:spPr>
-          <c:invertIfNegative val="0"/>
-          <c:dLbls>
-            <c:spPr>
-              <a:noFill/>
-              <a:ln>
-                <a:noFill/>
-              </a:ln>
-              <a:effectLst/>
-            </c:spPr>
-            <c:txPr>
-              <a:bodyPr rot="0" spcFirstLastPara="1" vertOverflow="ellipsis" vert="horz" wrap="square" lIns="38100" tIns="19050" rIns="38100" bIns="19050" anchor="ctr" anchorCtr="1">
-                <a:spAutoFit/>
-              </a:bodyPr>
-              <a:lstStyle/>
-              <a:p>
-                <a:pPr>
-                  <a:defRPr sz="1197" b="0" i="0" u="none" strike="noStrike" kern="1200" baseline="0">
-                    <a:solidFill>
-                      <a:schemeClr val="lt1"/>
-                    </a:solidFill>
-                    <a:latin typeface="+mn-lt"/>
-                    <a:ea typeface="+mn-ea"/>
-                    <a:cs typeface="+mn-cs"/>
-                  </a:defRPr>
-                </a:pPr>
-                <a:endParaRPr lang="zh-CN"/>
-              </a:p>
-            </c:txPr>
-            <c:dLblPos val="ctr"/>
-            <c:showLegendKey val="0"/>
-            <c:showVal val="1"/>
-            <c:showCatName val="0"/>
-            <c:showSerName val="0"/>
-            <c:showPercent val="0"/>
-            <c:showBubbleSize val="0"/>
-            <c:showLeaderLines val="0"/>
-            <c:extLst>
-              <c:ext xmlns:c15="http://schemas.microsoft.com/office/drawing/2012/chart" uri="{CE6537A1-D6FC-4f65-9D91-7224C49458BB}">
-                <c15:showLeaderLines val="1"/>
-                <c15:leaderLines>
-                  <c:spPr>
-                    <a:ln w="9525">
-                      <a:solidFill>
-                        <a:schemeClr val="tx1">
-                          <a:lumMod val="35000"/>
-                          <a:lumOff val="65000"/>
-                        </a:schemeClr>
-                      </a:solidFill>
-                    </a:ln>
-                    <a:effectLst/>
-                  </c:spPr>
-                </c15:leaderLines>
-              </c:ext>
-            </c:extLst>
-          </c:dLbls>
-          <c:cat>
-            <c:strRef>
-              <c:f>Sheet1!$A$2:$A$6</c:f>
-              <c:strCache>
-                <c:ptCount val="5"/>
-                <c:pt idx="0">
-                  <c:v>甲</c:v>
-                </c:pt>
-                <c:pt idx="1">
-                  <c:v>乙</c:v>
-                </c:pt>
-                <c:pt idx="2">
-                  <c:v>丙</c:v>
-                </c:pt>
-                <c:pt idx="3">
-                  <c:v>丁</c:v>
-                </c:pt>
-                <c:pt idx="4">
-                  <c:v>戊</c:v>
-                </c:pt>
-              </c:strCache>
-            </c:strRef>
-          </c:cat>
-          <c:val>
-            <c:numRef>
-              <c:f>Sheet1!$F$2:$F$6</c:f>
-              <c:numCache>
-                <c:formatCode>General</c:formatCode>
-                <c:ptCount val="5"/>
-                <c:pt idx="0">
-                  <c:v>20</c:v>
-                </c:pt>
-                <c:pt idx="1">
-                  <c:v>20</c:v>
-                </c:pt>
-                <c:pt idx="2">
-                  <c:v>25</c:v>
-                </c:pt>
-                <c:pt idx="3">
-                  <c:v>20</c:v>
-                </c:pt>
-                <c:pt idx="4">
-                  <c:v>20</c:v>
-                </c:pt>
-              </c:numCache>
-            </c:numRef>
-          </c:val>
-          <c:extLst>
-            <c:ext xmlns:c16="http://schemas.microsoft.com/office/drawing/2014/chart" uri="{C3380CC4-5D6E-409C-BE32-E72D297353CC}">
-              <c16:uniqueId val="{00000003-846B-40CF-86ED-8CA85BC8E413}"/>
-            </c:ext>
-          </c:extLst>
-        </c:ser>
-        <c:ser>
-          <c:idx val="5"/>
-          <c:order val="5"/>
-          <c:tx>
-            <c:strRef>
-              <c:f>Sheet1!$G$1</c:f>
-              <c:strCache>
-                <c:ptCount val="1"/>
-                <c:pt idx="0">
-                  <c:v>6</c:v>
-                </c:pt>
-              </c:strCache>
-            </c:strRef>
-          </c:tx>
-          <c:spPr>
-            <a:solidFill>
-              <a:schemeClr val="accent5">
-                <a:lumMod val="60000"/>
-              </a:schemeClr>
-            </a:solidFill>
-            <a:ln>
-              <a:noFill/>
-            </a:ln>
-            <a:effectLst/>
-          </c:spPr>
-          <c:invertIfNegative val="0"/>
-          <c:dLbls>
-            <c:spPr>
-              <a:noFill/>
-              <a:ln>
-                <a:noFill/>
-              </a:ln>
-              <a:effectLst/>
-            </c:spPr>
-            <c:txPr>
-              <a:bodyPr rot="0" spcFirstLastPara="1" vertOverflow="ellipsis" vert="horz" wrap="square" lIns="38100" tIns="19050" rIns="38100" bIns="19050" anchor="ctr" anchorCtr="1">
-                <a:spAutoFit/>
-              </a:bodyPr>
-              <a:lstStyle/>
-              <a:p>
-                <a:pPr>
-                  <a:defRPr sz="1197" b="0" i="0" u="none" strike="noStrike" kern="1200" baseline="0">
-                    <a:solidFill>
-                      <a:schemeClr val="lt1"/>
-                    </a:solidFill>
-                    <a:latin typeface="+mn-lt"/>
-                    <a:ea typeface="+mn-ea"/>
-                    <a:cs typeface="+mn-cs"/>
-                  </a:defRPr>
-                </a:pPr>
-                <a:endParaRPr lang="zh-CN"/>
-              </a:p>
-            </c:txPr>
-            <c:dLblPos val="ctr"/>
-            <c:showLegendKey val="0"/>
-            <c:showVal val="1"/>
-            <c:showCatName val="0"/>
-            <c:showSerName val="0"/>
-            <c:showPercent val="0"/>
-            <c:showBubbleSize val="0"/>
-            <c:showLeaderLines val="0"/>
-            <c:extLst>
-              <c:ext xmlns:c15="http://schemas.microsoft.com/office/drawing/2012/chart" uri="{CE6537A1-D6FC-4f65-9D91-7224C49458BB}">
-                <c15:showLeaderLines val="1"/>
-                <c15:leaderLines>
-                  <c:spPr>
-                    <a:ln w="9525">
-                      <a:solidFill>
-                        <a:schemeClr val="tx1">
-                          <a:lumMod val="35000"/>
-                          <a:lumOff val="65000"/>
-                        </a:schemeClr>
-                      </a:solidFill>
-                    </a:ln>
-                    <a:effectLst/>
-                  </c:spPr>
-                </c15:leaderLines>
-              </c:ext>
-            </c:extLst>
-          </c:dLbls>
-          <c:cat>
-            <c:strRef>
-              <c:f>Sheet1!$A$2:$A$6</c:f>
-              <c:strCache>
-                <c:ptCount val="5"/>
-                <c:pt idx="0">
-                  <c:v>甲</c:v>
-                </c:pt>
-                <c:pt idx="1">
-                  <c:v>乙</c:v>
-                </c:pt>
-                <c:pt idx="2">
-                  <c:v>丙</c:v>
-                </c:pt>
-                <c:pt idx="3">
-                  <c:v>丁</c:v>
-                </c:pt>
-                <c:pt idx="4">
-                  <c:v>戊</c:v>
-                </c:pt>
-              </c:strCache>
-            </c:strRef>
-          </c:cat>
-          <c:val>
-            <c:numRef>
-              <c:f>Sheet1!$G$2:$G$6</c:f>
-              <c:numCache>
-                <c:formatCode>General</c:formatCode>
-                <c:ptCount val="5"/>
-                <c:pt idx="0">
-                  <c:v>24</c:v>
-                </c:pt>
-                <c:pt idx="1">
-                  <c:v>16</c:v>
-                </c:pt>
-                <c:pt idx="2">
-                  <c:v>27</c:v>
-                </c:pt>
-                <c:pt idx="3">
-                  <c:v>16</c:v>
-                </c:pt>
-                <c:pt idx="4">
-                  <c:v>30</c:v>
-                </c:pt>
-              </c:numCache>
-            </c:numRef>
-          </c:val>
-          <c:extLst>
-            <c:ext xmlns:c16="http://schemas.microsoft.com/office/drawing/2014/chart" uri="{C3380CC4-5D6E-409C-BE32-E72D297353CC}">
-              <c16:uniqueId val="{00000000-36CA-4073-B062-D4FBFF3EB0BF}"/>
-            </c:ext>
-          </c:extLst>
-        </c:ser>
-        <c:ser>
-          <c:idx val="6"/>
-          <c:order val="6"/>
-          <c:tx>
-            <c:strRef>
-              <c:f>Sheet1!$H$1</c:f>
-              <c:strCache>
-                <c:ptCount val="1"/>
-                <c:pt idx="0">
-                  <c:v>7</c:v>
-                </c:pt>
-              </c:strCache>
-            </c:strRef>
-          </c:tx>
-          <c:spPr>
-            <a:solidFill>
-              <a:schemeClr val="accent1">
-                <a:lumMod val="80000"/>
-                <a:lumOff val="20000"/>
-              </a:schemeClr>
-            </a:solidFill>
-            <a:ln>
-              <a:noFill/>
-            </a:ln>
-            <a:effectLst/>
-          </c:spPr>
-          <c:invertIfNegative val="0"/>
-          <c:dLbls>
-            <c:spPr>
-              <a:noFill/>
-              <a:ln>
-                <a:noFill/>
-              </a:ln>
-              <a:effectLst/>
-            </c:spPr>
-            <c:txPr>
-              <a:bodyPr rot="0" spcFirstLastPara="1" vertOverflow="ellipsis" vert="horz" wrap="square" lIns="38100" tIns="19050" rIns="38100" bIns="19050" anchor="ctr" anchorCtr="1">
-                <a:spAutoFit/>
-              </a:bodyPr>
-              <a:lstStyle/>
-              <a:p>
-                <a:pPr>
-                  <a:defRPr sz="1197" b="0" i="0" u="none" strike="noStrike" kern="1200" baseline="0">
-                    <a:solidFill>
-                      <a:schemeClr val="lt1"/>
-                    </a:solidFill>
-                    <a:latin typeface="+mn-lt"/>
-                    <a:ea typeface="+mn-ea"/>
-                    <a:cs typeface="+mn-cs"/>
-                  </a:defRPr>
-                </a:pPr>
-                <a:endParaRPr lang="zh-CN"/>
-              </a:p>
-            </c:txPr>
-            <c:dLblPos val="ctr"/>
-            <c:showLegendKey val="0"/>
-            <c:showVal val="1"/>
-            <c:showCatName val="0"/>
-            <c:showSerName val="0"/>
-            <c:showPercent val="0"/>
-            <c:showBubbleSize val="0"/>
-            <c:showLeaderLines val="0"/>
-            <c:extLst>
-              <c:ext xmlns:c15="http://schemas.microsoft.com/office/drawing/2012/chart" uri="{CE6537A1-D6FC-4f65-9D91-7224C49458BB}">
-                <c15:showLeaderLines val="1"/>
-                <c15:leaderLines>
-                  <c:spPr>
-                    <a:ln w="9525">
-                      <a:solidFill>
-                        <a:schemeClr val="tx1">
-                          <a:lumMod val="35000"/>
-                          <a:lumOff val="65000"/>
-                        </a:schemeClr>
-                      </a:solidFill>
-                    </a:ln>
-                    <a:effectLst/>
-                  </c:spPr>
-                </c15:leaderLines>
-              </c:ext>
-            </c:extLst>
-          </c:dLbls>
-          <c:cat>
-            <c:strRef>
-              <c:f>Sheet1!$A$2:$A$6</c:f>
-              <c:strCache>
-                <c:ptCount val="5"/>
-                <c:pt idx="0">
-                  <c:v>甲</c:v>
-                </c:pt>
-                <c:pt idx="1">
-                  <c:v>乙</c:v>
-                </c:pt>
-                <c:pt idx="2">
-                  <c:v>丙</c:v>
-                </c:pt>
-                <c:pt idx="3">
-                  <c:v>丁</c:v>
-                </c:pt>
-                <c:pt idx="4">
-                  <c:v>戊</c:v>
-                </c:pt>
-              </c:strCache>
-            </c:strRef>
-          </c:cat>
-          <c:val>
-            <c:numRef>
-              <c:f>Sheet1!$H$2:$H$6</c:f>
-              <c:numCache>
-                <c:formatCode>General</c:formatCode>
-                <c:ptCount val="5"/>
-                <c:pt idx="0">
-                  <c:v>22</c:v>
-                </c:pt>
-                <c:pt idx="1">
-                  <c:v>24</c:v>
-                </c:pt>
-                <c:pt idx="2">
-                  <c:v>20</c:v>
-                </c:pt>
-                <c:pt idx="3">
-                  <c:v>24</c:v>
-                </c:pt>
-                <c:pt idx="4">
-                  <c:v>20</c:v>
-                </c:pt>
-              </c:numCache>
-            </c:numRef>
-          </c:val>
-          <c:extLst>
-            <c:ext xmlns:c16="http://schemas.microsoft.com/office/drawing/2014/chart" uri="{C3380CC4-5D6E-409C-BE32-E72D297353CC}">
-              <c16:uniqueId val="{00000001-36CA-4073-B062-D4FBFF3EB0BF}"/>
-            </c:ext>
-          </c:extLst>
-        </c:ser>
-        <c:ser>
-          <c:idx val="7"/>
-          <c:order val="7"/>
-          <c:tx>
-            <c:strRef>
-              <c:f>Sheet1!$I$1</c:f>
-              <c:strCache>
-                <c:ptCount val="1"/>
-                <c:pt idx="0">
-                  <c:v>8</c:v>
-                </c:pt>
-              </c:strCache>
-            </c:strRef>
-          </c:tx>
-          <c:spPr>
-            <a:solidFill>
-              <a:schemeClr val="accent3">
-                <a:lumMod val="80000"/>
-                <a:lumOff val="20000"/>
-              </a:schemeClr>
-            </a:solidFill>
-            <a:ln>
-              <a:noFill/>
-            </a:ln>
-            <a:effectLst/>
-          </c:spPr>
-          <c:invertIfNegative val="0"/>
-          <c:dLbls>
-            <c:spPr>
-              <a:noFill/>
-              <a:ln>
-                <a:noFill/>
-              </a:ln>
-              <a:effectLst/>
-            </c:spPr>
-            <c:txPr>
-              <a:bodyPr rot="0" spcFirstLastPara="1" vertOverflow="ellipsis" vert="horz" wrap="square" lIns="38100" tIns="19050" rIns="38100" bIns="19050" anchor="ctr" anchorCtr="1">
-                <a:spAutoFit/>
-              </a:bodyPr>
-              <a:lstStyle/>
-              <a:p>
-                <a:pPr>
-                  <a:defRPr sz="1197" b="0" i="0" u="none" strike="noStrike" kern="1200" baseline="0">
-                    <a:solidFill>
-                      <a:schemeClr val="lt1"/>
-                    </a:solidFill>
-                    <a:latin typeface="+mn-lt"/>
-                    <a:ea typeface="+mn-ea"/>
-                    <a:cs typeface="+mn-cs"/>
-                  </a:defRPr>
-                </a:pPr>
-                <a:endParaRPr lang="zh-CN"/>
-              </a:p>
-            </c:txPr>
-            <c:dLblPos val="ctr"/>
-            <c:showLegendKey val="0"/>
-            <c:showVal val="1"/>
-            <c:showCatName val="0"/>
-            <c:showSerName val="0"/>
-            <c:showPercent val="0"/>
-            <c:showBubbleSize val="0"/>
-            <c:showLeaderLines val="0"/>
-            <c:extLst>
-              <c:ext xmlns:c15="http://schemas.microsoft.com/office/drawing/2012/chart" uri="{CE6537A1-D6FC-4f65-9D91-7224C49458BB}">
-                <c15:showLeaderLines val="1"/>
-                <c15:leaderLines>
-                  <c:spPr>
-                    <a:ln w="9525">
-                      <a:solidFill>
-                        <a:schemeClr val="tx1">
-                          <a:lumMod val="35000"/>
-                          <a:lumOff val="65000"/>
-                        </a:schemeClr>
-                      </a:solidFill>
-                    </a:ln>
-                    <a:effectLst/>
-                  </c:spPr>
-                </c15:leaderLines>
-              </c:ext>
-            </c:extLst>
-          </c:dLbls>
-          <c:cat>
-            <c:strRef>
-              <c:f>Sheet1!$A$2:$A$6</c:f>
-              <c:strCache>
-                <c:ptCount val="5"/>
-                <c:pt idx="0">
-                  <c:v>甲</c:v>
-                </c:pt>
-                <c:pt idx="1">
-                  <c:v>乙</c:v>
-                </c:pt>
-                <c:pt idx="2">
-                  <c:v>丙</c:v>
-                </c:pt>
-                <c:pt idx="3">
-                  <c:v>丁</c:v>
-                </c:pt>
-                <c:pt idx="4">
-                  <c:v>戊</c:v>
-                </c:pt>
-              </c:strCache>
-            </c:strRef>
-          </c:cat>
-          <c:val>
-            <c:numRef>
-              <c:f>Sheet1!$I$2:$I$6</c:f>
-              <c:numCache>
-                <c:formatCode>General</c:formatCode>
-                <c:ptCount val="5"/>
-                <c:pt idx="0">
-                  <c:v>20</c:v>
-                </c:pt>
-                <c:pt idx="1">
-                  <c:v>20</c:v>
-                </c:pt>
-                <c:pt idx="2">
-                  <c:v>25</c:v>
-                </c:pt>
-                <c:pt idx="3">
-                  <c:v>20</c:v>
-                </c:pt>
-                <c:pt idx="4">
-                  <c:v>25</c:v>
-                </c:pt>
-              </c:numCache>
-            </c:numRef>
-          </c:val>
-          <c:extLst>
-            <c:ext xmlns:c16="http://schemas.microsoft.com/office/drawing/2014/chart" uri="{C3380CC4-5D6E-409C-BE32-E72D297353CC}">
-              <c16:uniqueId val="{00000002-36CA-4073-B062-D4FBFF3EB0BF}"/>
-            </c:ext>
-          </c:extLst>
-        </c:ser>
-        <c:ser>
-          <c:idx val="8"/>
-          <c:order val="8"/>
-          <c:tx>
-            <c:strRef>
-              <c:f>Sheet1!$J$1</c:f>
-              <c:strCache>
-                <c:ptCount val="1"/>
-                <c:pt idx="0">
-                  <c:v>9</c:v>
-                </c:pt>
-              </c:strCache>
-            </c:strRef>
-          </c:tx>
-          <c:spPr>
-            <a:solidFill>
-              <a:schemeClr val="accent5">
-                <a:lumMod val="80000"/>
-                <a:lumOff val="20000"/>
-              </a:schemeClr>
-            </a:solidFill>
-            <a:ln>
-              <a:noFill/>
-            </a:ln>
-            <a:effectLst/>
-          </c:spPr>
-          <c:invertIfNegative val="0"/>
-          <c:dLbls>
-            <c:spPr>
-              <a:noFill/>
-              <a:ln>
-                <a:noFill/>
-              </a:ln>
-              <a:effectLst/>
-            </c:spPr>
-            <c:txPr>
-              <a:bodyPr rot="0" spcFirstLastPara="1" vertOverflow="ellipsis" vert="horz" wrap="square" lIns="38100" tIns="19050" rIns="38100" bIns="19050" anchor="ctr" anchorCtr="1">
-                <a:spAutoFit/>
-              </a:bodyPr>
-              <a:lstStyle/>
-              <a:p>
-                <a:pPr>
-                  <a:defRPr sz="1197" b="0" i="0" u="none" strike="noStrike" kern="1200" baseline="0">
-                    <a:solidFill>
-                      <a:schemeClr val="lt1"/>
-                    </a:solidFill>
-                    <a:latin typeface="+mn-lt"/>
-                    <a:ea typeface="+mn-ea"/>
-                    <a:cs typeface="+mn-cs"/>
-                  </a:defRPr>
-                </a:pPr>
-                <a:endParaRPr lang="zh-CN"/>
-              </a:p>
-            </c:txPr>
-            <c:dLblPos val="ctr"/>
-            <c:showLegendKey val="0"/>
-            <c:showVal val="1"/>
-            <c:showCatName val="0"/>
-            <c:showSerName val="0"/>
-            <c:showPercent val="0"/>
-            <c:showBubbleSize val="0"/>
-            <c:showLeaderLines val="0"/>
-            <c:extLst>
-              <c:ext xmlns:c15="http://schemas.microsoft.com/office/drawing/2012/chart" uri="{CE6537A1-D6FC-4f65-9D91-7224C49458BB}">
-                <c15:showLeaderLines val="1"/>
-                <c15:leaderLines>
-                  <c:spPr>
-                    <a:ln w="9525">
-                      <a:solidFill>
-                        <a:schemeClr val="tx1">
-                          <a:lumMod val="35000"/>
-                          <a:lumOff val="65000"/>
-                        </a:schemeClr>
-                      </a:solidFill>
-                    </a:ln>
-                    <a:effectLst/>
-                  </c:spPr>
-                </c15:leaderLines>
-              </c:ext>
-            </c:extLst>
-          </c:dLbls>
-          <c:cat>
-            <c:strRef>
-              <c:f>Sheet1!$A$2:$A$6</c:f>
-              <c:strCache>
-                <c:ptCount val="5"/>
-                <c:pt idx="0">
-                  <c:v>甲</c:v>
-                </c:pt>
-                <c:pt idx="1">
-                  <c:v>乙</c:v>
-                </c:pt>
-                <c:pt idx="2">
-                  <c:v>丙</c:v>
-                </c:pt>
-                <c:pt idx="3">
-                  <c:v>丁</c:v>
-                </c:pt>
-                <c:pt idx="4">
-                  <c:v>戊</c:v>
-                </c:pt>
-              </c:strCache>
-            </c:strRef>
-          </c:cat>
-          <c:val>
-            <c:numRef>
-              <c:f>Sheet1!$J$2:$J$6</c:f>
-              <c:numCache>
-                <c:formatCode>General</c:formatCode>
-                <c:ptCount val="5"/>
-                <c:pt idx="0">
-                  <c:v>20</c:v>
-                </c:pt>
-                <c:pt idx="1">
-                  <c:v>20</c:v>
-                </c:pt>
-                <c:pt idx="2">
-                  <c:v>20</c:v>
-                </c:pt>
-                <c:pt idx="3">
-                  <c:v>20</c:v>
-                </c:pt>
-                <c:pt idx="4">
-                  <c:v>20</c:v>
-                </c:pt>
-              </c:numCache>
-            </c:numRef>
-          </c:val>
-          <c:extLst>
-            <c:ext xmlns:c16="http://schemas.microsoft.com/office/drawing/2014/chart" uri="{C3380CC4-5D6E-409C-BE32-E72D297353CC}">
-              <c16:uniqueId val="{00000003-36CA-4073-B062-D4FBFF3EB0BF}"/>
-            </c:ext>
-          </c:extLst>
-        </c:ser>
-        <c:ser>
-          <c:idx val="9"/>
-          <c:order val="9"/>
-          <c:tx>
-            <c:strRef>
-              <c:f>Sheet1!$K$1</c:f>
-              <c:strCache>
-                <c:ptCount val="1"/>
-                <c:pt idx="0">
-                  <c:v>10</c:v>
-                </c:pt>
-              </c:strCache>
-            </c:strRef>
-          </c:tx>
-          <c:spPr>
-            <a:solidFill>
-              <a:schemeClr val="accent1">
-                <a:lumMod val="80000"/>
-              </a:schemeClr>
-            </a:solidFill>
-            <a:ln>
-              <a:noFill/>
-            </a:ln>
-            <a:effectLst/>
-          </c:spPr>
-          <c:invertIfNegative val="0"/>
-          <c:dLbls>
-            <c:spPr>
-              <a:noFill/>
-              <a:ln>
-                <a:noFill/>
-              </a:ln>
-              <a:effectLst/>
-            </c:spPr>
-            <c:txPr>
-              <a:bodyPr rot="0" spcFirstLastPara="1" vertOverflow="ellipsis" vert="horz" wrap="square" lIns="38100" tIns="19050" rIns="38100" bIns="19050" anchor="ctr" anchorCtr="1">
-                <a:spAutoFit/>
-              </a:bodyPr>
-              <a:lstStyle/>
-              <a:p>
-                <a:pPr>
-                  <a:defRPr sz="1197" b="0" i="0" u="none" strike="noStrike" kern="1200" baseline="0">
-                    <a:solidFill>
-                      <a:schemeClr val="lt1"/>
-                    </a:solidFill>
-                    <a:latin typeface="+mn-lt"/>
-                    <a:ea typeface="+mn-ea"/>
-                    <a:cs typeface="+mn-cs"/>
-                  </a:defRPr>
-                </a:pPr>
-                <a:endParaRPr lang="zh-CN"/>
-              </a:p>
-            </c:txPr>
-            <c:dLblPos val="ctr"/>
-            <c:showLegendKey val="0"/>
-            <c:showVal val="1"/>
-            <c:showCatName val="0"/>
-            <c:showSerName val="0"/>
-            <c:showPercent val="0"/>
-            <c:showBubbleSize val="0"/>
-            <c:showLeaderLines val="0"/>
-            <c:extLst>
-              <c:ext xmlns:c15="http://schemas.microsoft.com/office/drawing/2012/chart" uri="{CE6537A1-D6FC-4f65-9D91-7224C49458BB}">
-                <c15:showLeaderLines val="1"/>
-                <c15:leaderLines>
-                  <c:spPr>
-                    <a:ln w="9525">
-                      <a:solidFill>
-                        <a:schemeClr val="tx1">
-                          <a:lumMod val="35000"/>
-                          <a:lumOff val="65000"/>
-                        </a:schemeClr>
-                      </a:solidFill>
-                    </a:ln>
-                    <a:effectLst/>
-                  </c:spPr>
-                </c15:leaderLines>
-              </c:ext>
-            </c:extLst>
-          </c:dLbls>
-          <c:cat>
-            <c:strRef>
-              <c:f>Sheet1!$A$2:$A$6</c:f>
-              <c:strCache>
-                <c:ptCount val="5"/>
-                <c:pt idx="0">
-                  <c:v>甲</c:v>
-                </c:pt>
-                <c:pt idx="1">
-                  <c:v>乙</c:v>
-                </c:pt>
-                <c:pt idx="2">
-                  <c:v>丙</c:v>
-                </c:pt>
-                <c:pt idx="3">
-                  <c:v>丁</c:v>
-                </c:pt>
-                <c:pt idx="4">
-                  <c:v>戊</c:v>
-                </c:pt>
-              </c:strCache>
-            </c:strRef>
-          </c:cat>
-          <c:val>
-            <c:numRef>
-              <c:f>Sheet1!$K$2:$K$6</c:f>
-              <c:numCache>
-                <c:formatCode>General</c:formatCode>
-                <c:ptCount val="5"/>
-                <c:pt idx="0">
-                  <c:v>22</c:v>
-                </c:pt>
-                <c:pt idx="1">
-                  <c:v>20</c:v>
-                </c:pt>
-                <c:pt idx="2">
-                  <c:v>25</c:v>
-                </c:pt>
-                <c:pt idx="3">
-                  <c:v>20</c:v>
-                </c:pt>
-                <c:pt idx="4">
-                  <c:v>25</c:v>
-                </c:pt>
-              </c:numCache>
-            </c:numRef>
-          </c:val>
-          <c:extLst>
-            <c:ext xmlns:c16="http://schemas.microsoft.com/office/drawing/2014/chart" uri="{C3380CC4-5D6E-409C-BE32-E72D297353CC}">
-              <c16:uniqueId val="{00000004-36CA-4073-B062-D4FBFF3EB0BF}"/>
+              <c16:uniqueId val="{00000000-104E-4E77-A78A-8EB65DE0E8E2}"/>
             </c:ext>
           </c:extLst>
         </c:ser>
         <c:dLbls>
-          <c:dLblPos val="ctr"/>
           <c:showLegendKey val="0"/>
           <c:showVal val="1"/>
           <c:showCatName val="0"/>
@@ -2402,7 +1135,7 @@
           <a:lstStyle/>
           <a:p>
             <a:pPr>
-              <a:defRPr sz="1064" b="0" i="0" u="none" strike="noStrike" kern="1200" cap="all" spc="120" normalizeH="0" baseline="0">
+              <a:defRPr lang="en-US" sz="1065" b="0" i="0" u="none" strike="noStrike" kern="1200" cap="all" spc="120" normalizeH="0" baseline="0">
                 <a:solidFill>
                   <a:schemeClr val="tx1">
                     <a:lumMod val="65000"/>
@@ -2435,11 +1168,11 @@
         <c:title>
           <c:tx>
             <c:rich>
-              <a:bodyPr rot="0" spcFirstLastPara="1" vertOverflow="ellipsis" vert="eaVert" wrap="square" anchor="ctr" anchorCtr="1"/>
+              <a:bodyPr spcFirstLastPara="1" vertOverflow="ellipsis" vert="eaVert" wrap="square" anchor="ctr" anchorCtr="1"/>
               <a:lstStyle/>
               <a:p>
                 <a:pPr>
-                  <a:defRPr sz="1197" b="0" i="0" u="none" strike="noStrike" kern="1200" cap="all" baseline="0">
+                  <a:defRPr lang="en-US" sz="1195" b="0" i="0" u="none" strike="noStrike" kern="1200" cap="all" baseline="0">
                     <a:solidFill>
                       <a:schemeClr val="tx1">
                         <a:lumMod val="65000"/>
@@ -2462,8 +1195,8 @@
             <c:manualLayout>
               <c:xMode val="edge"/>
               <c:yMode val="edge"/>
-              <c:x val="0.53019545351191655"/>
-              <c:y val="0.83615900915223984"/>
+              <c:x val="0.53019545351191699"/>
+              <c:y val="0.83615900915223995"/>
             </c:manualLayout>
           </c:layout>
           <c:overlay val="0"/>
@@ -2475,11 +1208,11 @@
             <a:effectLst/>
           </c:spPr>
           <c:txPr>
-            <a:bodyPr rot="0" spcFirstLastPara="1" vertOverflow="ellipsis" vert="eaVert" wrap="square" anchor="ctr" anchorCtr="1"/>
+            <a:bodyPr spcFirstLastPara="1" vertOverflow="ellipsis" vert="eaVert" wrap="square" anchor="ctr" anchorCtr="1"/>
             <a:lstStyle/>
             <a:p>
               <a:pPr>
-                <a:defRPr sz="1197" b="0" i="0" u="none" strike="noStrike" kern="1200" cap="all" baseline="0">
+                <a:defRPr lang="en-US" sz="1195" b="0" i="0" u="none" strike="noStrike" kern="1200" cap="all" baseline="0">
                   <a:solidFill>
                     <a:schemeClr val="tx1">
                       <a:lumMod val="65000"/>
@@ -2526,7 +1259,7 @@
         <a:lstStyle/>
         <a:p>
           <a:pPr>
-            <a:defRPr sz="1197" b="0" i="0" u="none" strike="noStrike" kern="1200" baseline="0">
+            <a:defRPr lang="en-US" sz="1195" b="0" i="0" u="none" strike="noStrike" kern="1200" baseline="0">
               <a:solidFill>
                 <a:schemeClr val="tx1">
                   <a:lumMod val="65000"/>
@@ -2544,19 +1277,13 @@
     </c:legend>
     <c:plotVisOnly val="1"/>
     <c:dispBlanksAs val="gap"/>
-    <c:extLst>
-      <c:ext xmlns:c16r3="http://schemas.microsoft.com/office/drawing/2017/03/chart" uri="{56B9EC1D-385E-4148-901F-78D8002777C0}">
-        <c16r3:dataDisplayOptions16>
-          <c16r3:dispNaAsBlank val="1"/>
-        </c16r3:dataDisplayOptions16>
-      </c:ext>
-    </c:extLst>
     <c:showDLblsOverMax val="0"/>
   </c:chart>
   <c:spPr>
     <a:noFill/>
-    <a:ln>
+    <a:ln w="9525" cap="flat" cmpd="sng" algn="ctr">
       <a:noFill/>
+      <a:round/>
     </a:ln>
     <a:effectLst/>
   </c:spPr>
@@ -2565,7 +1292,7 @@
     <a:lstStyle/>
     <a:p>
       <a:pPr>
-        <a:defRPr/>
+        <a:defRPr lang="en-US"/>
       </a:pPr>
       <a:endParaRPr lang="zh-CN"/>
     </a:p>
@@ -2728,7 +1455,7 @@
         <a:round/>
       </a:ln>
     </cs:spPr>
-    <cs:defRPr sz="1197" kern="1200"/>
+    <cs:defRPr sz="1195" kern="1200"/>
   </cs:categoryAxis>
   <cs:chartArea mods="allowNoFillOverride allowNoLineOverride">
     <cs:lnRef idx="0"/>
@@ -2763,7 +1490,7 @@
         <a:lumOff val="25000"/>
       </a:schemeClr>
     </cs:fontRef>
-    <cs:defRPr sz="1197" kern="1200"/>
+    <cs:defRPr sz="1195" kern="1200"/>
   </cs:dataLabel>
   <cs:dataLabelCallout>
     <cs:lnRef idx="0"/>
@@ -2788,7 +1515,7 @@
         </a:solidFill>
       </a:ln>
     </cs:spPr>
-    <cs:defRPr sz="1197" kern="1200"/>
+    <cs:defRPr sz="1195" kern="1200"/>
     <cs:bodyPr rot="0" spcFirstLastPara="1" vertOverflow="clip" horzOverflow="clip" vert="horz" wrap="square" lIns="36576" tIns="18288" rIns="36576" bIns="18288" anchor="ctr" anchorCtr="1">
       <a:spAutoFit/>
     </cs:bodyPr>
@@ -2891,7 +1618,7 @@
         <a:round/>
       </a:ln>
     </cs:spPr>
-    <cs:defRPr sz="1197" kern="1200"/>
+    <cs:defRPr sz="1195" kern="1200"/>
   </cs:dataTable>
   <cs:downBar>
     <cs:lnRef idx="0"/>
@@ -3056,7 +1783,7 @@
         <a:lumOff val="35000"/>
       </a:schemeClr>
     </cs:fontRef>
-    <cs:defRPr sz="1197" kern="1200"/>
+    <cs:defRPr sz="1195" kern="1200"/>
   </cs:legend>
   <cs:plotArea mods="allowNoFillOverride allowNoLineOverride">
     <cs:lnRef idx="0"/>
@@ -3084,7 +1811,7 @@
         <a:lumOff val="35000"/>
       </a:schemeClr>
     </cs:fontRef>
-    <cs:defRPr sz="1197" kern="1200"/>
+    <cs:defRPr sz="1195" kern="1200"/>
   </cs:seriesAxis>
   <cs:seriesLine>
     <cs:lnRef idx="0"/>
@@ -3115,7 +1842,7 @@
         <a:lumOff val="35000"/>
       </a:schemeClr>
     </cs:fontRef>
-    <cs:defRPr sz="1862" b="0" kern="1200" spc="0" baseline="0"/>
+    <cs:defRPr sz="1860" b="0" kern="1200" spc="0" baseline="0"/>
   </cs:title>
   <cs:trendline>
     <cs:lnRef idx="0">
@@ -3145,7 +1872,7 @@
         <a:lumOff val="35000"/>
       </a:schemeClr>
     </cs:fontRef>
-    <cs:defRPr sz="1197" kern="1200"/>
+    <cs:defRPr sz="1195" kern="1200"/>
   </cs:trendlineLabel>
   <cs:upBar>
     <cs:lnRef idx="0"/>
@@ -3179,7 +1906,7 @@
         <a:lumOff val="35000"/>
       </a:schemeClr>
     </cs:fontRef>
-    <cs:defRPr sz="1197" kern="1200"/>
+    <cs:defRPr sz="1195" kern="1200"/>
   </cs:valueAxis>
   <cs:wall>
     <cs:lnRef idx="0"/>
@@ -3233,7 +1960,7 @@
         <a:round/>
       </a:ln>
     </cs:spPr>
-    <cs:defRPr sz="1197" kern="1200"/>
+    <cs:defRPr sz="1195" kern="1200"/>
   </cs:categoryAxis>
   <cs:chartArea mods="allowNoFillOverride allowNoLineOverride">
     <cs:lnRef idx="0"/>
@@ -3268,7 +1995,7 @@
         <a:lumOff val="25000"/>
       </a:schemeClr>
     </cs:fontRef>
-    <cs:defRPr sz="1197" kern="1200"/>
+    <cs:defRPr sz="1195" kern="1200"/>
   </cs:dataLabel>
   <cs:dataLabelCallout>
     <cs:lnRef idx="0"/>
@@ -3293,7 +2020,7 @@
         </a:solidFill>
       </a:ln>
     </cs:spPr>
-    <cs:defRPr sz="1197" kern="1200"/>
+    <cs:defRPr sz="1195" kern="1200"/>
     <cs:bodyPr rot="0" spcFirstLastPara="1" vertOverflow="clip" horzOverflow="clip" vert="horz" wrap="square" lIns="36576" tIns="18288" rIns="36576" bIns="18288" anchor="ctr" anchorCtr="1">
       <a:spAutoFit/>
     </cs:bodyPr>
@@ -3396,7 +2123,7 @@
         <a:round/>
       </a:ln>
     </cs:spPr>
-    <cs:defRPr sz="1197" kern="1200"/>
+    <cs:defRPr sz="1195" kern="1200"/>
   </cs:dataTable>
   <cs:downBar>
     <cs:lnRef idx="0"/>
@@ -3560,7 +2287,7 @@
         <a:lumOff val="35000"/>
       </a:schemeClr>
     </cs:fontRef>
-    <cs:defRPr sz="1197" kern="1200"/>
+    <cs:defRPr sz="1195" kern="1200"/>
   </cs:legend>
   <cs:plotArea mods="allowNoFillOverride allowNoLineOverride">
     <cs:lnRef idx="0"/>
@@ -3588,7 +2315,7 @@
         <a:lumOff val="35000"/>
       </a:schemeClr>
     </cs:fontRef>
-    <cs:defRPr sz="1197" kern="1200"/>
+    <cs:defRPr sz="1195" kern="1200"/>
   </cs:seriesAxis>
   <cs:seriesLine>
     <cs:lnRef idx="0"/>
@@ -3619,7 +2346,7 @@
         <a:lumOff val="35000"/>
       </a:schemeClr>
     </cs:fontRef>
-    <cs:defRPr sz="1862" b="0" kern="1200" spc="0" baseline="0"/>
+    <cs:defRPr sz="1860" b="0" kern="1200" spc="0" baseline="0"/>
   </cs:title>
   <cs:trendline>
     <cs:lnRef idx="0">
@@ -3649,7 +2376,7 @@
         <a:lumOff val="35000"/>
       </a:schemeClr>
     </cs:fontRef>
-    <cs:defRPr sz="1197" kern="1200"/>
+    <cs:defRPr sz="1195" kern="1200"/>
   </cs:trendlineLabel>
   <cs:upBar>
     <cs:lnRef idx="0"/>
@@ -3682,7 +2409,7 @@
         <a:lumOff val="35000"/>
       </a:schemeClr>
     </cs:fontRef>
-    <cs:defRPr sz="1197" kern="1200"/>
+    <cs:defRPr sz="1195" kern="1200"/>
   </cs:valueAxis>
   <cs:wall>
     <cs:lnRef idx="0"/>
@@ -3713,7 +2440,7 @@
         <a:lumOff val="35000"/>
       </a:schemeClr>
     </cs:fontRef>
-    <cs:defRPr sz="1197" kern="1200" cap="all"/>
+    <cs:defRPr sz="1195" kern="1200" cap="all"/>
   </cs:axisTitle>
   <cs:categoryAxis>
     <cs:lnRef idx="0"/>
@@ -3736,7 +2463,7 @@
         <a:round/>
       </a:ln>
     </cs:spPr>
-    <cs:defRPr sz="1064" kern="1200" cap="all" spc="120" normalizeH="0" baseline="0"/>
+    <cs:defRPr sz="1065" kern="1200" cap="all" spc="120" normalizeH="0" baseline="0"/>
   </cs:categoryAxis>
   <cs:chartArea mods="allowNoFillOverride allowNoLineOverride">
     <cs:lnRef idx="0"/>
@@ -3759,7 +2486,7 @@
         <a:round/>
       </a:ln>
     </cs:spPr>
-    <cs:defRPr sz="1197" kern="1200"/>
+    <cs:defRPr sz="1195" kern="1200"/>
   </cs:chartArea>
   <cs:dataLabel>
     <cs:lnRef idx="0"/>
@@ -3768,7 +2495,7 @@
     <cs:fontRef idx="minor">
       <a:schemeClr val="lt1"/>
     </cs:fontRef>
-    <cs:defRPr sz="1197" b="0" i="0" u="none" strike="noStrike" kern="1200" baseline="0"/>
+    <cs:defRPr sz="1195" b="0" i="0" u="none" strike="noStrike" kern="1200" baseline="0"/>
   </cs:dataLabel>
   <cs:dataLabelCallout>
     <cs:lnRef idx="0"/>
@@ -3793,7 +2520,7 @@
         </a:solidFill>
       </a:ln>
     </cs:spPr>
-    <cs:defRPr sz="1197" kern="1200"/>
+    <cs:defRPr sz="1195" kern="1200"/>
     <cs:bodyPr rot="0" spcFirstLastPara="1" vertOverflow="clip" horzOverflow="clip" vert="horz" wrap="square" lIns="36576" tIns="18288" rIns="36576" bIns="18288" anchor="ctr" anchorCtr="1">
       <a:spAutoFit/>
     </cs:bodyPr>
@@ -3908,7 +2635,7 @@
         </a:solidFill>
       </a:ln>
     </cs:spPr>
-    <cs:defRPr sz="1197" kern="1200"/>
+    <cs:defRPr sz="1195" kern="1200"/>
   </cs:dataTable>
   <cs:downBar>
     <cs:lnRef idx="0"/>
@@ -4062,7 +2789,7 @@
         <a:lumOff val="35000"/>
       </a:schemeClr>
     </cs:fontRef>
-    <cs:defRPr sz="1197" kern="1200"/>
+    <cs:defRPr sz="1195" kern="1200"/>
   </cs:legend>
   <cs:plotArea mods="allowNoFillOverride allowNoLineOverride">
     <cs:lnRef idx="0"/>
@@ -4101,7 +2828,7 @@
         <a:round/>
       </a:ln>
     </cs:spPr>
-    <cs:defRPr sz="1197" kern="1200"/>
+    <cs:defRPr sz="1195" kern="1200"/>
   </cs:seriesAxis>
   <cs:seriesLine>
     <cs:lnRef idx="0"/>
@@ -4132,7 +2859,7 @@
         <a:lumOff val="35000"/>
       </a:schemeClr>
     </cs:fontRef>
-    <cs:defRPr sz="2128" b="1" kern="1200" cap="all" spc="120" normalizeH="0" baseline="0"/>
+    <cs:defRPr sz="2130" b="1" kern="1200" cap="all" spc="120" normalizeH="0" baseline="0"/>
   </cs:title>
   <cs:trendline>
     <cs:lnRef idx="0">
@@ -4162,7 +2889,7 @@
         <a:lumOff val="35000"/>
       </a:schemeClr>
     </cs:fontRef>
-    <cs:defRPr sz="1064" kern="1200"/>
+    <cs:defRPr sz="1065" kern="1200"/>
   </cs:trendlineLabel>
   <cs:upBar>
     <cs:lnRef idx="0"/>
@@ -4206,7 +2933,7 @@
         <a:round/>
       </a:ln>
     </cs:spPr>
-    <cs:defRPr sz="1197" kern="1200"/>
+    <cs:defRPr sz="1195" kern="1200"/>
   </cs:valueAxis>
   <cs:wall>
     <cs:lnRef idx="0"/>
@@ -4220,250 +2947,6 @@
 </file>
 
 <file path=ppt/drawings/drawing1.xml><?xml version="1.0" encoding="utf-8"?>
-<c:userShapes xmlns:c="http://schemas.openxmlformats.org/drawingml/2006/chart">
-  <cdr:relSizeAnchor xmlns:cdr="http://schemas.openxmlformats.org/drawingml/2006/chartDrawing">
-    <cdr:from>
-      <cdr:x>0.32646</cdr:x>
-      <cdr:y>0.21839</cdr:y>
-    </cdr:from>
-    <cdr:to>
-      <cdr:x>0.5093</cdr:x>
-      <cdr:y>0.47542</cdr:y>
-    </cdr:to>
-    <cdr:sp macro="" textlink="">
-      <cdr:nvSpPr>
-        <cdr:cNvPr id="2" name="文本框 1"/>
-        <cdr:cNvSpPr txBox="1"/>
-      </cdr:nvSpPr>
-      <cdr:spPr>
-        <a:xfrm xmlns:a="http://schemas.openxmlformats.org/drawingml/2006/main">
-          <a:off x="2243576" y="776924"/>
-          <a:ext cx="1256555" cy="914400"/>
-        </a:xfrm>
-        <a:prstGeom xmlns:a="http://schemas.openxmlformats.org/drawingml/2006/main" prst="rect">
-          <a:avLst/>
-        </a:prstGeom>
-      </cdr:spPr>
-      <cdr:txBody>
-        <a:bodyPr xmlns:a="http://schemas.openxmlformats.org/drawingml/2006/main" vertOverflow="clip" wrap="none" rtlCol="0"/>
-        <a:lstStyle xmlns:a="http://schemas.openxmlformats.org/drawingml/2006/main"/>
-        <a:p xmlns:a="http://schemas.openxmlformats.org/drawingml/2006/main">
-          <a:r>
-            <a:rPr lang="en-US" altLang="zh-CN" sz="1200" dirty="0">
-              <a:latin typeface="Adobe Caslon Pro Bold" panose="0205070206050A020403" pitchFamily="18" charset="0"/>
-            </a:rPr>
-            <a:t>2018.03.01~03.31</a:t>
-          </a:r>
-        </a:p>
-      </cdr:txBody>
-    </cdr:sp>
-  </cdr:relSizeAnchor>
-  <cdr:relSizeAnchor xmlns:cdr="http://schemas.openxmlformats.org/drawingml/2006/chartDrawing">
-    <cdr:from>
-      <cdr:x>0.32695</cdr:x>
-      <cdr:y>0.39343</cdr:y>
-    </cdr:from>
-    <cdr:to>
-      <cdr:x>0.64371</cdr:x>
-      <cdr:y>0.65046</cdr:y>
-    </cdr:to>
-    <cdr:sp macro="" textlink="">
-      <cdr:nvSpPr>
-        <cdr:cNvPr id="3" name="文本框 1"/>
-        <cdr:cNvSpPr txBox="1"/>
-      </cdr:nvSpPr>
-      <cdr:spPr>
-        <a:xfrm xmlns:a="http://schemas.openxmlformats.org/drawingml/2006/main">
-          <a:off x="2246906" y="1399664"/>
-          <a:ext cx="2176950" cy="914400"/>
-        </a:xfrm>
-        <a:prstGeom xmlns:a="http://schemas.openxmlformats.org/drawingml/2006/main" prst="rect">
-          <a:avLst/>
-        </a:prstGeom>
-      </cdr:spPr>
-      <cdr:txBody>
-        <a:bodyPr xmlns:a="http://schemas.openxmlformats.org/drawingml/2006/main" wrap="none" rtlCol="0"/>
-        <a:lstStyle xmlns:a="http://schemas.openxmlformats.org/drawingml/2006/main">
-          <a:lvl1pPr marL="0" indent="0">
-            <a:defRPr sz="1100">
-              <a:latin typeface="+mn-lt"/>
-              <a:ea typeface="+mn-ea"/>
-              <a:cs typeface="+mn-cs"/>
-            </a:defRPr>
-          </a:lvl1pPr>
-          <a:lvl2pPr marL="457200" indent="0">
-            <a:defRPr sz="1100">
-              <a:latin typeface="+mn-lt"/>
-              <a:ea typeface="+mn-ea"/>
-              <a:cs typeface="+mn-cs"/>
-            </a:defRPr>
-          </a:lvl2pPr>
-          <a:lvl3pPr marL="914400" indent="0">
-            <a:defRPr sz="1100">
-              <a:latin typeface="+mn-lt"/>
-              <a:ea typeface="+mn-ea"/>
-              <a:cs typeface="+mn-cs"/>
-            </a:defRPr>
-          </a:lvl3pPr>
-          <a:lvl4pPr marL="1371600" indent="0">
-            <a:defRPr sz="1100">
-              <a:latin typeface="+mn-lt"/>
-              <a:ea typeface="+mn-ea"/>
-              <a:cs typeface="+mn-cs"/>
-            </a:defRPr>
-          </a:lvl4pPr>
-          <a:lvl5pPr marL="1828800" indent="0">
-            <a:defRPr sz="1100">
-              <a:latin typeface="+mn-lt"/>
-              <a:ea typeface="+mn-ea"/>
-              <a:cs typeface="+mn-cs"/>
-            </a:defRPr>
-          </a:lvl5pPr>
-          <a:lvl6pPr marL="2286000" indent="0">
-            <a:defRPr sz="1100">
-              <a:latin typeface="+mn-lt"/>
-              <a:ea typeface="+mn-ea"/>
-              <a:cs typeface="+mn-cs"/>
-            </a:defRPr>
-          </a:lvl6pPr>
-          <a:lvl7pPr marL="2743200" indent="0">
-            <a:defRPr sz="1100">
-              <a:latin typeface="+mn-lt"/>
-              <a:ea typeface="+mn-ea"/>
-              <a:cs typeface="+mn-cs"/>
-            </a:defRPr>
-          </a:lvl7pPr>
-          <a:lvl8pPr marL="3200400" indent="0">
-            <a:defRPr sz="1100">
-              <a:latin typeface="+mn-lt"/>
-              <a:ea typeface="+mn-ea"/>
-              <a:cs typeface="+mn-cs"/>
-            </a:defRPr>
-          </a:lvl8pPr>
-          <a:lvl9pPr marL="3657600" indent="0">
-            <a:defRPr sz="1100">
-              <a:latin typeface="+mn-lt"/>
-              <a:ea typeface="+mn-ea"/>
-              <a:cs typeface="+mn-cs"/>
-            </a:defRPr>
-          </a:lvl9pPr>
-        </a:lstStyle>
-        <a:p xmlns:a="http://schemas.openxmlformats.org/drawingml/2006/main">
-          <a:r>
-            <a:rPr lang="en-US" altLang="zh-CN" sz="1200" dirty="0">
-              <a:latin typeface="Adobe Caslon Pro Bold" panose="0205070206050A020403" pitchFamily="18" charset="0"/>
-            </a:rPr>
-            <a:t>2018.02.01~03.18</a:t>
-          </a:r>
-        </a:p>
-      </cdr:txBody>
-    </cdr:sp>
-  </cdr:relSizeAnchor>
-  <cdr:relSizeAnchor xmlns:cdr="http://schemas.openxmlformats.org/drawingml/2006/chartDrawing">
-    <cdr:from>
-      <cdr:x>0.32695</cdr:x>
-      <cdr:y>0.57543</cdr:y>
-    </cdr:from>
-    <cdr:to>
-      <cdr:x>0.64371</cdr:x>
-      <cdr:y>0.83246</cdr:y>
-    </cdr:to>
-    <cdr:sp macro="" textlink="">
-      <cdr:nvSpPr>
-        <cdr:cNvPr id="4" name="文本框 1"/>
-        <cdr:cNvSpPr txBox="1"/>
-      </cdr:nvSpPr>
-      <cdr:spPr>
-        <a:xfrm xmlns:a="http://schemas.openxmlformats.org/drawingml/2006/main">
-          <a:off x="2246906" y="2047131"/>
-          <a:ext cx="2176950" cy="914400"/>
-        </a:xfrm>
-        <a:prstGeom xmlns:a="http://schemas.openxmlformats.org/drawingml/2006/main" prst="rect">
-          <a:avLst/>
-        </a:prstGeom>
-      </cdr:spPr>
-      <cdr:txBody>
-        <a:bodyPr xmlns:a="http://schemas.openxmlformats.org/drawingml/2006/main" wrap="none" rtlCol="0"/>
-        <a:lstStyle xmlns:a="http://schemas.openxmlformats.org/drawingml/2006/main">
-          <a:lvl1pPr marL="0" indent="0">
-            <a:defRPr sz="1100">
-              <a:latin typeface="+mn-lt"/>
-              <a:ea typeface="+mn-ea"/>
-              <a:cs typeface="+mn-cs"/>
-            </a:defRPr>
-          </a:lvl1pPr>
-          <a:lvl2pPr marL="457200" indent="0">
-            <a:defRPr sz="1100">
-              <a:latin typeface="+mn-lt"/>
-              <a:ea typeface="+mn-ea"/>
-              <a:cs typeface="+mn-cs"/>
-            </a:defRPr>
-          </a:lvl2pPr>
-          <a:lvl3pPr marL="914400" indent="0">
-            <a:defRPr sz="1100">
-              <a:latin typeface="+mn-lt"/>
-              <a:ea typeface="+mn-ea"/>
-              <a:cs typeface="+mn-cs"/>
-            </a:defRPr>
-          </a:lvl3pPr>
-          <a:lvl4pPr marL="1371600" indent="0">
-            <a:defRPr sz="1100">
-              <a:latin typeface="+mn-lt"/>
-              <a:ea typeface="+mn-ea"/>
-              <a:cs typeface="+mn-cs"/>
-            </a:defRPr>
-          </a:lvl4pPr>
-          <a:lvl5pPr marL="1828800" indent="0">
-            <a:defRPr sz="1100">
-              <a:latin typeface="+mn-lt"/>
-              <a:ea typeface="+mn-ea"/>
-              <a:cs typeface="+mn-cs"/>
-            </a:defRPr>
-          </a:lvl5pPr>
-          <a:lvl6pPr marL="2286000" indent="0">
-            <a:defRPr sz="1100">
-              <a:latin typeface="+mn-lt"/>
-              <a:ea typeface="+mn-ea"/>
-              <a:cs typeface="+mn-cs"/>
-            </a:defRPr>
-          </a:lvl6pPr>
-          <a:lvl7pPr marL="2743200" indent="0">
-            <a:defRPr sz="1100">
-              <a:latin typeface="+mn-lt"/>
-              <a:ea typeface="+mn-ea"/>
-              <a:cs typeface="+mn-cs"/>
-            </a:defRPr>
-          </a:lvl7pPr>
-          <a:lvl8pPr marL="3200400" indent="0">
-            <a:defRPr sz="1100">
-              <a:latin typeface="+mn-lt"/>
-              <a:ea typeface="+mn-ea"/>
-              <a:cs typeface="+mn-cs"/>
-            </a:defRPr>
-          </a:lvl8pPr>
-          <a:lvl9pPr marL="3657600" indent="0">
-            <a:defRPr sz="1100">
-              <a:latin typeface="+mn-lt"/>
-              <a:ea typeface="+mn-ea"/>
-              <a:cs typeface="+mn-cs"/>
-            </a:defRPr>
-          </a:lvl9pPr>
-        </a:lstStyle>
-        <a:p xmlns:a="http://schemas.openxmlformats.org/drawingml/2006/main">
-          <a:r>
-            <a:rPr lang="en-US" altLang="zh-CN" sz="1200" dirty="0">
-              <a:latin typeface="Adobe Caslon Pro Bold" panose="0205070206050A020403" pitchFamily="18" charset="0"/>
-            </a:rPr>
-            <a:t>2018.03.01~03.18</a:t>
-          </a:r>
-        </a:p>
-      </cdr:txBody>
-    </cdr:sp>
-  </cdr:relSizeAnchor>
-</c:userShapes>
-</file>
-
-<file path=ppt/drawings/drawing2.xml><?xml version="1.0" encoding="utf-8"?>
 <c:userShapes xmlns:c="http://schemas.openxmlformats.org/drawingml/2006/chart">
   <cdr:relSizeAnchor xmlns:cdr="http://schemas.openxmlformats.org/drawingml/2006/chartDrawing">
     <cdr:from>
@@ -4476,10 +2959,10 @@
     </cdr:to>
     <cdr:cxnSp macro="">
       <cdr:nvCxnSpPr>
-        <cdr:cNvPr id="9" name="直接连接符 8">
+        <cdr:cNvPr id="2" name="Straight Connector 1">
           <a:extLst xmlns:a="http://schemas.openxmlformats.org/drawingml/2006/main">
             <a:ext uri="{FF2B5EF4-FFF2-40B4-BE49-F238E27FC236}">
-              <a16:creationId xmlns:a16="http://schemas.microsoft.com/office/drawing/2014/main" id="{7284E2F1-18A5-4E22-8DF5-B8A6C980E86D}"/>
+              <a16:creationId xmlns:a16="http://schemas.microsoft.com/office/drawing/2014/main" id="{C67A6712-9289-4A7C-B542-D371645BE3CB}"/>
             </a:ext>
           </a:extLst>
         </cdr:cNvPr>
@@ -4538,13 +3021,7 @@
       </p:grpSpPr>
       <p:sp>
         <p:nvSpPr>
-          <p:cNvPr id="2" name="页眉占位符 1">
-            <a:extLst>
-              <a:ext uri="{FF2B5EF4-FFF2-40B4-BE49-F238E27FC236}">
-                <a16:creationId xmlns:a16="http://schemas.microsoft.com/office/drawing/2014/main" id="{DF2C601E-48B2-4AA6-8DEC-E35C4266E834}"/>
-              </a:ext>
-            </a:extLst>
-          </p:cNvPr>
+          <p:cNvPr id="2" name="页眉占位符 1"/>
           <p:cNvSpPr>
             <a:spLocks noGrp="1"/>
           </p:cNvSpPr>
@@ -4575,13 +3052,7 @@
       </p:sp>
       <p:sp>
         <p:nvSpPr>
-          <p:cNvPr id="3" name="日期占位符 2">
-            <a:extLst>
-              <a:ext uri="{FF2B5EF4-FFF2-40B4-BE49-F238E27FC236}">
-                <a16:creationId xmlns:a16="http://schemas.microsoft.com/office/drawing/2014/main" id="{11DB8250-615A-452E-8923-AE547F8734BE}"/>
-              </a:ext>
-            </a:extLst>
-          </p:cNvPr>
+          <p:cNvPr id="3" name="日期占位符 2"/>
           <p:cNvSpPr>
             <a:spLocks noGrp="1"/>
           </p:cNvSpPr>
@@ -4608,7 +3079,7 @@
           <a:p>
             <a:fld id="{11211C7E-669D-420F-B984-0DEC87D03FD1}" type="datetimeFigureOut">
               <a:rPr lang="zh-CN" altLang="en-US" smtClean="0"/>
-              <a:t>2020/12/12</a:t>
+              <a:t>2021/3/6</a:t>
             </a:fld>
             <a:endParaRPr lang="zh-CN" altLang="en-US"/>
           </a:p>
@@ -4616,13 +3087,7 @@
       </p:sp>
       <p:sp>
         <p:nvSpPr>
-          <p:cNvPr id="4" name="页脚占位符 3">
-            <a:extLst>
-              <a:ext uri="{FF2B5EF4-FFF2-40B4-BE49-F238E27FC236}">
-                <a16:creationId xmlns:a16="http://schemas.microsoft.com/office/drawing/2014/main" id="{B4AFDC8F-610E-45C0-89EA-65C7356A6F68}"/>
-              </a:ext>
-            </a:extLst>
-          </p:cNvPr>
+          <p:cNvPr id="4" name="页脚占位符 3"/>
           <p:cNvSpPr>
             <a:spLocks noGrp="1"/>
           </p:cNvSpPr>
@@ -4653,13 +3118,7 @@
       </p:sp>
       <p:sp>
         <p:nvSpPr>
-          <p:cNvPr id="5" name="灯片编号占位符 4">
-            <a:extLst>
-              <a:ext uri="{FF2B5EF4-FFF2-40B4-BE49-F238E27FC236}">
-                <a16:creationId xmlns:a16="http://schemas.microsoft.com/office/drawing/2014/main" id="{53D0CE1B-B8F1-400D-B68F-3B80AE9C7BC3}"/>
-              </a:ext>
-            </a:extLst>
-          </p:cNvPr>
+          <p:cNvPr id="5" name="灯片编号占位符 4"/>
           <p:cNvSpPr>
             <a:spLocks noGrp="1"/>
           </p:cNvSpPr>
@@ -4695,7 +3154,7 @@
     </p:spTree>
     <p:extLst>
       <p:ext uri="{BB962C8B-B14F-4D97-AF65-F5344CB8AC3E}">
-        <p14:creationId xmlns:p14="http://schemas.microsoft.com/office/powerpoint/2010/main" val="2468337221"/>
+        <p14:creationId xmlns:p14="http://schemas.microsoft.com/office/powerpoint/2010/main" val="1"/>
       </p:ext>
     </p:extLst>
   </p:cSld>
@@ -4785,7 +3244,7 @@
           <a:p>
             <a:fld id="{59445FFC-B1FA-48E0-B2CE-B2DC1A2BB159}" type="datetimeFigureOut">
               <a:rPr lang="zh-CN" altLang="en-US" smtClean="0"/>
-              <a:t>2020/12/12</a:t>
+              <a:t>2021/3/6</a:t>
             </a:fld>
             <a:endParaRPr lang="zh-CN" altLang="en-US"/>
           </a:p>
@@ -4950,11 +3409,6 @@
         </p:txBody>
       </p:sp>
     </p:spTree>
-    <p:extLst>
-      <p:ext uri="{BB962C8B-B14F-4D97-AF65-F5344CB8AC3E}">
-        <p14:creationId xmlns:p14="http://schemas.microsoft.com/office/powerpoint/2010/main" val="959941835"/>
-      </p:ext>
-    </p:extLst>
   </p:cSld>
   <p:clrMap bg1="lt1" tx1="dk1" bg2="lt2" tx2="dk2" accent1="accent1" accent2="accent2" accent3="accent3" accent4="accent4" accent5="accent5" accent6="accent6" hlink="hlink" folHlink="folHlink"/>
   <p:notesStyle>
@@ -5124,11 +3578,6 @@
         </p:txBody>
       </p:sp>
     </p:spTree>
-    <p:extLst>
-      <p:ext uri="{BB962C8B-B14F-4D97-AF65-F5344CB8AC3E}">
-        <p14:creationId xmlns:p14="http://schemas.microsoft.com/office/powerpoint/2010/main" val="4104766845"/>
-      </p:ext>
-    </p:extLst>
   </p:cSld>
   <p:clrMapOvr>
     <a:masterClrMapping/>
@@ -5137,6 +3586,85 @@
 </file>
 
 <file path=ppt/notesSlides/notesSlide2.xml><?xml version="1.0" encoding="utf-8"?>
+<p:notes xmlns:a="http://schemas.openxmlformats.org/drawingml/2006/main" xmlns:r="http://schemas.openxmlformats.org/officeDocument/2006/relationships" xmlns:p="http://schemas.openxmlformats.org/presentationml/2006/main">
+  <p:cSld>
+    <p:spTree>
+      <p:nvGrpSpPr>
+        <p:cNvPr id="1" name=""/>
+        <p:cNvGrpSpPr/>
+        <p:nvPr/>
+      </p:nvGrpSpPr>
+      <p:grpSpPr>
+        <a:xfrm>
+          <a:off x="0" y="0"/>
+          <a:ext cx="0" cy="0"/>
+          <a:chOff x="0" y="0"/>
+          <a:chExt cx="0" cy="0"/>
+        </a:xfrm>
+      </p:grpSpPr>
+      <p:sp>
+        <p:nvSpPr>
+          <p:cNvPr id="2" name="幻灯片图像占位符 1"/>
+          <p:cNvSpPr>
+            <a:spLocks noGrp="1" noRot="1" noChangeAspect="1"/>
+          </p:cNvSpPr>
+          <p:nvPr>
+            <p:ph type="sldImg"/>
+          </p:nvPr>
+        </p:nvSpPr>
+        <p:spPr/>
+      </p:sp>
+      <p:sp>
+        <p:nvSpPr>
+          <p:cNvPr id="3" name="备注占位符 2"/>
+          <p:cNvSpPr>
+            <a:spLocks noGrp="1"/>
+          </p:cNvSpPr>
+          <p:nvPr>
+            <p:ph type="body" idx="1"/>
+          </p:nvPr>
+        </p:nvSpPr>
+        <p:spPr/>
+        <p:txBody>
+          <a:bodyPr/>
+          <a:lstStyle/>
+          <a:p>
+            <a:endParaRPr lang="zh-CN" altLang="en-US" dirty="0"/>
+          </a:p>
+        </p:txBody>
+      </p:sp>
+      <p:sp>
+        <p:nvSpPr>
+          <p:cNvPr id="4" name="灯片编号占位符 3"/>
+          <p:cNvSpPr>
+            <a:spLocks noGrp="1"/>
+          </p:cNvSpPr>
+          <p:nvPr>
+            <p:ph type="sldNum" sz="quarter" idx="5"/>
+          </p:nvPr>
+        </p:nvSpPr>
+        <p:spPr/>
+        <p:txBody>
+          <a:bodyPr/>
+          <a:lstStyle/>
+          <a:p>
+            <a:fld id="{6278152C-88DB-40D8-8B94-A0F67FA0304A}" type="slidenum">
+              <a:rPr lang="zh-CN" altLang="en-US" smtClean="0"/>
+              <a:t>2</a:t>
+            </a:fld>
+            <a:endParaRPr lang="zh-CN" altLang="en-US"/>
+          </a:p>
+        </p:txBody>
+      </p:sp>
+    </p:spTree>
+  </p:cSld>
+  <p:clrMapOvr>
+    <a:masterClrMapping/>
+  </p:clrMapOvr>
+</p:notes>
+</file>
+
+<file path=ppt/notesSlides/notesSlide3.xml><?xml version="1.0" encoding="utf-8"?>
 <p:notes xmlns:a="http://schemas.openxmlformats.org/drawingml/2006/main" xmlns:r="http://schemas.openxmlformats.org/officeDocument/2006/relationships" xmlns:p="http://schemas.openxmlformats.org/presentationml/2006/main">
   <p:cSld>
     <p:spTree>
@@ -5201,18 +3729,13 @@
           <a:p>
             <a:fld id="{6278152C-88DB-40D8-8B94-A0F67FA0304A}" type="slidenum">
               <a:rPr lang="zh-CN" altLang="en-US" smtClean="0"/>
-              <a:t>6</a:t>
+              <a:t>7</a:t>
             </a:fld>
             <a:endParaRPr lang="zh-CN" altLang="en-US"/>
           </a:p>
         </p:txBody>
       </p:sp>
     </p:spTree>
-    <p:extLst>
-      <p:ext uri="{BB962C8B-B14F-4D97-AF65-F5344CB8AC3E}">
-        <p14:creationId xmlns:p14="http://schemas.microsoft.com/office/powerpoint/2010/main" val="2284962611"/>
-      </p:ext>
-    </p:extLst>
   </p:cSld>
   <p:clrMapOvr>
     <a:masterClrMapping/>
@@ -5238,11 +3761,6 @@
         </a:xfrm>
       </p:grpSpPr>
     </p:spTree>
-    <p:extLst>
-      <p:ext uri="{BB962C8B-B14F-4D97-AF65-F5344CB8AC3E}">
-        <p14:creationId xmlns:p14="http://schemas.microsoft.com/office/powerpoint/2010/main" val="3236430710"/>
-      </p:ext>
-    </p:extLst>
   </p:cSld>
   <p:clrMapOvr>
     <a:masterClrMapping/>
@@ -5270,9 +3788,7 @@
       <p:sp>
         <p:nvSpPr>
           <p:cNvPr id="8" name="灯片编号占位符 8"/>
-          <p:cNvSpPr txBox="1">
-            <a:spLocks/>
-          </p:cNvSpPr>
+          <p:cNvSpPr txBox="1"/>
           <p:nvPr userDrawn="1"/>
         </p:nvSpPr>
         <p:spPr>
@@ -5385,7 +3901,6 @@
             <a:pPr algn="ctr"/>
             <a:fld id="{B1E90B88-C309-4CD3-A6BC-57E9541D5A57}" type="slidenum">
               <a:rPr lang="zh-CN" altLang="en-US" sz="600" smtClean="0"/>
-              <a:pPr algn="ctr"/>
               <a:t>‹#›</a:t>
             </a:fld>
             <a:endParaRPr lang="zh-CN" altLang="en-US" sz="600" dirty="0"/>
@@ -5393,11 +3908,6 @@
         </p:txBody>
       </p:sp>
     </p:spTree>
-    <p:extLst>
-      <p:ext uri="{BB962C8B-B14F-4D97-AF65-F5344CB8AC3E}">
-        <p14:creationId xmlns:p14="http://schemas.microsoft.com/office/powerpoint/2010/main" val="1249495990"/>
-      </p:ext>
-    </p:extLst>
   </p:cSld>
   <p:clrMapOvr>
     <a:masterClrMapping/>
@@ -5423,11 +3933,6 @@
         </a:xfrm>
       </p:grpSpPr>
     </p:spTree>
-    <p:extLst>
-      <p:ext uri="{BB962C8B-B14F-4D97-AF65-F5344CB8AC3E}">
-        <p14:creationId xmlns:p14="http://schemas.microsoft.com/office/powerpoint/2010/main" val="332997191"/>
-      </p:ext>
-    </p:extLst>
   </p:cSld>
   <p:clrMapOvr>
     <a:masterClrMapping/>
@@ -5463,27 +3968,22 @@
         </a:xfrm>
       </p:grpSpPr>
     </p:spTree>
-    <p:extLst>
-      <p:ext uri="{BB962C8B-B14F-4D97-AF65-F5344CB8AC3E}">
-        <p14:creationId xmlns:p14="http://schemas.microsoft.com/office/powerpoint/2010/main" val="2028112436"/>
-      </p:ext>
-    </p:extLst>
   </p:cSld>
   <p:clrMap bg1="lt1" tx1="dk1" bg2="lt2" tx2="dk2" accent1="accent1" accent2="accent2" accent3="accent3" accent4="accent4" accent5="accent5" accent6="accent6" hlink="hlink" folHlink="folHlink"/>
   <p:sldLayoutIdLst>
-    <p:sldLayoutId id="2147483651" r:id="rId1"/>
-    <p:sldLayoutId id="2147483653" r:id="rId2"/>
-    <p:sldLayoutId id="2147483654" r:id="rId3"/>
+    <p:sldLayoutId id="2147483649" r:id="rId1"/>
+    <p:sldLayoutId id="2147483650" r:id="rId2"/>
+    <p:sldLayoutId id="2147483651" r:id="rId3"/>
   </p:sldLayoutIdLst>
   <p:hf sldNum="0" hdr="0" ftr="0"/>
   <p:txStyles>
     <p:titleStyle>
-      <a:lvl1pPr algn="ctr" defTabSz="685617" rtl="0" eaLnBrk="1" latinLnBrk="0" hangingPunct="1">
+      <a:lvl1pPr algn="ctr" defTabSz="685800" rtl="0" eaLnBrk="1" latinLnBrk="0" hangingPunct="1">
         <a:spcBef>
           <a:spcPct val="0"/>
         </a:spcBef>
         <a:buNone/>
-        <a:defRPr sz="3299" kern="1200">
+        <a:defRPr sz="3300" kern="1200">
           <a:solidFill>
             <a:schemeClr val="tx1"/>
           </a:solidFill>
@@ -5494,13 +3994,13 @@
       </a:lvl1pPr>
     </p:titleStyle>
     <p:bodyStyle>
-      <a:lvl1pPr marL="257106" indent="-257106" algn="l" defTabSz="685617" rtl="0" eaLnBrk="1" latinLnBrk="0" hangingPunct="1">
+      <a:lvl1pPr marL="257175" indent="-257175" algn="l" defTabSz="685800" rtl="0" eaLnBrk="1" latinLnBrk="0" hangingPunct="1">
         <a:spcBef>
           <a:spcPct val="20000"/>
         </a:spcBef>
         <a:buFont typeface="Arial" panose="020B0604020202020204" pitchFamily="34" charset="0"/>
         <a:buChar char="•"/>
-        <a:defRPr sz="2399" kern="1200">
+        <a:defRPr sz="2400" kern="1200">
           <a:solidFill>
             <a:schemeClr val="tx1"/>
           </a:solidFill>
@@ -5509,13 +4009,13 @@
           <a:cs typeface="+mn-cs"/>
         </a:defRPr>
       </a:lvl1pPr>
-      <a:lvl2pPr marL="557064" indent="-214255" algn="l" defTabSz="685617" rtl="0" eaLnBrk="1" latinLnBrk="0" hangingPunct="1">
+      <a:lvl2pPr marL="556895" indent="-213995" algn="l" defTabSz="685800" rtl="0" eaLnBrk="1" latinLnBrk="0" hangingPunct="1">
         <a:spcBef>
           <a:spcPct val="20000"/>
         </a:spcBef>
         <a:buFont typeface="Arial" panose="020B0604020202020204" pitchFamily="34" charset="0"/>
         <a:buChar char="–"/>
-        <a:defRPr sz="2099" kern="1200">
+        <a:defRPr sz="2100" kern="1200">
           <a:solidFill>
             <a:schemeClr val="tx1"/>
           </a:solidFill>
@@ -5524,7 +4024,7 @@
           <a:cs typeface="+mn-cs"/>
         </a:defRPr>
       </a:lvl2pPr>
-      <a:lvl3pPr marL="857021" indent="-171404" algn="l" defTabSz="685617" rtl="0" eaLnBrk="1" latinLnBrk="0" hangingPunct="1">
+      <a:lvl3pPr marL="857250" indent="-171450" algn="l" defTabSz="685800" rtl="0" eaLnBrk="1" latinLnBrk="0" hangingPunct="1">
         <a:spcBef>
           <a:spcPct val="20000"/>
         </a:spcBef>
@@ -5539,7 +4039,7 @@
           <a:cs typeface="+mn-cs"/>
         </a:defRPr>
       </a:lvl3pPr>
-      <a:lvl4pPr marL="1199830" indent="-171404" algn="l" defTabSz="685617" rtl="0" eaLnBrk="1" latinLnBrk="0" hangingPunct="1">
+      <a:lvl4pPr marL="1199515" indent="-171450" algn="l" defTabSz="685800" rtl="0" eaLnBrk="1" latinLnBrk="0" hangingPunct="1">
         <a:spcBef>
           <a:spcPct val="20000"/>
         </a:spcBef>
@@ -5554,7 +4054,7 @@
           <a:cs typeface="+mn-cs"/>
         </a:defRPr>
       </a:lvl4pPr>
-      <a:lvl5pPr marL="1542639" indent="-171404" algn="l" defTabSz="685617" rtl="0" eaLnBrk="1" latinLnBrk="0" hangingPunct="1">
+      <a:lvl5pPr marL="1542415" indent="-171450" algn="l" defTabSz="685800" rtl="0" eaLnBrk="1" latinLnBrk="0" hangingPunct="1">
         <a:spcBef>
           <a:spcPct val="20000"/>
         </a:spcBef>
@@ -5569,7 +4069,7 @@
           <a:cs typeface="+mn-cs"/>
         </a:defRPr>
       </a:lvl5pPr>
-      <a:lvl6pPr marL="1885447" indent="-171404" algn="l" defTabSz="685617" rtl="0" eaLnBrk="1" latinLnBrk="0" hangingPunct="1">
+      <a:lvl6pPr marL="1885315" indent="-171450" algn="l" defTabSz="685800" rtl="0" eaLnBrk="1" latinLnBrk="0" hangingPunct="1">
         <a:spcBef>
           <a:spcPct val="20000"/>
         </a:spcBef>
@@ -5584,7 +4084,7 @@
           <a:cs typeface="+mn-cs"/>
         </a:defRPr>
       </a:lvl6pPr>
-      <a:lvl7pPr marL="2228256" indent="-171404" algn="l" defTabSz="685617" rtl="0" eaLnBrk="1" latinLnBrk="0" hangingPunct="1">
+      <a:lvl7pPr marL="2228215" indent="-171450" algn="l" defTabSz="685800" rtl="0" eaLnBrk="1" latinLnBrk="0" hangingPunct="1">
         <a:spcBef>
           <a:spcPct val="20000"/>
         </a:spcBef>
@@ -5599,7 +4099,7 @@
           <a:cs typeface="+mn-cs"/>
         </a:defRPr>
       </a:lvl7pPr>
-      <a:lvl8pPr marL="2571064" indent="-171404" algn="l" defTabSz="685617" rtl="0" eaLnBrk="1" latinLnBrk="0" hangingPunct="1">
+      <a:lvl8pPr marL="2571115" indent="-171450" algn="l" defTabSz="685800" rtl="0" eaLnBrk="1" latinLnBrk="0" hangingPunct="1">
         <a:spcBef>
           <a:spcPct val="20000"/>
         </a:spcBef>
@@ -5614,7 +4114,7 @@
           <a:cs typeface="+mn-cs"/>
         </a:defRPr>
       </a:lvl8pPr>
-      <a:lvl9pPr marL="2913873" indent="-171404" algn="l" defTabSz="685617" rtl="0" eaLnBrk="1" latinLnBrk="0" hangingPunct="1">
+      <a:lvl9pPr marL="2914015" indent="-171450" algn="l" defTabSz="685800" rtl="0" eaLnBrk="1" latinLnBrk="0" hangingPunct="1">
         <a:spcBef>
           <a:spcPct val="20000"/>
         </a:spcBef>
@@ -5634,7 +4134,7 @@
       <a:defPPr>
         <a:defRPr lang="zh-CN"/>
       </a:defPPr>
-      <a:lvl1pPr marL="0" algn="l" defTabSz="685617" rtl="0" eaLnBrk="1" latinLnBrk="0" hangingPunct="1">
+      <a:lvl1pPr marL="0" algn="l" defTabSz="685800" rtl="0" eaLnBrk="1" latinLnBrk="0" hangingPunct="1">
         <a:defRPr sz="1350" kern="1200">
           <a:solidFill>
             <a:schemeClr val="tx1"/>
@@ -5644,7 +4144,7 @@
           <a:cs typeface="+mn-cs"/>
         </a:defRPr>
       </a:lvl1pPr>
-      <a:lvl2pPr marL="342809" algn="l" defTabSz="685617" rtl="0" eaLnBrk="1" latinLnBrk="0" hangingPunct="1">
+      <a:lvl2pPr marL="342900" algn="l" defTabSz="685800" rtl="0" eaLnBrk="1" latinLnBrk="0" hangingPunct="1">
         <a:defRPr sz="1350" kern="1200">
           <a:solidFill>
             <a:schemeClr val="tx1"/>
@@ -5654,7 +4154,7 @@
           <a:cs typeface="+mn-cs"/>
         </a:defRPr>
       </a:lvl2pPr>
-      <a:lvl3pPr marL="685617" algn="l" defTabSz="685617" rtl="0" eaLnBrk="1" latinLnBrk="0" hangingPunct="1">
+      <a:lvl3pPr marL="685800" algn="l" defTabSz="685800" rtl="0" eaLnBrk="1" latinLnBrk="0" hangingPunct="1">
         <a:defRPr sz="1350" kern="1200">
           <a:solidFill>
             <a:schemeClr val="tx1"/>
@@ -5664,7 +4164,7 @@
           <a:cs typeface="+mn-cs"/>
         </a:defRPr>
       </a:lvl3pPr>
-      <a:lvl4pPr marL="1028426" algn="l" defTabSz="685617" rtl="0" eaLnBrk="1" latinLnBrk="0" hangingPunct="1">
+      <a:lvl4pPr marL="1028700" algn="l" defTabSz="685800" rtl="0" eaLnBrk="1" latinLnBrk="0" hangingPunct="1">
         <a:defRPr sz="1350" kern="1200">
           <a:solidFill>
             <a:schemeClr val="tx1"/>
@@ -5674,7 +4174,7 @@
           <a:cs typeface="+mn-cs"/>
         </a:defRPr>
       </a:lvl4pPr>
-      <a:lvl5pPr marL="1371234" algn="l" defTabSz="685617" rtl="0" eaLnBrk="1" latinLnBrk="0" hangingPunct="1">
+      <a:lvl5pPr marL="1370965" algn="l" defTabSz="685800" rtl="0" eaLnBrk="1" latinLnBrk="0" hangingPunct="1">
         <a:defRPr sz="1350" kern="1200">
           <a:solidFill>
             <a:schemeClr val="tx1"/>
@@ -5684,7 +4184,7 @@
           <a:cs typeface="+mn-cs"/>
         </a:defRPr>
       </a:lvl5pPr>
-      <a:lvl6pPr marL="1714043" algn="l" defTabSz="685617" rtl="0" eaLnBrk="1" latinLnBrk="0" hangingPunct="1">
+      <a:lvl6pPr marL="1713865" algn="l" defTabSz="685800" rtl="0" eaLnBrk="1" latinLnBrk="0" hangingPunct="1">
         <a:defRPr sz="1350" kern="1200">
           <a:solidFill>
             <a:schemeClr val="tx1"/>
@@ -5694,7 +4194,7 @@
           <a:cs typeface="+mn-cs"/>
         </a:defRPr>
       </a:lvl6pPr>
-      <a:lvl7pPr marL="2056851" algn="l" defTabSz="685617" rtl="0" eaLnBrk="1" latinLnBrk="0" hangingPunct="1">
+      <a:lvl7pPr marL="2056765" algn="l" defTabSz="685800" rtl="0" eaLnBrk="1" latinLnBrk="0" hangingPunct="1">
         <a:defRPr sz="1350" kern="1200">
           <a:solidFill>
             <a:schemeClr val="tx1"/>
@@ -5704,7 +4204,7 @@
           <a:cs typeface="+mn-cs"/>
         </a:defRPr>
       </a:lvl7pPr>
-      <a:lvl8pPr marL="2399660" algn="l" defTabSz="685617" rtl="0" eaLnBrk="1" latinLnBrk="0" hangingPunct="1">
+      <a:lvl8pPr marL="2399665" algn="l" defTabSz="685800" rtl="0" eaLnBrk="1" latinLnBrk="0" hangingPunct="1">
         <a:defRPr sz="1350" kern="1200">
           <a:solidFill>
             <a:schemeClr val="tx1"/>
@@ -5714,7 +4214,7 @@
           <a:cs typeface="+mn-cs"/>
         </a:defRPr>
       </a:lvl8pPr>
-      <a:lvl9pPr marL="2742468" algn="l" defTabSz="685617" rtl="0" eaLnBrk="1" latinLnBrk="0" hangingPunct="1">
+      <a:lvl9pPr marL="2742565" algn="l" defTabSz="685800" rtl="0" eaLnBrk="1" latinLnBrk="0" hangingPunct="1">
         <a:defRPr sz="1350" kern="1200">
           <a:solidFill>
             <a:schemeClr val="tx1"/>
@@ -5748,13 +4248,7 @@
       </p:grpSpPr>
       <p:pic>
         <p:nvPicPr>
-          <p:cNvPr id="3" name="图片 2">
-            <a:extLst>
-              <a:ext uri="{FF2B5EF4-FFF2-40B4-BE49-F238E27FC236}">
-                <a16:creationId xmlns:a16="http://schemas.microsoft.com/office/drawing/2014/main" id="{AA8DF5C1-7511-4418-BCF6-830F56C159E8}"/>
-              </a:ext>
-            </a:extLst>
-          </p:cNvPr>
+          <p:cNvPr id="3" name="图片 2"/>
           <p:cNvPicPr>
             <a:picLocks noChangeAspect="1"/>
           </p:cNvPicPr>
@@ -5784,13 +4278,7 @@
       </p:pic>
       <p:sp>
         <p:nvSpPr>
-          <p:cNvPr id="4" name="矩形 3">
-            <a:extLst>
-              <a:ext uri="{FF2B5EF4-FFF2-40B4-BE49-F238E27FC236}">
-                <a16:creationId xmlns:a16="http://schemas.microsoft.com/office/drawing/2014/main" id="{D85A287D-C236-4E91-8618-B0D2B94A3440}"/>
-              </a:ext>
-            </a:extLst>
-          </p:cNvPr>
+          <p:cNvPr id="4" name="矩形 3"/>
           <p:cNvSpPr/>
           <p:nvPr/>
         </p:nvSpPr>
@@ -5810,7 +4298,7 @@
           <a:lstStyle/>
           <a:p>
             <a:r>
-              <a:rPr lang="zh-CN" altLang="en-US" sz="2399" dirty="0">
+              <a:rPr lang="zh-CN" altLang="en-US" sz="2400" dirty="0">
                 <a:solidFill>
                   <a:schemeClr val="tx1">
                     <a:lumMod val="85000"/>
@@ -5827,20 +4315,14 @@
       </p:sp>
       <p:sp>
         <p:nvSpPr>
-          <p:cNvPr id="7" name="文本框 6">
-            <a:extLst>
-              <a:ext uri="{FF2B5EF4-FFF2-40B4-BE49-F238E27FC236}">
-                <a16:creationId xmlns:a16="http://schemas.microsoft.com/office/drawing/2014/main" id="{76381B54-5690-4350-9826-0DDD65E2B039}"/>
-              </a:ext>
-            </a:extLst>
-          </p:cNvPr>
+          <p:cNvPr id="7" name="文本框 6"/>
           <p:cNvSpPr txBox="1"/>
           <p:nvPr/>
         </p:nvSpPr>
         <p:spPr>
           <a:xfrm>
             <a:off x="890511" y="2270938"/>
-            <a:ext cx="5075389" cy="600036"/>
+            <a:ext cx="5075389" cy="598805"/>
           </a:xfrm>
           <a:prstGeom prst="rect">
             <a:avLst/>
@@ -5855,7 +4337,7 @@
           <a:p>
             <a:pPr algn="ctr"/>
             <a:r>
-              <a:rPr lang="zh-CN" altLang="en-US" sz="3299" dirty="0">
+              <a:rPr lang="zh-CN" altLang="en-US" sz="3300" dirty="0">
                 <a:solidFill>
                   <a:schemeClr val="tx1">
                     <a:lumMod val="85000"/>
@@ -5865,20 +4347,14 @@
                 <a:latin typeface="微软雅黑" panose="020B0503020204020204" pitchFamily="34" charset="-122"/>
                 <a:ea typeface="微软雅黑" panose="020B0503020204020204" pitchFamily="34" charset="-122"/>
               </a:rPr>
-              <a:t>组名</a:t>
+              <a:t>网安组</a:t>
             </a:r>
           </a:p>
         </p:txBody>
       </p:sp>
       <p:sp>
         <p:nvSpPr>
-          <p:cNvPr id="6" name="矩形 5">
-            <a:extLst>
-              <a:ext uri="{FF2B5EF4-FFF2-40B4-BE49-F238E27FC236}">
-                <a16:creationId xmlns:a16="http://schemas.microsoft.com/office/drawing/2014/main" id="{9B8BA4F9-706B-4FD8-881A-258B8E1E9B3F}"/>
-              </a:ext>
-            </a:extLst>
-          </p:cNvPr>
+          <p:cNvPr id="6" name="矩形 5"/>
           <p:cNvSpPr/>
           <p:nvPr/>
         </p:nvSpPr>
@@ -5904,8 +4380,7 @@
                 </a:solidFill>
                 <a:latin typeface="Harlow Solid Italic" panose="04030604020F02020D02" pitchFamily="82" charset="0"/>
               </a:rPr>
-              <a:pPr/>
-              <a:t>2020/12/12</a:t>
+              <a:t>2021/3/6</a:t>
             </a:fld>
             <a:endParaRPr lang="zh-CN" altLang="en-US" sz="1050" dirty="0">
               <a:solidFill>
@@ -5917,11 +4392,6 @@
         </p:txBody>
       </p:sp>
     </p:spTree>
-    <p:extLst>
-      <p:ext uri="{BB962C8B-B14F-4D97-AF65-F5344CB8AC3E}">
-        <p14:creationId xmlns:p14="http://schemas.microsoft.com/office/powerpoint/2010/main" val="2441826654"/>
-      </p:ext>
-    </p:extLst>
   </p:cSld>
   <p:clrMapOvr>
     <a:masterClrMapping/>
@@ -5958,18 +4428,192 @@
           <a:chExt cx="0" cy="0"/>
         </a:xfrm>
       </p:grpSpPr>
+      <p:pic>
+        <p:nvPicPr>
+          <p:cNvPr id="3" name="图片 2"/>
+          <p:cNvPicPr>
+            <a:picLocks noChangeAspect="1"/>
+          </p:cNvPicPr>
+          <p:nvPr/>
+        </p:nvPicPr>
+        <p:blipFill>
+          <a:blip r:embed="rId3" cstate="print">
+            <a:extLst>
+              <a:ext uri="{28A0092B-C50C-407E-A947-70E740481C1C}">
+                <a14:useLocalDpi xmlns:a14="http://schemas.microsoft.com/office/drawing/2010/main" val="0"/>
+              </a:ext>
+            </a:extLst>
+          </a:blip>
+          <a:stretch>
+            <a:fillRect/>
+          </a:stretch>
+        </p:blipFill>
+        <p:spPr>
+          <a:xfrm>
+            <a:off x="252563" y="266700"/>
+            <a:ext cx="1275895" cy="431948"/>
+          </a:xfrm>
+          <a:prstGeom prst="rect">
+            <a:avLst/>
+          </a:prstGeom>
+        </p:spPr>
+      </p:pic>
       <p:sp>
         <p:nvSpPr>
-          <p:cNvPr id="20" name="内容占位符 1">
-            <a:extLst>
-              <a:ext uri="{FF2B5EF4-FFF2-40B4-BE49-F238E27FC236}">
-                <a16:creationId xmlns:a16="http://schemas.microsoft.com/office/drawing/2014/main" id="{98B04B41-3951-44C5-BF84-30560901A6C3}"/>
-              </a:ext>
-            </a:extLst>
-          </p:cNvPr>
-          <p:cNvSpPr txBox="1">
-            <a:spLocks/>
-          </p:cNvSpPr>
+          <p:cNvPr id="4" name="矩形 3"/>
+          <p:cNvSpPr/>
+          <p:nvPr/>
+        </p:nvSpPr>
+        <p:spPr>
+          <a:xfrm>
+            <a:off x="2420094" y="251905"/>
+            <a:ext cx="2339102" cy="461665"/>
+          </a:xfrm>
+          <a:prstGeom prst="rect">
+            <a:avLst/>
+          </a:prstGeom>
+        </p:spPr>
+        <p:txBody>
+          <a:bodyPr wrap="none">
+            <a:spAutoFit/>
+          </a:bodyPr>
+          <a:lstStyle/>
+          <a:p>
+            <a:r>
+              <a:rPr lang="zh-CN" altLang="en-US" sz="2400" dirty="0">
+                <a:solidFill>
+                  <a:schemeClr val="tx1">
+                    <a:lumMod val="85000"/>
+                    <a:lumOff val="15000"/>
+                  </a:schemeClr>
+                </a:solidFill>
+                <a:latin typeface="微软雅黑" panose="020B0503020204020204" pitchFamily="34" charset="-122"/>
+                <a:ea typeface="微软雅黑" panose="020B0503020204020204" pitchFamily="34" charset="-122"/>
+              </a:rPr>
+              <a:t>网安组进度汇报</a:t>
+            </a:r>
+          </a:p>
+        </p:txBody>
+      </p:sp>
+      <p:sp>
+        <p:nvSpPr>
+          <p:cNvPr id="7" name="文本框 6"/>
+          <p:cNvSpPr txBox="1"/>
+          <p:nvPr/>
+        </p:nvSpPr>
+        <p:spPr>
+          <a:xfrm>
+            <a:off x="890511" y="2270938"/>
+            <a:ext cx="5075389" cy="598805"/>
+          </a:xfrm>
+          <a:prstGeom prst="rect">
+            <a:avLst/>
+          </a:prstGeom>
+          <a:noFill/>
+        </p:spPr>
+        <p:txBody>
+          <a:bodyPr wrap="square" rtlCol="0">
+            <a:spAutoFit/>
+          </a:bodyPr>
+          <a:lstStyle/>
+          <a:p>
+            <a:pPr algn="ctr"/>
+            <a:r>
+              <a:rPr lang="zh-CN" altLang="en-US" sz="3300" dirty="0">
+                <a:solidFill>
+                  <a:schemeClr val="tx1">
+                    <a:lumMod val="85000"/>
+                    <a:lumOff val="15000"/>
+                  </a:schemeClr>
+                </a:solidFill>
+                <a:latin typeface="微软雅黑" panose="020B0503020204020204" pitchFamily="34" charset="-122"/>
+                <a:ea typeface="微软雅黑" panose="020B0503020204020204" pitchFamily="34" charset="-122"/>
+              </a:rPr>
+              <a:t>机理分析</a:t>
+            </a:r>
+          </a:p>
+        </p:txBody>
+      </p:sp>
+      <p:sp>
+        <p:nvSpPr>
+          <p:cNvPr id="6" name="矩形 5"/>
+          <p:cNvSpPr/>
+          <p:nvPr/>
+        </p:nvSpPr>
+        <p:spPr>
+          <a:xfrm>
+            <a:off x="5965901" y="4803204"/>
+            <a:ext cx="906488" cy="253916"/>
+          </a:xfrm>
+          <a:prstGeom prst="rect">
+            <a:avLst/>
+          </a:prstGeom>
+        </p:spPr>
+        <p:txBody>
+          <a:bodyPr wrap="square">
+            <a:spAutoFit/>
+          </a:bodyPr>
+          <a:lstStyle/>
+          <a:p>
+            <a:fld id="{B003DC61-8263-4D38-B314-B150A0DB5246}" type="datetime1">
+              <a:rPr lang="zh-CN" altLang="en-US" sz="1050">
+                <a:solidFill>
+                  <a:schemeClr val="tx2"/>
+                </a:solidFill>
+                <a:latin typeface="Harlow Solid Italic" panose="04030604020F02020D02" pitchFamily="82" charset="0"/>
+              </a:rPr>
+              <a:t>2021/3/6</a:t>
+            </a:fld>
+            <a:endParaRPr lang="zh-CN" altLang="en-US" sz="1050" dirty="0">
+              <a:solidFill>
+                <a:schemeClr val="tx2"/>
+              </a:solidFill>
+              <a:latin typeface="Harlow Solid Italic" panose="04030604020F02020D02" pitchFamily="82" charset="0"/>
+            </a:endParaRPr>
+          </a:p>
+        </p:txBody>
+      </p:sp>
+    </p:spTree>
+  </p:cSld>
+  <p:clrMapOvr>
+    <a:masterClrMapping/>
+  </p:clrMapOvr>
+  <mc:AlternateContent xmlns:mc="http://schemas.openxmlformats.org/markup-compatibility/2006" xmlns:p14="http://schemas.microsoft.com/office/powerpoint/2010/main">
+    <mc:Choice Requires="p14">
+      <p:transition spd="med" p14:dur="700">
+        <p:fade/>
+      </p:transition>
+    </mc:Choice>
+    <mc:Fallback xmlns="">
+      <p:transition spd="med">
+        <p:fade/>
+      </p:transition>
+    </mc:Fallback>
+  </mc:AlternateContent>
+</p:sld>
+</file>
+
+<file path=ppt/slides/slide3.xml><?xml version="1.0" encoding="utf-8"?>
+<p:sld xmlns:a="http://schemas.openxmlformats.org/drawingml/2006/main" xmlns:r="http://schemas.openxmlformats.org/officeDocument/2006/relationships" xmlns:p="http://schemas.openxmlformats.org/presentationml/2006/main">
+  <p:cSld>
+    <p:spTree>
+      <p:nvGrpSpPr>
+        <p:cNvPr id="1" name=""/>
+        <p:cNvGrpSpPr/>
+        <p:nvPr/>
+      </p:nvGrpSpPr>
+      <p:grpSpPr>
+        <a:xfrm>
+          <a:off x="0" y="0"/>
+          <a:ext cx="0" cy="0"/>
+          <a:chOff x="0" y="0"/>
+          <a:chExt cx="0" cy="0"/>
+        </a:xfrm>
+      </p:grpSpPr>
+      <p:sp>
+        <p:nvSpPr>
+          <p:cNvPr id="20" name="内容占位符 1"/>
+          <p:cNvSpPr txBox="1"/>
           <p:nvPr/>
         </p:nvSpPr>
         <p:spPr>
@@ -6133,27 +4777,15 @@
       </p:sp>
       <p:graphicFrame>
         <p:nvGraphicFramePr>
-          <p:cNvPr id="6" name="表格 5">
-            <a:extLst>
-              <a:ext uri="{FF2B5EF4-FFF2-40B4-BE49-F238E27FC236}">
-                <a16:creationId xmlns:a16="http://schemas.microsoft.com/office/drawing/2014/main" id="{8C1E7DDE-59EB-428A-B1A6-295EE55BC850}"/>
-              </a:ext>
-            </a:extLst>
-          </p:cNvPr>
+          <p:cNvPr id="6" name="表格 5"/>
           <p:cNvGraphicFramePr>
             <a:graphicFrameLocks noGrp="1"/>
           </p:cNvGraphicFramePr>
-          <p:nvPr>
-            <p:extLst>
-              <p:ext uri="{D42A27DB-BD31-4B8C-83A1-F6EECF244321}">
-                <p14:modId xmlns:p14="http://schemas.microsoft.com/office/powerpoint/2010/main" val="2120790995"/>
-              </p:ext>
-            </p:extLst>
-          </p:nvPr>
+          <p:nvPr/>
         </p:nvGraphicFramePr>
         <p:xfrm>
           <a:off x="763910" y="1557772"/>
-          <a:ext cx="5400600" cy="3173424"/>
+          <a:ext cx="5400600" cy="2506082"/>
         </p:xfrm>
         <a:graphic>
           <a:graphicData uri="http://schemas.openxmlformats.org/drawingml/2006/table">
@@ -6232,7 +4864,6 @@
                         <a:buSzTx/>
                         <a:buFontTx/>
                         <a:buNone/>
-                        <a:tabLst/>
                         <a:defRPr/>
                       </a:pPr>
                       <a:r>
@@ -6266,20 +4897,11 @@
                         <a:buSzTx/>
                         <a:buFontTx/>
                         <a:buNone/>
-                        <a:tabLst/>
                         <a:defRPr/>
                       </a:pPr>
                       <a:r>
-                        <a:rPr lang="en-US" altLang="zh-CN" sz="1600" dirty="0"/>
-                        <a:t>XXX</a:t>
-                      </a:r>
-                      <a:r>
                         <a:rPr lang="zh-CN" altLang="en-US" sz="1600" dirty="0"/>
-                        <a:t>，</a:t>
-                      </a:r>
-                      <a:r>
-                        <a:rPr lang="en-US" altLang="zh-CN" sz="1600" dirty="0"/>
-                        <a:t>XXX</a:t>
+                        <a:t>刘羿</a:t>
                       </a:r>
                     </a:p>
                   </a:txBody>
@@ -6311,7 +4933,6 @@
                         <a:buSzTx/>
                         <a:buFontTx/>
                         <a:buNone/>
-                        <a:tabLst/>
                         <a:defRPr/>
                       </a:pPr>
                       <a:r>
@@ -6330,18 +4951,9 @@
                     <a:p>
                       <a:pPr algn="ctr"/>
                       <a:r>
-                        <a:rPr lang="en-US" altLang="zh-CN" sz="1600" dirty="0"/>
-                        <a:t>XXX</a:t>
+                        <a:rPr lang="zh-CN" altLang="en-US" sz="1600" dirty="0"/>
+                        <a:t>董瑞华</a:t>
                       </a:r>
-                      <a:r>
-                        <a:rPr lang="zh-CN" altLang="en-US" sz="1600" dirty="0"/>
-                        <a:t>，</a:t>
-                      </a:r>
-                      <a:r>
-                        <a:rPr lang="en-US" altLang="zh-CN" sz="1600" dirty="0"/>
-                        <a:t>XXX</a:t>
-                      </a:r>
-                      <a:endParaRPr lang="zh-CN" altLang="en-US" sz="1600" dirty="0"/>
                     </a:p>
                   </a:txBody>
                   <a:tcPr marL="68564" marR="68564" marT="34282" marB="34282" anchor="ctr"/>
@@ -6359,7 +4971,10 @@
                     <a:lstStyle/>
                     <a:p>
                       <a:pPr algn="ctr"/>
-                      <a:endParaRPr lang="en-US" altLang="zh-CN" sz="1600" dirty="0"/>
+                      <a:r>
+                        <a:rPr lang="zh-CN" altLang="en-US" sz="1600" dirty="0"/>
+                        <a:t>大二</a:t>
+                      </a:r>
                     </a:p>
                   </a:txBody>
                   <a:tcPr marL="68564" marR="68564" marT="34282" marB="34282" anchor="ctr"/>
@@ -6370,7 +4985,10 @@
                     <a:lstStyle/>
                     <a:p>
                       <a:pPr algn="ctr"/>
-                      <a:endParaRPr lang="zh-CN" altLang="en-US" sz="1600" dirty="0"/>
+                      <a:r>
+                        <a:rPr lang="zh-CN" altLang="en-US" sz="1600" dirty="0"/>
+                        <a:t>严宇，孙堃</a:t>
+                      </a:r>
                     </a:p>
                   </a:txBody>
                   <a:tcPr marL="68564" marR="68564" marT="34282" marB="34282" anchor="ctr"/>
@@ -6381,48 +4999,13 @@
                   </a:ext>
                 </a:extLst>
               </a:tr>
-              <a:tr h="667342">
-                <a:tc>
-                  <a:txBody>
-                    <a:bodyPr/>
-                    <a:lstStyle/>
-                    <a:p>
-                      <a:pPr algn="ctr"/>
-                      <a:endParaRPr lang="zh-CN" altLang="en-US" sz="1600"/>
-                    </a:p>
-                  </a:txBody>
-                  <a:tcPr marL="68564" marR="68564" marT="34282" marB="34282" anchor="ctr"/>
-                </a:tc>
-                <a:tc>
-                  <a:txBody>
-                    <a:bodyPr/>
-                    <a:lstStyle/>
-                    <a:p>
-                      <a:pPr algn="ctr"/>
-                      <a:endParaRPr lang="zh-CN" altLang="en-US" sz="1600" dirty="0"/>
-                    </a:p>
-                  </a:txBody>
-                  <a:tcPr marL="68564" marR="68564" marT="34282" marB="34282" anchor="ctr"/>
-                </a:tc>
-                <a:extLst>
-                  <a:ext uri="{0D108BD9-81ED-4DB2-BD59-A6C34878D82A}">
-                    <a16:rowId xmlns:a16="http://schemas.microsoft.com/office/drawing/2014/main" val="10004"/>
-                  </a:ext>
-                </a:extLst>
-              </a:tr>
             </a:tbl>
           </a:graphicData>
         </a:graphic>
       </p:graphicFrame>
       <p:pic>
         <p:nvPicPr>
-          <p:cNvPr id="9" name="图片 8">
-            <a:extLst>
-              <a:ext uri="{FF2B5EF4-FFF2-40B4-BE49-F238E27FC236}">
-                <a16:creationId xmlns:a16="http://schemas.microsoft.com/office/drawing/2014/main" id="{0B7F61AC-CA50-4F8A-ACB8-5B0DD849CCD4}"/>
-              </a:ext>
-            </a:extLst>
-          </p:cNvPr>
+          <p:cNvPr id="9" name="图片 8"/>
           <p:cNvPicPr>
             <a:picLocks noChangeAspect="1"/>
           </p:cNvPicPr>
@@ -6452,20 +5035,14 @@
       </p:pic>
       <p:sp>
         <p:nvSpPr>
-          <p:cNvPr id="10" name="矩形 9">
-            <a:extLst>
-              <a:ext uri="{FF2B5EF4-FFF2-40B4-BE49-F238E27FC236}">
-                <a16:creationId xmlns:a16="http://schemas.microsoft.com/office/drawing/2014/main" id="{74370169-39A5-434F-9C1B-986C3EBE464B}"/>
-              </a:ext>
-            </a:extLst>
-          </p:cNvPr>
+          <p:cNvPr id="10" name="矩形 9"/>
           <p:cNvSpPr/>
           <p:nvPr/>
         </p:nvSpPr>
         <p:spPr>
           <a:xfrm>
             <a:off x="2060054" y="251905"/>
-            <a:ext cx="3618298" cy="461537"/>
+            <a:ext cx="4388509" cy="461665"/>
           </a:xfrm>
           <a:prstGeom prst="rect">
             <a:avLst/>
@@ -6478,7 +5055,7 @@
           <a:lstStyle/>
           <a:p>
             <a:r>
-              <a:rPr lang="zh-CN" altLang="en-US" sz="2399" dirty="0">
+              <a:rPr lang="zh-CN" altLang="en-US" sz="2400" dirty="0">
                 <a:solidFill>
                   <a:schemeClr val="tx1">
                     <a:lumMod val="85000"/>
@@ -6488,10 +5065,10 @@
                 <a:latin typeface="微软雅黑" panose="020B0503020204020204" pitchFamily="34" charset="-122"/>
                 <a:ea typeface="微软雅黑" panose="020B0503020204020204" pitchFamily="34" charset="-122"/>
               </a:rPr>
-              <a:t>项目组进度汇报</a:t>
+              <a:t>网安组进度汇报</a:t>
             </a:r>
             <a:r>
-              <a:rPr lang="en-US" altLang="zh-CN" sz="2399" dirty="0">
+              <a:rPr lang="en-US" altLang="zh-CN" sz="2400" dirty="0">
                 <a:solidFill>
                   <a:schemeClr val="tx1">
                     <a:lumMod val="85000"/>
@@ -6504,7 +5081,7 @@
               <a:t>——</a:t>
             </a:r>
             <a:r>
-              <a:rPr lang="zh-CN" altLang="en-US" sz="2399" dirty="0">
+              <a:rPr lang="zh-CN" altLang="en-US" sz="2400" dirty="0">
                 <a:solidFill>
                   <a:schemeClr val="tx1">
                     <a:lumMod val="85000"/>
@@ -6514,20 +5091,14 @@
                 <a:latin typeface="微软雅黑" panose="020B0503020204020204" pitchFamily="34" charset="-122"/>
                 <a:ea typeface="微软雅黑" panose="020B0503020204020204" pitchFamily="34" charset="-122"/>
               </a:rPr>
-              <a:t>组名</a:t>
+              <a:t>机理分析</a:t>
             </a:r>
           </a:p>
         </p:txBody>
       </p:sp>
       <p:sp>
         <p:nvSpPr>
-          <p:cNvPr id="11" name="矩形 10">
-            <a:extLst>
-              <a:ext uri="{FF2B5EF4-FFF2-40B4-BE49-F238E27FC236}">
-                <a16:creationId xmlns:a16="http://schemas.microsoft.com/office/drawing/2014/main" id="{F37959B3-583F-496E-8423-19216F526CA2}"/>
-              </a:ext>
-            </a:extLst>
-          </p:cNvPr>
+          <p:cNvPr id="11" name="矩形 10"/>
           <p:cNvSpPr/>
           <p:nvPr/>
         </p:nvSpPr>
@@ -6553,8 +5124,7 @@
                 </a:solidFill>
                 <a:latin typeface="Harlow Solid Italic" panose="04030604020F02020D02" pitchFamily="82" charset="0"/>
               </a:rPr>
-              <a:pPr/>
-              <a:t>2020/12/12</a:t>
+              <a:t>2021/3/6</a:t>
             </a:fld>
             <a:endParaRPr lang="zh-CN" altLang="en-US" sz="1050" dirty="0">
               <a:solidFill>
@@ -6566,11 +5136,6 @@
         </p:txBody>
       </p:sp>
     </p:spTree>
-    <p:extLst>
-      <p:ext uri="{BB962C8B-B14F-4D97-AF65-F5344CB8AC3E}">
-        <p14:creationId xmlns:p14="http://schemas.microsoft.com/office/powerpoint/2010/main" val="2134118343"/>
-      </p:ext>
-    </p:extLst>
   </p:cSld>
   <p:clrMapOvr>
     <a:masterClrMapping/>
@@ -6590,7 +5155,7 @@
 </p:sld>
 </file>
 
-<file path=ppt/slides/slide3.xml><?xml version="1.0" encoding="utf-8"?>
+<file path=ppt/slides/slide4.xml><?xml version="1.0" encoding="utf-8"?>
 <p:sld xmlns:a="http://schemas.openxmlformats.org/drawingml/2006/main" xmlns:r="http://schemas.openxmlformats.org/officeDocument/2006/relationships" xmlns:p="http://schemas.openxmlformats.org/presentationml/2006/main">
   <p:cSld>
     <p:spTree>
@@ -6609,13 +5174,7 @@
       </p:grpSpPr>
       <p:pic>
         <p:nvPicPr>
-          <p:cNvPr id="13" name="图片 12">
-            <a:extLst>
-              <a:ext uri="{FF2B5EF4-FFF2-40B4-BE49-F238E27FC236}">
-                <a16:creationId xmlns:a16="http://schemas.microsoft.com/office/drawing/2014/main" id="{A62B7A0B-F73D-414C-8BA2-B10A5B222D66}"/>
-              </a:ext>
-            </a:extLst>
-          </p:cNvPr>
+          <p:cNvPr id="13" name="图片 12"/>
           <p:cNvPicPr>
             <a:picLocks noChangeAspect="1"/>
           </p:cNvPicPr>
@@ -6645,20 +5204,14 @@
       </p:pic>
       <p:sp>
         <p:nvSpPr>
-          <p:cNvPr id="16" name="矩形 15">
-            <a:extLst>
-              <a:ext uri="{FF2B5EF4-FFF2-40B4-BE49-F238E27FC236}">
-                <a16:creationId xmlns:a16="http://schemas.microsoft.com/office/drawing/2014/main" id="{92F77E7C-511F-46EC-B39D-99957405E7F4}"/>
-              </a:ext>
-            </a:extLst>
-          </p:cNvPr>
+          <p:cNvPr id="16" name="矩形 15"/>
           <p:cNvSpPr/>
           <p:nvPr/>
         </p:nvSpPr>
         <p:spPr>
           <a:xfrm>
             <a:off x="2060054" y="251905"/>
-            <a:ext cx="3618298" cy="461537"/>
+            <a:ext cx="4388509" cy="461665"/>
           </a:xfrm>
           <a:prstGeom prst="rect">
             <a:avLst/>
@@ -6671,7 +5224,7 @@
           <a:lstStyle/>
           <a:p>
             <a:r>
-              <a:rPr lang="zh-CN" altLang="en-US" sz="2399" dirty="0">
+              <a:rPr lang="zh-CN" altLang="en-US" sz="2400" dirty="0">
                 <a:solidFill>
                   <a:schemeClr val="tx1">
                     <a:lumMod val="85000"/>
@@ -6681,10 +5234,10 @@
                 <a:latin typeface="微软雅黑" panose="020B0503020204020204" pitchFamily="34" charset="-122"/>
                 <a:ea typeface="微软雅黑" panose="020B0503020204020204" pitchFamily="34" charset="-122"/>
               </a:rPr>
-              <a:t>项目组进度汇报</a:t>
+              <a:t>网安组进度汇报</a:t>
             </a:r>
             <a:r>
-              <a:rPr lang="en-US" altLang="zh-CN" sz="2399" dirty="0">
+              <a:rPr lang="en-US" altLang="zh-CN" sz="2400" dirty="0">
                 <a:solidFill>
                   <a:schemeClr val="tx1">
                     <a:lumMod val="85000"/>
@@ -6697,7 +5250,7 @@
               <a:t>——</a:t>
             </a:r>
             <a:r>
-              <a:rPr lang="zh-CN" altLang="en-US" sz="2399" dirty="0">
+              <a:rPr lang="zh-CN" altLang="en-US" sz="2400" dirty="0">
                 <a:solidFill>
                   <a:schemeClr val="tx1">
                     <a:lumMod val="85000"/>
@@ -6707,23 +5260,15 @@
                 <a:latin typeface="微软雅黑" panose="020B0503020204020204" pitchFamily="34" charset="-122"/>
                 <a:ea typeface="微软雅黑" panose="020B0503020204020204" pitchFamily="34" charset="-122"/>
               </a:rPr>
-              <a:t>组名</a:t>
+              <a:t>机理分析</a:t>
             </a:r>
           </a:p>
         </p:txBody>
       </p:sp>
       <p:sp>
         <p:nvSpPr>
-          <p:cNvPr id="17" name="内容占位符 1">
-            <a:extLst>
-              <a:ext uri="{FF2B5EF4-FFF2-40B4-BE49-F238E27FC236}">
-                <a16:creationId xmlns:a16="http://schemas.microsoft.com/office/drawing/2014/main" id="{898AF782-369C-4403-BBAC-7532EAA71CE3}"/>
-              </a:ext>
-            </a:extLst>
-          </p:cNvPr>
-          <p:cNvSpPr txBox="1">
-            <a:spLocks/>
-          </p:cNvSpPr>
+          <p:cNvPr id="17" name="内容占位符 1"/>
+          <p:cNvSpPr txBox="1"/>
           <p:nvPr/>
         </p:nvSpPr>
         <p:spPr>
@@ -6887,27 +5432,15 @@
       </p:sp>
       <p:graphicFrame>
         <p:nvGraphicFramePr>
-          <p:cNvPr id="18" name="表格 17">
-            <a:extLst>
-              <a:ext uri="{FF2B5EF4-FFF2-40B4-BE49-F238E27FC236}">
-                <a16:creationId xmlns:a16="http://schemas.microsoft.com/office/drawing/2014/main" id="{1A0FBDB6-4DB6-4273-BEE0-22E488CBAA54}"/>
-              </a:ext>
-            </a:extLst>
-          </p:cNvPr>
+          <p:cNvPr id="18" name="表格 17"/>
           <p:cNvGraphicFramePr>
             <a:graphicFrameLocks noGrp="1"/>
           </p:cNvGraphicFramePr>
-          <p:nvPr>
-            <p:extLst>
-              <p:ext uri="{D42A27DB-BD31-4B8C-83A1-F6EECF244321}">
-                <p14:modId xmlns:p14="http://schemas.microsoft.com/office/powerpoint/2010/main" val="2493396133"/>
-              </p:ext>
-            </p:extLst>
-          </p:nvPr>
+          <p:nvPr/>
         </p:nvGraphicFramePr>
         <p:xfrm>
           <a:off x="763910" y="1557772"/>
-          <a:ext cx="5400600" cy="3214726"/>
+          <a:ext cx="5400600" cy="1880042"/>
         </p:xfrm>
         <a:graphic>
           <a:graphicData uri="http://schemas.openxmlformats.org/drawingml/2006/table">
@@ -6926,14 +5459,14 @@
                 <a:gridCol w="1116124">
                   <a:extLst>
                     <a:ext uri="{9D8B030D-6E8A-4147-A177-3AD203B41FA5}">
-                      <a16:colId xmlns:a16="http://schemas.microsoft.com/office/drawing/2014/main" val="1304458893"/>
+                      <a16:colId xmlns:a16="http://schemas.microsoft.com/office/drawing/2014/main" val="20001"/>
                     </a:ext>
                   </a:extLst>
                 </a:gridCol>
                 <a:gridCol w="3384376">
                   <a:extLst>
                     <a:ext uri="{9D8B030D-6E8A-4147-A177-3AD203B41FA5}">
-                      <a16:colId xmlns:a16="http://schemas.microsoft.com/office/drawing/2014/main" val="20001"/>
+                      <a16:colId xmlns:a16="http://schemas.microsoft.com/office/drawing/2014/main" val="20002"/>
                     </a:ext>
                   </a:extLst>
                 </a:gridCol>
@@ -7007,12 +5540,11 @@
                         <a:buSzTx/>
                         <a:buFontTx/>
                         <a:buNone/>
-                        <a:tabLst/>
                         <a:defRPr/>
                       </a:pPr>
                       <a:r>
-                        <a:rPr lang="zh-CN" altLang="en-US" sz="1400" dirty="0"/>
-                        <a:t>子模块一</a:t>
+                        <a:rPr lang="zh-CN" altLang="" sz="1400" dirty="0"/>
+                        <a:t>工具分析</a:t>
                       </a:r>
                     </a:p>
                   </a:txBody>
@@ -7037,14 +5569,12 @@
                         <a:buSzTx/>
                         <a:buFontTx/>
                         <a:buNone/>
-                        <a:tabLst/>
                         <a:defRPr/>
                       </a:pPr>
                       <a:r>
-                        <a:rPr lang="en-US" altLang="zh-CN" sz="1400" dirty="0"/>
-                        <a:t>XX</a:t>
+                        <a:rPr lang="zh-CN" altLang="en-US" sz="1400" dirty="0"/>
+                        <a:t>董瑞华</a:t>
                       </a:r>
-                      <a:endParaRPr lang="zh-CN" altLang="en-US" sz="1400" dirty="0"/>
                     </a:p>
                   </a:txBody>
                   <a:tcPr marL="68564" marR="68564" marT="34282" marB="34282" anchor="ctr"/>
@@ -7068,10 +5598,54 @@
                         <a:buSzTx/>
                         <a:buFontTx/>
                         <a:buNone/>
-                        <a:tabLst/>
                         <a:defRPr/>
                       </a:pPr>
-                      <a:endParaRPr lang="en-US" altLang="zh-CN" sz="1400" dirty="0"/>
+                      <a:r>
+                        <a:rPr lang="" altLang="en-US" sz="1400" dirty="0"/>
+                        <a:t>1. </a:t>
+                      </a:r>
+                      <a:r>
+                        <a:rPr lang="zh-CN" altLang="" sz="1400" dirty="0"/>
+                        <a:t>对接合作方，收集声光电相关恶意软件</a:t>
+                      </a:r>
+                    </a:p>
+                    <a:p>
+                      <a:pPr marL="0" marR="0" indent="0" algn="l" defTabSz="914400" rtl="0" eaLnBrk="1" fontAlgn="auto" latinLnBrk="0" hangingPunct="1">
+                        <a:lnSpc>
+                          <a:spcPct val="100000"/>
+                        </a:lnSpc>
+                        <a:spcBef>
+                          <a:spcPts val="0"/>
+                        </a:spcBef>
+                        <a:spcAft>
+                          <a:spcPts val="0"/>
+                        </a:spcAft>
+                        <a:buClrTx/>
+                        <a:buSzTx/>
+                        <a:buFontTx/>
+                        <a:buNone/>
+                        <a:defRPr/>
+                      </a:pPr>
+                      <a:r>
+                        <a:rPr lang="" altLang="zh-CN" sz="1400" dirty="0"/>
+                        <a:t>2. </a:t>
+                      </a:r>
+                      <a:r>
+                        <a:rPr lang="zh-CN" altLang="" sz="1400" dirty="0"/>
+                        <a:t>开始一款新工具的分析</a:t>
+                      </a:r>
+                      <a:r>
+                        <a:rPr lang="" altLang="zh-CN" sz="1400" dirty="0"/>
+                        <a:t>(</a:t>
+                      </a:r>
+                      <a:r>
+                        <a:rPr lang="zh-CN" altLang="" sz="1400" dirty="0"/>
+                        <a:t>孙堃</a:t>
+                      </a:r>
+                      <a:r>
+                        <a:rPr lang="" altLang="zh-CN" sz="1400" dirty="0"/>
+                        <a:t>)</a:t>
+                      </a:r>
                     </a:p>
                   </a:txBody>
                   <a:tcPr marL="68564" marR="68564" marT="34282" marB="34282"/>
@@ -7102,14 +5676,12 @@
                         <a:buSzTx/>
                         <a:buFontTx/>
                         <a:buNone/>
-                        <a:tabLst/>
                         <a:defRPr/>
                       </a:pPr>
                       <a:r>
                         <a:rPr lang="zh-CN" altLang="en-US" sz="1400" dirty="0"/>
-                        <a:t>子模块二</a:t>
+                        <a:t>工具分类论文</a:t>
                       </a:r>
-                      <a:endParaRPr lang="en-US" altLang="zh-CN" sz="1400" dirty="0"/>
                     </a:p>
                   </a:txBody>
                   <a:tcPr marL="68564" marR="68564" marT="34282" marB="34282" anchor="ctr"/>
@@ -7133,12 +5705,11 @@
                         <a:buSzTx/>
                         <a:buFontTx/>
                         <a:buNone/>
-                        <a:tabLst/>
                         <a:defRPr/>
                       </a:pPr>
                       <a:r>
-                        <a:rPr lang="en-US" altLang="zh-CN" sz="1400" dirty="0"/>
-                        <a:t>XX</a:t>
+                        <a:rPr lang="zh-CN" altLang="en-US" sz="1400" dirty="0"/>
+                        <a:t>刘羿</a:t>
                       </a:r>
                     </a:p>
                   </a:txBody>
@@ -7150,7 +5721,57 @@
                     <a:lstStyle/>
                     <a:p>
                       <a:pPr algn="l"/>
-                      <a:endParaRPr lang="zh-CN" altLang="en-US" sz="1400" dirty="0"/>
+                      <a:r>
+                        <a:rPr lang="en-US" altLang="zh-CN" sz="1400" dirty="0"/>
+                        <a:t>1. </a:t>
+                      </a:r>
+                      <a:r>
+                        <a:rPr lang="zh-CN" altLang="en-US" sz="1400" dirty="0"/>
+                        <a:t>收集、整理恶意软件特征向量</a:t>
+                      </a:r>
+                      <a:r>
+                        <a:rPr lang="" altLang="zh-CN" sz="1400" dirty="0"/>
+                        <a:t>(</a:t>
+                      </a:r>
+                      <a:r>
+                        <a:rPr lang="zh-CN" altLang="" sz="1400" dirty="0"/>
+                        <a:t>刘羿</a:t>
+                      </a:r>
+                      <a:r>
+                        <a:rPr lang="" altLang="zh-CN" sz="1400" dirty="0"/>
+                        <a:t>)</a:t>
+                      </a:r>
+                    </a:p>
+                    <a:p>
+                      <a:pPr algn="l"/>
+                      <a:r>
+                        <a:rPr lang="en-US" altLang="" sz="1400" dirty="0"/>
+                        <a:t>2. </a:t>
+                      </a:r>
+                      <a:r>
+                        <a:rPr lang="zh-CN" altLang="en-US" sz="1400" dirty="0"/>
+                        <a:t>基于</a:t>
+                      </a:r>
+                      <a:r>
+                        <a:rPr lang="en-US" altLang="zh-CN" sz="1400" dirty="0"/>
+                        <a:t>CVSS</a:t>
+                      </a:r>
+                      <a:r>
+                        <a:rPr lang="zh-CN" altLang="en-US" sz="1400" dirty="0"/>
+                        <a:t>，制定恶意软件评分大纲</a:t>
+                      </a:r>
+                      <a:r>
+                        <a:rPr lang="" altLang="zh-CN" sz="1400" dirty="0"/>
+                        <a:t>(</a:t>
+                      </a:r>
+                      <a:r>
+                        <a:rPr lang="zh-CN" altLang="" sz="1400" dirty="0"/>
+                        <a:t>董瑞华</a:t>
+                      </a:r>
+                      <a:r>
+                        <a:rPr lang="" altLang="zh-CN" sz="1400" dirty="0"/>
+                        <a:t>)</a:t>
+                      </a:r>
                     </a:p>
                   </a:txBody>
                   <a:tcPr marL="68564" marR="68564" marT="34282" marB="34282"/>
@@ -7161,103 +5782,13 @@
                   </a:ext>
                 </a:extLst>
               </a:tr>
-              <a:tr h="667342">
-                <a:tc>
-                  <a:txBody>
-                    <a:bodyPr/>
-                    <a:lstStyle/>
-                    <a:p>
-                      <a:pPr algn="ctr"/>
-                      <a:r>
-                        <a:rPr lang="zh-CN" altLang="en-US" sz="1400" dirty="0"/>
-                        <a:t>示例：投票系统开发</a:t>
-                      </a:r>
-                      <a:endParaRPr lang="en-US" altLang="zh-CN" sz="1400" dirty="0"/>
-                    </a:p>
-                  </a:txBody>
-                  <a:tcPr marL="68564" marR="68564" marT="34282" marB="34282" anchor="ctr"/>
-                </a:tc>
-                <a:tc>
-                  <a:txBody>
-                    <a:bodyPr/>
-                    <a:lstStyle/>
-                    <a:p>
-                      <a:pPr algn="ctr"/>
-                      <a:endParaRPr lang="en-US" altLang="zh-CN" sz="1400" dirty="0"/>
-                    </a:p>
-                  </a:txBody>
-                  <a:tcPr marL="68564" marR="68564" marT="34282" marB="34282" anchor="ctr"/>
-                </a:tc>
-                <a:tc>
-                  <a:txBody>
-                    <a:bodyPr/>
-                    <a:lstStyle/>
-                    <a:p>
-                      <a:pPr algn="l"/>
-                      <a:endParaRPr lang="zh-CN" altLang="en-US" sz="1400" dirty="0"/>
-                    </a:p>
-                  </a:txBody>
-                  <a:tcPr marL="68564" marR="68564" marT="34282" marB="34282"/>
-                </a:tc>
-                <a:extLst>
-                  <a:ext uri="{0D108BD9-81ED-4DB2-BD59-A6C34878D82A}">
-                    <a16:rowId xmlns:a16="http://schemas.microsoft.com/office/drawing/2014/main" val="10003"/>
-                  </a:ext>
-                </a:extLst>
-              </a:tr>
-              <a:tr h="667342">
-                <a:tc>
-                  <a:txBody>
-                    <a:bodyPr/>
-                    <a:lstStyle/>
-                    <a:p>
-                      <a:pPr algn="ctr"/>
-                      <a:endParaRPr lang="zh-CN" altLang="en-US" sz="1400" dirty="0"/>
-                    </a:p>
-                  </a:txBody>
-                  <a:tcPr marL="68564" marR="68564" marT="34282" marB="34282" anchor="ctr"/>
-                </a:tc>
-                <a:tc>
-                  <a:txBody>
-                    <a:bodyPr/>
-                    <a:lstStyle/>
-                    <a:p>
-                      <a:pPr algn="ctr"/>
-                      <a:endParaRPr lang="zh-CN" altLang="en-US" sz="1400" dirty="0"/>
-                    </a:p>
-                  </a:txBody>
-                  <a:tcPr marL="68564" marR="68564" marT="34282" marB="34282" anchor="ctr"/>
-                </a:tc>
-                <a:tc>
-                  <a:txBody>
-                    <a:bodyPr/>
-                    <a:lstStyle/>
-                    <a:p>
-                      <a:pPr algn="l"/>
-                      <a:endParaRPr lang="zh-CN" altLang="en-US" sz="1400" dirty="0"/>
-                    </a:p>
-                  </a:txBody>
-                  <a:tcPr marL="68564" marR="68564" marT="34282" marB="34282"/>
-                </a:tc>
-                <a:extLst>
-                  <a:ext uri="{0D108BD9-81ED-4DB2-BD59-A6C34878D82A}">
-                    <a16:rowId xmlns:a16="http://schemas.microsoft.com/office/drawing/2014/main" val="10004"/>
-                  </a:ext>
-                </a:extLst>
-              </a:tr>
             </a:tbl>
           </a:graphicData>
         </a:graphic>
       </p:graphicFrame>
       <p:sp>
         <p:nvSpPr>
-          <p:cNvPr id="7" name="矩形 6">
-            <a:extLst>
-              <a:ext uri="{FF2B5EF4-FFF2-40B4-BE49-F238E27FC236}">
-                <a16:creationId xmlns:a16="http://schemas.microsoft.com/office/drawing/2014/main" id="{54928BD2-B35E-4262-B934-31A2B4E78590}"/>
-              </a:ext>
-            </a:extLst>
-          </p:cNvPr>
+          <p:cNvPr id="7" name="矩形 6"/>
           <p:cNvSpPr/>
           <p:nvPr/>
         </p:nvSpPr>
@@ -7283,8 +5814,7 @@
                 </a:solidFill>
                 <a:latin typeface="Harlow Solid Italic" panose="04030604020F02020D02" pitchFamily="82" charset="0"/>
               </a:rPr>
-              <a:pPr/>
-              <a:t>2020/12/12</a:t>
+              <a:t>2021/3/6</a:t>
             </a:fld>
             <a:endParaRPr lang="zh-CN" altLang="en-US" sz="1050" dirty="0">
               <a:solidFill>
@@ -7296,524 +5826,6 @@
         </p:txBody>
       </p:sp>
     </p:spTree>
-    <p:extLst>
-      <p:ext uri="{BB962C8B-B14F-4D97-AF65-F5344CB8AC3E}">
-        <p14:creationId xmlns:p14="http://schemas.microsoft.com/office/powerpoint/2010/main" val="1083086231"/>
-      </p:ext>
-    </p:extLst>
-  </p:cSld>
-  <p:clrMapOvr>
-    <a:masterClrMapping/>
-  </p:clrMapOvr>
-  <mc:AlternateContent xmlns:mc="http://schemas.openxmlformats.org/markup-compatibility/2006" xmlns:p14="http://schemas.microsoft.com/office/powerpoint/2010/main">
-    <mc:Choice Requires="p14">
-      <p:transition spd="med" p14:dur="700">
-        <p:fade/>
-      </p:transition>
-    </mc:Choice>
-    <mc:Fallback xmlns="">
-      <p:transition spd="med">
-        <p:fade/>
-      </p:transition>
-    </mc:Fallback>
-  </mc:AlternateContent>
-</p:sld>
-</file>
-
-<file path=ppt/slides/slide4.xml><?xml version="1.0" encoding="utf-8"?>
-<p:sld xmlns:a="http://schemas.openxmlformats.org/drawingml/2006/main" xmlns:r="http://schemas.openxmlformats.org/officeDocument/2006/relationships" xmlns:p="http://schemas.openxmlformats.org/presentationml/2006/main">
-  <p:cSld>
-    <p:spTree>
-      <p:nvGrpSpPr>
-        <p:cNvPr id="1" name=""/>
-        <p:cNvGrpSpPr/>
-        <p:nvPr/>
-      </p:nvGrpSpPr>
-      <p:grpSpPr>
-        <a:xfrm>
-          <a:off x="0" y="0"/>
-          <a:ext cx="0" cy="0"/>
-          <a:chOff x="0" y="0"/>
-          <a:chExt cx="0" cy="0"/>
-        </a:xfrm>
-      </p:grpSpPr>
-      <p:pic>
-        <p:nvPicPr>
-          <p:cNvPr id="13" name="图片 12">
-            <a:extLst>
-              <a:ext uri="{FF2B5EF4-FFF2-40B4-BE49-F238E27FC236}">
-                <a16:creationId xmlns:a16="http://schemas.microsoft.com/office/drawing/2014/main" id="{4DA88F36-C637-4EF8-BC83-E594F1B22591}"/>
-              </a:ext>
-            </a:extLst>
-          </p:cNvPr>
-          <p:cNvPicPr>
-            <a:picLocks noChangeAspect="1"/>
-          </p:cNvPicPr>
-          <p:nvPr/>
-        </p:nvPicPr>
-        <p:blipFill>
-          <a:blip r:embed="rId2" cstate="print">
-            <a:extLst>
-              <a:ext uri="{28A0092B-C50C-407E-A947-70E740481C1C}">
-                <a14:useLocalDpi xmlns:a14="http://schemas.microsoft.com/office/drawing/2010/main" val="0"/>
-              </a:ext>
-            </a:extLst>
-          </a:blip>
-          <a:stretch>
-            <a:fillRect/>
-          </a:stretch>
-        </p:blipFill>
-        <p:spPr>
-          <a:xfrm>
-            <a:off x="252563" y="266700"/>
-            <a:ext cx="1275895" cy="431948"/>
-          </a:xfrm>
-          <a:prstGeom prst="rect">
-            <a:avLst/>
-          </a:prstGeom>
-        </p:spPr>
-      </p:pic>
-      <p:sp>
-        <p:nvSpPr>
-          <p:cNvPr id="16" name="矩形 15">
-            <a:extLst>
-              <a:ext uri="{FF2B5EF4-FFF2-40B4-BE49-F238E27FC236}">
-                <a16:creationId xmlns:a16="http://schemas.microsoft.com/office/drawing/2014/main" id="{9598269B-AE1C-4A1B-ACD7-EB9C12A805BC}"/>
-              </a:ext>
-            </a:extLst>
-          </p:cNvPr>
-          <p:cNvSpPr/>
-          <p:nvPr/>
-        </p:nvSpPr>
-        <p:spPr>
-          <a:xfrm>
-            <a:off x="2060054" y="251905"/>
-            <a:ext cx="3618298" cy="461537"/>
-          </a:xfrm>
-          <a:prstGeom prst="rect">
-            <a:avLst/>
-          </a:prstGeom>
-        </p:spPr>
-        <p:txBody>
-          <a:bodyPr wrap="none">
-            <a:spAutoFit/>
-          </a:bodyPr>
-          <a:lstStyle/>
-          <a:p>
-            <a:r>
-              <a:rPr lang="zh-CN" altLang="en-US" sz="2399" dirty="0">
-                <a:solidFill>
-                  <a:schemeClr val="tx1">
-                    <a:lumMod val="85000"/>
-                    <a:lumOff val="15000"/>
-                  </a:schemeClr>
-                </a:solidFill>
-                <a:latin typeface="微软雅黑" panose="020B0503020204020204" pitchFamily="34" charset="-122"/>
-                <a:ea typeface="微软雅黑" panose="020B0503020204020204" pitchFamily="34" charset="-122"/>
-              </a:rPr>
-              <a:t>项目组进度汇报</a:t>
-            </a:r>
-            <a:r>
-              <a:rPr lang="en-US" altLang="zh-CN" sz="2399" dirty="0">
-                <a:solidFill>
-                  <a:schemeClr val="tx1">
-                    <a:lumMod val="85000"/>
-                    <a:lumOff val="15000"/>
-                  </a:schemeClr>
-                </a:solidFill>
-                <a:latin typeface="微软雅黑" panose="020B0503020204020204" pitchFamily="34" charset="-122"/>
-                <a:ea typeface="微软雅黑" panose="020B0503020204020204" pitchFamily="34" charset="-122"/>
-              </a:rPr>
-              <a:t>——</a:t>
-            </a:r>
-            <a:r>
-              <a:rPr lang="zh-CN" altLang="en-US" sz="2399" dirty="0">
-                <a:solidFill>
-                  <a:schemeClr val="tx1">
-                    <a:lumMod val="85000"/>
-                    <a:lumOff val="15000"/>
-                  </a:schemeClr>
-                </a:solidFill>
-                <a:latin typeface="微软雅黑" panose="020B0503020204020204" pitchFamily="34" charset="-122"/>
-                <a:ea typeface="微软雅黑" panose="020B0503020204020204" pitchFamily="34" charset="-122"/>
-              </a:rPr>
-              <a:t>组名</a:t>
-            </a:r>
-          </a:p>
-        </p:txBody>
-      </p:sp>
-      <p:sp>
-        <p:nvSpPr>
-          <p:cNvPr id="17" name="内容占位符 1">
-            <a:extLst>
-              <a:ext uri="{FF2B5EF4-FFF2-40B4-BE49-F238E27FC236}">
-                <a16:creationId xmlns:a16="http://schemas.microsoft.com/office/drawing/2014/main" id="{FC880E3E-A345-4B71-B678-0C2F4711002E}"/>
-              </a:ext>
-            </a:extLst>
-          </p:cNvPr>
-          <p:cNvSpPr txBox="1">
-            <a:spLocks/>
-          </p:cNvSpPr>
-          <p:nvPr/>
-        </p:nvSpPr>
-        <p:spPr>
-          <a:xfrm>
-            <a:off x="331862" y="1116919"/>
-            <a:ext cx="1872208" cy="445925"/>
-          </a:xfrm>
-          <a:prstGeom prst="rect">
-            <a:avLst/>
-          </a:prstGeom>
-        </p:spPr>
-        <p:txBody>
-          <a:bodyPr/>
-          <a:lstStyle>
-            <a:lvl1pPr marL="342900" indent="-342900" algn="l" defTabSz="914400" rtl="0" eaLnBrk="1" latinLnBrk="0" hangingPunct="1">
-              <a:spcBef>
-                <a:spcPct val="20000"/>
-              </a:spcBef>
-              <a:buFont typeface="Arial" panose="020B0604020202020204" pitchFamily="34" charset="0"/>
-              <a:buChar char="•"/>
-              <a:defRPr sz="3200" kern="1200">
-                <a:solidFill>
-                  <a:schemeClr val="tx1"/>
-                </a:solidFill>
-                <a:latin typeface="+mn-lt"/>
-                <a:ea typeface="+mn-ea"/>
-                <a:cs typeface="+mn-cs"/>
-              </a:defRPr>
-            </a:lvl1pPr>
-            <a:lvl2pPr marL="742950" indent="-285750" algn="l" defTabSz="914400" rtl="0" eaLnBrk="1" latinLnBrk="0" hangingPunct="1">
-              <a:spcBef>
-                <a:spcPct val="20000"/>
-              </a:spcBef>
-              <a:buFont typeface="Arial" panose="020B0604020202020204" pitchFamily="34" charset="0"/>
-              <a:buChar char="–"/>
-              <a:defRPr sz="2800" kern="1200">
-                <a:solidFill>
-                  <a:schemeClr val="tx1"/>
-                </a:solidFill>
-                <a:latin typeface="+mn-lt"/>
-                <a:ea typeface="+mn-ea"/>
-                <a:cs typeface="+mn-cs"/>
-              </a:defRPr>
-            </a:lvl2pPr>
-            <a:lvl3pPr marL="1143000" indent="-228600" algn="l" defTabSz="914400" rtl="0" eaLnBrk="1" latinLnBrk="0" hangingPunct="1">
-              <a:spcBef>
-                <a:spcPct val="20000"/>
-              </a:spcBef>
-              <a:buFont typeface="Arial" panose="020B0604020202020204" pitchFamily="34" charset="0"/>
-              <a:buChar char="•"/>
-              <a:defRPr sz="2400" kern="1200">
-                <a:solidFill>
-                  <a:schemeClr val="tx1"/>
-                </a:solidFill>
-                <a:latin typeface="+mn-lt"/>
-                <a:ea typeface="+mn-ea"/>
-                <a:cs typeface="+mn-cs"/>
-              </a:defRPr>
-            </a:lvl3pPr>
-            <a:lvl4pPr marL="1600200" indent="-228600" algn="l" defTabSz="914400" rtl="0" eaLnBrk="1" latinLnBrk="0" hangingPunct="1">
-              <a:spcBef>
-                <a:spcPct val="20000"/>
-              </a:spcBef>
-              <a:buFont typeface="Arial" panose="020B0604020202020204" pitchFamily="34" charset="0"/>
-              <a:buChar char="–"/>
-              <a:defRPr sz="2000" kern="1200">
-                <a:solidFill>
-                  <a:schemeClr val="tx1"/>
-                </a:solidFill>
-                <a:latin typeface="+mn-lt"/>
-                <a:ea typeface="+mn-ea"/>
-                <a:cs typeface="+mn-cs"/>
-              </a:defRPr>
-            </a:lvl4pPr>
-            <a:lvl5pPr marL="2057400" indent="-228600" algn="l" defTabSz="914400" rtl="0" eaLnBrk="1" latinLnBrk="0" hangingPunct="1">
-              <a:spcBef>
-                <a:spcPct val="20000"/>
-              </a:spcBef>
-              <a:buFont typeface="Arial" panose="020B0604020202020204" pitchFamily="34" charset="0"/>
-              <a:buChar char="»"/>
-              <a:defRPr sz="2000" kern="1200">
-                <a:solidFill>
-                  <a:schemeClr val="tx1"/>
-                </a:solidFill>
-                <a:latin typeface="+mn-lt"/>
-                <a:ea typeface="+mn-ea"/>
-                <a:cs typeface="+mn-cs"/>
-              </a:defRPr>
-            </a:lvl5pPr>
-            <a:lvl6pPr marL="2514600" indent="-228600" algn="l" defTabSz="914400" rtl="0" eaLnBrk="1" latinLnBrk="0" hangingPunct="1">
-              <a:spcBef>
-                <a:spcPct val="20000"/>
-              </a:spcBef>
-              <a:buFont typeface="Arial" panose="020B0604020202020204" pitchFamily="34" charset="0"/>
-              <a:buChar char="•"/>
-              <a:defRPr sz="2000" kern="1200">
-                <a:solidFill>
-                  <a:schemeClr val="tx1"/>
-                </a:solidFill>
-                <a:latin typeface="+mn-lt"/>
-                <a:ea typeface="+mn-ea"/>
-                <a:cs typeface="+mn-cs"/>
-              </a:defRPr>
-            </a:lvl6pPr>
-            <a:lvl7pPr marL="2971800" indent="-228600" algn="l" defTabSz="914400" rtl="0" eaLnBrk="1" latinLnBrk="0" hangingPunct="1">
-              <a:spcBef>
-                <a:spcPct val="20000"/>
-              </a:spcBef>
-              <a:buFont typeface="Arial" panose="020B0604020202020204" pitchFamily="34" charset="0"/>
-              <a:buChar char="•"/>
-              <a:defRPr sz="2000" kern="1200">
-                <a:solidFill>
-                  <a:schemeClr val="tx1"/>
-                </a:solidFill>
-                <a:latin typeface="+mn-lt"/>
-                <a:ea typeface="+mn-ea"/>
-                <a:cs typeface="+mn-cs"/>
-              </a:defRPr>
-            </a:lvl7pPr>
-            <a:lvl8pPr marL="3429000" indent="-228600" algn="l" defTabSz="914400" rtl="0" eaLnBrk="1" latinLnBrk="0" hangingPunct="1">
-              <a:spcBef>
-                <a:spcPct val="20000"/>
-              </a:spcBef>
-              <a:buFont typeface="Arial" panose="020B0604020202020204" pitchFamily="34" charset="0"/>
-              <a:buChar char="•"/>
-              <a:defRPr sz="2000" kern="1200">
-                <a:solidFill>
-                  <a:schemeClr val="tx1"/>
-                </a:solidFill>
-                <a:latin typeface="+mn-lt"/>
-                <a:ea typeface="+mn-ea"/>
-                <a:cs typeface="+mn-cs"/>
-              </a:defRPr>
-            </a:lvl8pPr>
-            <a:lvl9pPr marL="3886200" indent="-228600" algn="l" defTabSz="914400" rtl="0" eaLnBrk="1" latinLnBrk="0" hangingPunct="1">
-              <a:spcBef>
-                <a:spcPct val="20000"/>
-              </a:spcBef>
-              <a:buFont typeface="Arial" panose="020B0604020202020204" pitchFamily="34" charset="0"/>
-              <a:buChar char="•"/>
-              <a:defRPr sz="2000" kern="1200">
-                <a:solidFill>
-                  <a:schemeClr val="tx1"/>
-                </a:solidFill>
-                <a:latin typeface="+mn-lt"/>
-                <a:ea typeface="+mn-ea"/>
-                <a:cs typeface="+mn-cs"/>
-              </a:defRPr>
-            </a:lvl9pPr>
-          </a:lstStyle>
-          <a:p>
-            <a:r>
-              <a:rPr lang="zh-CN" altLang="en-US" sz="1800" dirty="0">
-                <a:latin typeface="微软雅黑" panose="020B0503020204020204" pitchFamily="34" charset="-122"/>
-                <a:ea typeface="微软雅黑" panose="020B0503020204020204" pitchFamily="34" charset="-122"/>
-              </a:rPr>
-              <a:t>进度展示</a:t>
-            </a:r>
-          </a:p>
-        </p:txBody>
-      </p:sp>
-      <p:graphicFrame>
-        <p:nvGraphicFramePr>
-          <p:cNvPr id="9" name="图表 8"/>
-          <p:cNvGraphicFramePr/>
-          <p:nvPr>
-            <p:extLst>
-              <p:ext uri="{D42A27DB-BD31-4B8C-83A1-F6EECF244321}">
-                <p14:modId xmlns:p14="http://schemas.microsoft.com/office/powerpoint/2010/main" val="1807516150"/>
-              </p:ext>
-            </p:extLst>
-          </p:nvPr>
-        </p:nvGraphicFramePr>
-        <p:xfrm>
-          <a:off x="-42836" y="1387921"/>
-          <a:ext cx="6872388" cy="3557571"/>
-        </p:xfrm>
-        <a:graphic>
-          <a:graphicData uri="http://schemas.openxmlformats.org/drawingml/2006/chart">
-            <c:chart xmlns:c="http://schemas.openxmlformats.org/drawingml/2006/chart" xmlns:r="http://schemas.openxmlformats.org/officeDocument/2006/relationships" r:id="rId3"/>
-          </a:graphicData>
-        </a:graphic>
-      </p:graphicFrame>
-      <p:sp>
-        <p:nvSpPr>
-          <p:cNvPr id="18" name="文本框 1"/>
-          <p:cNvSpPr txBox="1"/>
-          <p:nvPr/>
-        </p:nvSpPr>
-        <p:spPr>
-          <a:xfrm>
-            <a:off x="2207670" y="1490366"/>
-            <a:ext cx="1584176" cy="914400"/>
-          </a:xfrm>
-          <a:prstGeom prst="rect">
-            <a:avLst/>
-          </a:prstGeom>
-        </p:spPr>
-        <p:txBody>
-          <a:bodyPr wrap="none" rtlCol="0"/>
-          <a:lstStyle>
-            <a:lvl1pPr marL="0" indent="0">
-              <a:defRPr sz="1100">
-                <a:latin typeface="+mn-lt"/>
-                <a:ea typeface="+mn-ea"/>
-                <a:cs typeface="+mn-cs"/>
-              </a:defRPr>
-            </a:lvl1pPr>
-            <a:lvl2pPr marL="457200" indent="0">
-              <a:defRPr sz="1100">
-                <a:latin typeface="+mn-lt"/>
-                <a:ea typeface="+mn-ea"/>
-                <a:cs typeface="+mn-cs"/>
-              </a:defRPr>
-            </a:lvl2pPr>
-            <a:lvl3pPr marL="914400" indent="0">
-              <a:defRPr sz="1100">
-                <a:latin typeface="+mn-lt"/>
-                <a:ea typeface="+mn-ea"/>
-                <a:cs typeface="+mn-cs"/>
-              </a:defRPr>
-            </a:lvl3pPr>
-            <a:lvl4pPr marL="1371600" indent="0">
-              <a:defRPr sz="1100">
-                <a:latin typeface="+mn-lt"/>
-                <a:ea typeface="+mn-ea"/>
-                <a:cs typeface="+mn-cs"/>
-              </a:defRPr>
-            </a:lvl4pPr>
-            <a:lvl5pPr marL="1828800" indent="0">
-              <a:defRPr sz="1100">
-                <a:latin typeface="+mn-lt"/>
-                <a:ea typeface="+mn-ea"/>
-                <a:cs typeface="+mn-cs"/>
-              </a:defRPr>
-            </a:lvl5pPr>
-            <a:lvl6pPr marL="2286000" indent="0">
-              <a:defRPr sz="1100">
-                <a:latin typeface="+mn-lt"/>
-                <a:ea typeface="+mn-ea"/>
-                <a:cs typeface="+mn-cs"/>
-              </a:defRPr>
-            </a:lvl6pPr>
-            <a:lvl7pPr marL="2743200" indent="0">
-              <a:defRPr sz="1100">
-                <a:latin typeface="+mn-lt"/>
-                <a:ea typeface="+mn-ea"/>
-                <a:cs typeface="+mn-cs"/>
-              </a:defRPr>
-            </a:lvl7pPr>
-            <a:lvl8pPr marL="3200400" indent="0">
-              <a:defRPr sz="1100">
-                <a:latin typeface="+mn-lt"/>
-                <a:ea typeface="+mn-ea"/>
-                <a:cs typeface="+mn-cs"/>
-              </a:defRPr>
-            </a:lvl8pPr>
-            <a:lvl9pPr marL="3657600" indent="0">
-              <a:defRPr sz="1100">
-                <a:latin typeface="+mn-lt"/>
-                <a:ea typeface="+mn-ea"/>
-                <a:cs typeface="+mn-cs"/>
-              </a:defRPr>
-            </a:lvl9pPr>
-          </a:lstStyle>
-          <a:p>
-            <a:r>
-              <a:rPr lang="en-US" altLang="zh-CN" sz="1200" dirty="0">
-                <a:latin typeface="Adobe Caslon Pro Bold" panose="0205070206050A020403" pitchFamily="18" charset="0"/>
-              </a:rPr>
-              <a:t>2018.02.01~09.01</a:t>
-            </a:r>
-          </a:p>
-        </p:txBody>
-      </p:sp>
-      <p:sp>
-        <p:nvSpPr>
-          <p:cNvPr id="2" name="文本框 1"/>
-          <p:cNvSpPr txBox="1"/>
-          <p:nvPr/>
-        </p:nvSpPr>
-        <p:spPr>
-          <a:xfrm>
-            <a:off x="4292302" y="3723084"/>
-            <a:ext cx="646331" cy="369332"/>
-          </a:xfrm>
-          <a:prstGeom prst="rect">
-            <a:avLst/>
-          </a:prstGeom>
-          <a:noFill/>
-        </p:spPr>
-        <p:txBody>
-          <a:bodyPr wrap="none" rtlCol="0">
-            <a:spAutoFit/>
-          </a:bodyPr>
-          <a:lstStyle/>
-          <a:p>
-            <a:r>
-              <a:rPr lang="zh-CN" altLang="en-US" dirty="0">
-                <a:solidFill>
-                  <a:srgbClr val="FF0000"/>
-                </a:solidFill>
-              </a:rPr>
-              <a:t>延期</a:t>
-            </a:r>
-          </a:p>
-        </p:txBody>
-      </p:sp>
-      <p:sp>
-        <p:nvSpPr>
-          <p:cNvPr id="10" name="矩形 9">
-            <a:extLst>
-              <a:ext uri="{FF2B5EF4-FFF2-40B4-BE49-F238E27FC236}">
-                <a16:creationId xmlns:a16="http://schemas.microsoft.com/office/drawing/2014/main" id="{23B3AEE7-F61A-4C7D-9BD7-B3FAE346E426}"/>
-              </a:ext>
-            </a:extLst>
-          </p:cNvPr>
-          <p:cNvSpPr/>
-          <p:nvPr/>
-        </p:nvSpPr>
-        <p:spPr>
-          <a:xfrm>
-            <a:off x="5965901" y="4803204"/>
-            <a:ext cx="906488" cy="253916"/>
-          </a:xfrm>
-          <a:prstGeom prst="rect">
-            <a:avLst/>
-          </a:prstGeom>
-        </p:spPr>
-        <p:txBody>
-          <a:bodyPr wrap="square">
-            <a:spAutoFit/>
-          </a:bodyPr>
-          <a:lstStyle/>
-          <a:p>
-            <a:fld id="{B003DC61-8263-4D38-B314-B150A0DB5246}" type="datetime1">
-              <a:rPr lang="zh-CN" altLang="en-US" sz="1050">
-                <a:solidFill>
-                  <a:schemeClr val="tx2"/>
-                </a:solidFill>
-                <a:latin typeface="Harlow Solid Italic" panose="04030604020F02020D02" pitchFamily="82" charset="0"/>
-              </a:rPr>
-              <a:pPr/>
-              <a:t>2020/12/12</a:t>
-            </a:fld>
-            <a:endParaRPr lang="zh-CN" altLang="en-US" sz="1050" dirty="0">
-              <a:solidFill>
-                <a:schemeClr val="tx2"/>
-              </a:solidFill>
-              <a:latin typeface="Harlow Solid Italic" panose="04030604020F02020D02" pitchFamily="82" charset="0"/>
-            </a:endParaRPr>
-          </a:p>
-        </p:txBody>
-      </p:sp>
-    </p:spTree>
-    <p:extLst>
-      <p:ext uri="{BB962C8B-B14F-4D97-AF65-F5344CB8AC3E}">
-        <p14:creationId xmlns:p14="http://schemas.microsoft.com/office/powerpoint/2010/main" val="626234249"/>
-      </p:ext>
-    </p:extLst>
   </p:cSld>
   <p:clrMapOvr>
     <a:masterClrMapping/>
@@ -7852,13 +5864,7 @@
       </p:grpSpPr>
       <p:pic>
         <p:nvPicPr>
-          <p:cNvPr id="13" name="图片 12">
-            <a:extLst>
-              <a:ext uri="{FF2B5EF4-FFF2-40B4-BE49-F238E27FC236}">
-                <a16:creationId xmlns:a16="http://schemas.microsoft.com/office/drawing/2014/main" id="{A62B7A0B-F73D-414C-8BA2-B10A5B222D66}"/>
-              </a:ext>
-            </a:extLst>
-          </p:cNvPr>
+          <p:cNvPr id="13" name="图片 12"/>
           <p:cNvPicPr>
             <a:picLocks noChangeAspect="1"/>
           </p:cNvPicPr>
@@ -7888,20 +5894,14 @@
       </p:pic>
       <p:sp>
         <p:nvSpPr>
-          <p:cNvPr id="16" name="矩形 15">
-            <a:extLst>
-              <a:ext uri="{FF2B5EF4-FFF2-40B4-BE49-F238E27FC236}">
-                <a16:creationId xmlns:a16="http://schemas.microsoft.com/office/drawing/2014/main" id="{92F77E7C-511F-46EC-B39D-99957405E7F4}"/>
-              </a:ext>
-            </a:extLst>
-          </p:cNvPr>
+          <p:cNvPr id="16" name="矩形 15"/>
           <p:cNvSpPr/>
           <p:nvPr/>
         </p:nvSpPr>
         <p:spPr>
           <a:xfrm>
             <a:off x="2060054" y="251905"/>
-            <a:ext cx="3618298" cy="461537"/>
+            <a:ext cx="4388509" cy="461665"/>
           </a:xfrm>
           <a:prstGeom prst="rect">
             <a:avLst/>
@@ -7914,7 +5914,7 @@
           <a:lstStyle/>
           <a:p>
             <a:r>
-              <a:rPr lang="zh-CN" altLang="en-US" sz="2399" dirty="0">
+              <a:rPr lang="zh-CN" altLang="en-US" sz="2400" dirty="0">
                 <a:solidFill>
                   <a:schemeClr val="tx1">
                     <a:lumMod val="85000"/>
@@ -7924,10 +5924,10 @@
                 <a:latin typeface="微软雅黑" panose="020B0503020204020204" pitchFamily="34" charset="-122"/>
                 <a:ea typeface="微软雅黑" panose="020B0503020204020204" pitchFamily="34" charset="-122"/>
               </a:rPr>
-              <a:t>项目组进度汇报</a:t>
+              <a:t>网安组进度汇报</a:t>
             </a:r>
             <a:r>
-              <a:rPr lang="en-US" altLang="zh-CN" sz="2399" dirty="0">
+              <a:rPr lang="en-US" altLang="zh-CN" sz="2400" dirty="0">
                 <a:solidFill>
                   <a:schemeClr val="tx1">
                     <a:lumMod val="85000"/>
@@ -7940,7 +5940,7 @@
               <a:t>——</a:t>
             </a:r>
             <a:r>
-              <a:rPr lang="zh-CN" altLang="en-US" sz="2399" dirty="0">
+              <a:rPr lang="zh-CN" altLang="en-US" sz="2400" dirty="0">
                 <a:solidFill>
                   <a:schemeClr val="tx1">
                     <a:lumMod val="85000"/>
@@ -7950,23 +5950,15 @@
                 <a:latin typeface="微软雅黑" panose="020B0503020204020204" pitchFamily="34" charset="-122"/>
                 <a:ea typeface="微软雅黑" panose="020B0503020204020204" pitchFamily="34" charset="-122"/>
               </a:rPr>
-              <a:t>组名</a:t>
+              <a:t>机理分析</a:t>
             </a:r>
           </a:p>
         </p:txBody>
       </p:sp>
       <p:sp>
         <p:nvSpPr>
-          <p:cNvPr id="17" name="内容占位符 1">
-            <a:extLst>
-              <a:ext uri="{FF2B5EF4-FFF2-40B4-BE49-F238E27FC236}">
-                <a16:creationId xmlns:a16="http://schemas.microsoft.com/office/drawing/2014/main" id="{898AF782-369C-4403-BBAC-7532EAA71CE3}"/>
-              </a:ext>
-            </a:extLst>
-          </p:cNvPr>
-          <p:cNvSpPr txBox="1">
-            <a:spLocks/>
-          </p:cNvSpPr>
+          <p:cNvPr id="17" name="内容占位符 1"/>
+          <p:cNvSpPr txBox="1"/>
           <p:nvPr/>
         </p:nvSpPr>
         <p:spPr>
@@ -8123,6 +6115,362 @@
                 <a:latin typeface="微软雅黑" panose="020B0503020204020204" pitchFamily="34" charset="-122"/>
                 <a:ea typeface="微软雅黑" panose="020B0503020204020204" pitchFamily="34" charset="-122"/>
               </a:rPr>
+              <a:t>进度展示</a:t>
+            </a:r>
+          </a:p>
+        </p:txBody>
+      </p:sp>
+      <p:graphicFrame>
+        <p:nvGraphicFramePr>
+          <p:cNvPr id="9" name="图表 8"/>
+          <p:cNvGraphicFramePr/>
+          <p:nvPr>
+            <p:extLst>
+              <p:ext uri="{D42A27DB-BD31-4B8C-83A1-F6EECF244321}">
+                <p14:modId xmlns:p14="http://schemas.microsoft.com/office/powerpoint/2010/main" val="4229186073"/>
+              </p:ext>
+            </p:extLst>
+          </p:nvPr>
+        </p:nvGraphicFramePr>
+        <p:xfrm>
+          <a:off x="-42836" y="1387921"/>
+          <a:ext cx="6872388" cy="3557571"/>
+        </p:xfrm>
+        <a:graphic>
+          <a:graphicData uri="http://schemas.openxmlformats.org/drawingml/2006/chart">
+            <c:chart xmlns:c="http://schemas.openxmlformats.org/drawingml/2006/chart" xmlns:r="http://schemas.openxmlformats.org/officeDocument/2006/relationships" r:id="rId3"/>
+          </a:graphicData>
+        </a:graphic>
+      </p:graphicFrame>
+      <p:sp>
+        <p:nvSpPr>
+          <p:cNvPr id="10" name="矩形 9"/>
+          <p:cNvSpPr/>
+          <p:nvPr/>
+        </p:nvSpPr>
+        <p:spPr>
+          <a:xfrm>
+            <a:off x="5965901" y="4803204"/>
+            <a:ext cx="906488" cy="253916"/>
+          </a:xfrm>
+          <a:prstGeom prst="rect">
+            <a:avLst/>
+          </a:prstGeom>
+        </p:spPr>
+        <p:txBody>
+          <a:bodyPr wrap="square">
+            <a:spAutoFit/>
+          </a:bodyPr>
+          <a:lstStyle/>
+          <a:p>
+            <a:fld id="{B003DC61-8263-4D38-B314-B150A0DB5246}" type="datetime1">
+              <a:rPr lang="zh-CN" altLang="en-US" sz="1050">
+                <a:solidFill>
+                  <a:schemeClr val="tx2"/>
+                </a:solidFill>
+                <a:latin typeface="Harlow Solid Italic" panose="04030604020F02020D02" pitchFamily="82" charset="0"/>
+              </a:rPr>
+              <a:t>2021/3/6</a:t>
+            </a:fld>
+            <a:endParaRPr lang="zh-CN" altLang="en-US" sz="1050" dirty="0">
+              <a:solidFill>
+                <a:schemeClr val="tx2"/>
+              </a:solidFill>
+              <a:latin typeface="Harlow Solid Italic" panose="04030604020F02020D02" pitchFamily="82" charset="0"/>
+            </a:endParaRPr>
+          </a:p>
+        </p:txBody>
+      </p:sp>
+    </p:spTree>
+  </p:cSld>
+  <p:clrMapOvr>
+    <a:masterClrMapping/>
+  </p:clrMapOvr>
+  <mc:AlternateContent xmlns:mc="http://schemas.openxmlformats.org/markup-compatibility/2006" xmlns:p14="http://schemas.microsoft.com/office/powerpoint/2010/main">
+    <mc:Choice Requires="p14">
+      <p:transition spd="med" p14:dur="700">
+        <p:fade/>
+      </p:transition>
+    </mc:Choice>
+    <mc:Fallback xmlns="">
+      <p:transition spd="med">
+        <p:fade/>
+      </p:transition>
+    </mc:Fallback>
+  </mc:AlternateContent>
+</p:sld>
+</file>
+
+<file path=ppt/slides/slide6.xml><?xml version="1.0" encoding="utf-8"?>
+<p:sld xmlns:a="http://schemas.openxmlformats.org/drawingml/2006/main" xmlns:r="http://schemas.openxmlformats.org/officeDocument/2006/relationships" xmlns:p="http://schemas.openxmlformats.org/presentationml/2006/main">
+  <p:cSld>
+    <p:spTree>
+      <p:nvGrpSpPr>
+        <p:cNvPr id="1" name=""/>
+        <p:cNvGrpSpPr/>
+        <p:nvPr/>
+      </p:nvGrpSpPr>
+      <p:grpSpPr>
+        <a:xfrm>
+          <a:off x="0" y="0"/>
+          <a:ext cx="0" cy="0"/>
+          <a:chOff x="0" y="0"/>
+          <a:chExt cx="0" cy="0"/>
+        </a:xfrm>
+      </p:grpSpPr>
+      <p:pic>
+        <p:nvPicPr>
+          <p:cNvPr id="13" name="图片 12"/>
+          <p:cNvPicPr>
+            <a:picLocks noChangeAspect="1"/>
+          </p:cNvPicPr>
+          <p:nvPr/>
+        </p:nvPicPr>
+        <p:blipFill>
+          <a:blip r:embed="rId2" cstate="print">
+            <a:extLst>
+              <a:ext uri="{28A0092B-C50C-407E-A947-70E740481C1C}">
+                <a14:useLocalDpi xmlns:a14="http://schemas.microsoft.com/office/drawing/2010/main" val="0"/>
+              </a:ext>
+            </a:extLst>
+          </a:blip>
+          <a:stretch>
+            <a:fillRect/>
+          </a:stretch>
+        </p:blipFill>
+        <p:spPr>
+          <a:xfrm>
+            <a:off x="252563" y="266700"/>
+            <a:ext cx="1275895" cy="431948"/>
+          </a:xfrm>
+          <a:prstGeom prst="rect">
+            <a:avLst/>
+          </a:prstGeom>
+        </p:spPr>
+      </p:pic>
+      <p:sp>
+        <p:nvSpPr>
+          <p:cNvPr id="16" name="矩形 15"/>
+          <p:cNvSpPr/>
+          <p:nvPr/>
+        </p:nvSpPr>
+        <p:spPr>
+          <a:xfrm>
+            <a:off x="2060054" y="251905"/>
+            <a:ext cx="4388509" cy="461665"/>
+          </a:xfrm>
+          <a:prstGeom prst="rect">
+            <a:avLst/>
+          </a:prstGeom>
+        </p:spPr>
+        <p:txBody>
+          <a:bodyPr wrap="none">
+            <a:spAutoFit/>
+          </a:bodyPr>
+          <a:lstStyle/>
+          <a:p>
+            <a:r>
+              <a:rPr lang="zh-CN" altLang="en-US" sz="2400" dirty="0">
+                <a:solidFill>
+                  <a:schemeClr val="tx1">
+                    <a:lumMod val="85000"/>
+                    <a:lumOff val="15000"/>
+                  </a:schemeClr>
+                </a:solidFill>
+                <a:latin typeface="微软雅黑" panose="020B0503020204020204" pitchFamily="34" charset="-122"/>
+                <a:ea typeface="微软雅黑" panose="020B0503020204020204" pitchFamily="34" charset="-122"/>
+              </a:rPr>
+              <a:t>网安组进度汇报</a:t>
+            </a:r>
+            <a:r>
+              <a:rPr lang="en-US" altLang="zh-CN" sz="2400" dirty="0">
+                <a:solidFill>
+                  <a:schemeClr val="tx1">
+                    <a:lumMod val="85000"/>
+                    <a:lumOff val="15000"/>
+                  </a:schemeClr>
+                </a:solidFill>
+                <a:latin typeface="微软雅黑" panose="020B0503020204020204" pitchFamily="34" charset="-122"/>
+                <a:ea typeface="微软雅黑" panose="020B0503020204020204" pitchFamily="34" charset="-122"/>
+              </a:rPr>
+              <a:t>——</a:t>
+            </a:r>
+            <a:r>
+              <a:rPr lang="zh-CN" altLang="en-US" sz="2400" dirty="0">
+                <a:solidFill>
+                  <a:schemeClr val="tx1">
+                    <a:lumMod val="85000"/>
+                    <a:lumOff val="15000"/>
+                  </a:schemeClr>
+                </a:solidFill>
+                <a:latin typeface="微软雅黑" panose="020B0503020204020204" pitchFamily="34" charset="-122"/>
+                <a:ea typeface="微软雅黑" panose="020B0503020204020204" pitchFamily="34" charset="-122"/>
+              </a:rPr>
+              <a:t>机理分析</a:t>
+            </a:r>
+          </a:p>
+        </p:txBody>
+      </p:sp>
+      <p:sp>
+        <p:nvSpPr>
+          <p:cNvPr id="17" name="内容占位符 1"/>
+          <p:cNvSpPr txBox="1"/>
+          <p:nvPr/>
+        </p:nvSpPr>
+        <p:spPr>
+          <a:xfrm>
+            <a:off x="331862" y="1116919"/>
+            <a:ext cx="1872208" cy="445925"/>
+          </a:xfrm>
+          <a:prstGeom prst="rect">
+            <a:avLst/>
+          </a:prstGeom>
+        </p:spPr>
+        <p:txBody>
+          <a:bodyPr/>
+          <a:lstStyle>
+            <a:lvl1pPr marL="342900" indent="-342900" algn="l" defTabSz="914400" rtl="0" eaLnBrk="1" latinLnBrk="0" hangingPunct="1">
+              <a:spcBef>
+                <a:spcPct val="20000"/>
+              </a:spcBef>
+              <a:buFont typeface="Arial" panose="020B0604020202020204" pitchFamily="34" charset="0"/>
+              <a:buChar char="•"/>
+              <a:defRPr sz="3200" kern="1200">
+                <a:solidFill>
+                  <a:schemeClr val="tx1"/>
+                </a:solidFill>
+                <a:latin typeface="+mn-lt"/>
+                <a:ea typeface="+mn-ea"/>
+                <a:cs typeface="+mn-cs"/>
+              </a:defRPr>
+            </a:lvl1pPr>
+            <a:lvl2pPr marL="742950" indent="-285750" algn="l" defTabSz="914400" rtl="0" eaLnBrk="1" latinLnBrk="0" hangingPunct="1">
+              <a:spcBef>
+                <a:spcPct val="20000"/>
+              </a:spcBef>
+              <a:buFont typeface="Arial" panose="020B0604020202020204" pitchFamily="34" charset="0"/>
+              <a:buChar char="–"/>
+              <a:defRPr sz="2800" kern="1200">
+                <a:solidFill>
+                  <a:schemeClr val="tx1"/>
+                </a:solidFill>
+                <a:latin typeface="+mn-lt"/>
+                <a:ea typeface="+mn-ea"/>
+                <a:cs typeface="+mn-cs"/>
+              </a:defRPr>
+            </a:lvl2pPr>
+            <a:lvl3pPr marL="1143000" indent="-228600" algn="l" defTabSz="914400" rtl="0" eaLnBrk="1" latinLnBrk="0" hangingPunct="1">
+              <a:spcBef>
+                <a:spcPct val="20000"/>
+              </a:spcBef>
+              <a:buFont typeface="Arial" panose="020B0604020202020204" pitchFamily="34" charset="0"/>
+              <a:buChar char="•"/>
+              <a:defRPr sz="2400" kern="1200">
+                <a:solidFill>
+                  <a:schemeClr val="tx1"/>
+                </a:solidFill>
+                <a:latin typeface="+mn-lt"/>
+                <a:ea typeface="+mn-ea"/>
+                <a:cs typeface="+mn-cs"/>
+              </a:defRPr>
+            </a:lvl3pPr>
+            <a:lvl4pPr marL="1600200" indent="-228600" algn="l" defTabSz="914400" rtl="0" eaLnBrk="1" latinLnBrk="0" hangingPunct="1">
+              <a:spcBef>
+                <a:spcPct val="20000"/>
+              </a:spcBef>
+              <a:buFont typeface="Arial" panose="020B0604020202020204" pitchFamily="34" charset="0"/>
+              <a:buChar char="–"/>
+              <a:defRPr sz="2000" kern="1200">
+                <a:solidFill>
+                  <a:schemeClr val="tx1"/>
+                </a:solidFill>
+                <a:latin typeface="+mn-lt"/>
+                <a:ea typeface="+mn-ea"/>
+                <a:cs typeface="+mn-cs"/>
+              </a:defRPr>
+            </a:lvl4pPr>
+            <a:lvl5pPr marL="2057400" indent="-228600" algn="l" defTabSz="914400" rtl="0" eaLnBrk="1" latinLnBrk="0" hangingPunct="1">
+              <a:spcBef>
+                <a:spcPct val="20000"/>
+              </a:spcBef>
+              <a:buFont typeface="Arial" panose="020B0604020202020204" pitchFamily="34" charset="0"/>
+              <a:buChar char="»"/>
+              <a:defRPr sz="2000" kern="1200">
+                <a:solidFill>
+                  <a:schemeClr val="tx1"/>
+                </a:solidFill>
+                <a:latin typeface="+mn-lt"/>
+                <a:ea typeface="+mn-ea"/>
+                <a:cs typeface="+mn-cs"/>
+              </a:defRPr>
+            </a:lvl5pPr>
+            <a:lvl6pPr marL="2514600" indent="-228600" algn="l" defTabSz="914400" rtl="0" eaLnBrk="1" latinLnBrk="0" hangingPunct="1">
+              <a:spcBef>
+                <a:spcPct val="20000"/>
+              </a:spcBef>
+              <a:buFont typeface="Arial" panose="020B0604020202020204" pitchFamily="34" charset="0"/>
+              <a:buChar char="•"/>
+              <a:defRPr sz="2000" kern="1200">
+                <a:solidFill>
+                  <a:schemeClr val="tx1"/>
+                </a:solidFill>
+                <a:latin typeface="+mn-lt"/>
+                <a:ea typeface="+mn-ea"/>
+                <a:cs typeface="+mn-cs"/>
+              </a:defRPr>
+            </a:lvl6pPr>
+            <a:lvl7pPr marL="2971800" indent="-228600" algn="l" defTabSz="914400" rtl="0" eaLnBrk="1" latinLnBrk="0" hangingPunct="1">
+              <a:spcBef>
+                <a:spcPct val="20000"/>
+              </a:spcBef>
+              <a:buFont typeface="Arial" panose="020B0604020202020204" pitchFamily="34" charset="0"/>
+              <a:buChar char="•"/>
+              <a:defRPr sz="2000" kern="1200">
+                <a:solidFill>
+                  <a:schemeClr val="tx1"/>
+                </a:solidFill>
+                <a:latin typeface="+mn-lt"/>
+                <a:ea typeface="+mn-ea"/>
+                <a:cs typeface="+mn-cs"/>
+              </a:defRPr>
+            </a:lvl7pPr>
+            <a:lvl8pPr marL="3429000" indent="-228600" algn="l" defTabSz="914400" rtl="0" eaLnBrk="1" latinLnBrk="0" hangingPunct="1">
+              <a:spcBef>
+                <a:spcPct val="20000"/>
+              </a:spcBef>
+              <a:buFont typeface="Arial" panose="020B0604020202020204" pitchFamily="34" charset="0"/>
+              <a:buChar char="•"/>
+              <a:defRPr sz="2000" kern="1200">
+                <a:solidFill>
+                  <a:schemeClr val="tx1"/>
+                </a:solidFill>
+                <a:latin typeface="+mn-lt"/>
+                <a:ea typeface="+mn-ea"/>
+                <a:cs typeface="+mn-cs"/>
+              </a:defRPr>
+            </a:lvl8pPr>
+            <a:lvl9pPr marL="3886200" indent="-228600" algn="l" defTabSz="914400" rtl="0" eaLnBrk="1" latinLnBrk="0" hangingPunct="1">
+              <a:spcBef>
+                <a:spcPct val="20000"/>
+              </a:spcBef>
+              <a:buFont typeface="Arial" panose="020B0604020202020204" pitchFamily="34" charset="0"/>
+              <a:buChar char="•"/>
+              <a:defRPr sz="2000" kern="1200">
+                <a:solidFill>
+                  <a:schemeClr val="tx1"/>
+                </a:solidFill>
+                <a:latin typeface="+mn-lt"/>
+                <a:ea typeface="+mn-ea"/>
+                <a:cs typeface="+mn-cs"/>
+              </a:defRPr>
+            </a:lvl9pPr>
+          </a:lstStyle>
+          <a:p>
+            <a:r>
+              <a:rPr lang="zh-CN" altLang="en-US" sz="1800" dirty="0">
+                <a:latin typeface="微软雅黑" panose="020B0503020204020204" pitchFamily="34" charset="-122"/>
+                <a:ea typeface="微软雅黑" panose="020B0503020204020204" pitchFamily="34" charset="-122"/>
+              </a:rPr>
               <a:t>下周计划</a:t>
             </a:r>
           </a:p>
@@ -8130,27 +6478,21 @@
       </p:sp>
       <p:graphicFrame>
         <p:nvGraphicFramePr>
-          <p:cNvPr id="18" name="表格 17">
-            <a:extLst>
-              <a:ext uri="{FF2B5EF4-FFF2-40B4-BE49-F238E27FC236}">
-                <a16:creationId xmlns:a16="http://schemas.microsoft.com/office/drawing/2014/main" id="{1A0FBDB6-4DB6-4273-BEE0-22E488CBAA54}"/>
-              </a:ext>
-            </a:extLst>
-          </p:cNvPr>
+          <p:cNvPr id="18" name="表格 17"/>
           <p:cNvGraphicFramePr>
             <a:graphicFrameLocks noGrp="1"/>
           </p:cNvGraphicFramePr>
           <p:nvPr>
             <p:extLst>
               <p:ext uri="{D42A27DB-BD31-4B8C-83A1-F6EECF244321}">
-                <p14:modId xmlns:p14="http://schemas.microsoft.com/office/powerpoint/2010/main" val="3001207718"/>
+                <p14:modId xmlns:p14="http://schemas.microsoft.com/office/powerpoint/2010/main" val="2664315766"/>
               </p:ext>
             </p:extLst>
           </p:nvPr>
         </p:nvGraphicFramePr>
         <p:xfrm>
           <a:off x="763910" y="1557772"/>
-          <a:ext cx="5400600" cy="3173424"/>
+          <a:ext cx="5400600" cy="2093402"/>
         </p:xfrm>
         <a:graphic>
           <a:graphicData uri="http://schemas.openxmlformats.org/drawingml/2006/table">
@@ -8169,14 +6511,14 @@
                 <a:gridCol w="1116124">
                   <a:extLst>
                     <a:ext uri="{9D8B030D-6E8A-4147-A177-3AD203B41FA5}">
-                      <a16:colId xmlns:a16="http://schemas.microsoft.com/office/drawing/2014/main" val="831374592"/>
+                      <a16:colId xmlns:a16="http://schemas.microsoft.com/office/drawing/2014/main" val="20001"/>
                     </a:ext>
                   </a:extLst>
                 </a:gridCol>
                 <a:gridCol w="3384376">
                   <a:extLst>
                     <a:ext uri="{9D8B030D-6E8A-4147-A177-3AD203B41FA5}">
-                      <a16:colId xmlns:a16="http://schemas.microsoft.com/office/drawing/2014/main" val="20001"/>
+                      <a16:colId xmlns:a16="http://schemas.microsoft.com/office/drawing/2014/main" val="20002"/>
                     </a:ext>
                   </a:extLst>
                 </a:gridCol>
@@ -8250,12 +6592,11 @@
                         <a:buSzTx/>
                         <a:buFontTx/>
                         <a:buNone/>
-                        <a:tabLst/>
                         <a:defRPr/>
                       </a:pPr>
                       <a:r>
                         <a:rPr lang="zh-CN" altLang="en-US" sz="1400" dirty="0"/>
-                        <a:t>子模块一</a:t>
+                        <a:t>工具分析</a:t>
                       </a:r>
                     </a:p>
                   </a:txBody>
@@ -8280,14 +6621,12 @@
                         <a:buSzTx/>
                         <a:buFontTx/>
                         <a:buNone/>
-                        <a:tabLst/>
                         <a:defRPr/>
                       </a:pPr>
                       <a:r>
-                        <a:rPr lang="en-US" altLang="zh-CN" sz="1400" dirty="0"/>
-                        <a:t>XX</a:t>
+                        <a:rPr lang="zh-CN" altLang="en-US" sz="1400" dirty="0"/>
+                        <a:t>董瑞华</a:t>
                       </a:r>
-                      <a:endParaRPr lang="zh-CN" altLang="en-US" sz="1400" dirty="0"/>
                     </a:p>
                   </a:txBody>
                   <a:tcPr marL="68564" marR="68564" marT="34282" marB="34282" anchor="ctr"/>
@@ -8311,10 +6650,28 @@
                         <a:buSzTx/>
                         <a:buFontTx/>
                         <a:buNone/>
-                        <a:tabLst/>
                         <a:defRPr/>
                       </a:pPr>
-                      <a:endParaRPr lang="en-US" altLang="zh-CN" sz="1400" dirty="0"/>
+                      <a:r>
+                        <a:rPr lang="en-US" altLang="zh-CN" sz="1400" dirty="0"/>
+                        <a:t>1. </a:t>
+                      </a:r>
+                      <a:r>
+                        <a:rPr lang="zh-CN" altLang="en-US" sz="1400" dirty="0"/>
+                        <a:t>继续分析现有工具</a:t>
+                      </a:r>
+                      <a:r>
+                        <a:rPr lang="en-US" altLang="zh-CN" sz="1400" dirty="0"/>
+                        <a:t>(</a:t>
+                      </a:r>
+                      <a:r>
+                        <a:rPr lang="zh-CN" altLang="en-US" sz="1400" dirty="0"/>
+                        <a:t>孙堃</a:t>
+                      </a:r>
+                      <a:r>
+                        <a:rPr lang="en-US" altLang="zh-CN" sz="1400" dirty="0"/>
+                        <a:t>)</a:t>
+                      </a:r>
                     </a:p>
                   </a:txBody>
                   <a:tcPr marL="68564" marR="68564" marT="34282" marB="34282"/>
@@ -8345,12 +6702,11 @@
                         <a:buSzTx/>
                         <a:buFontTx/>
                         <a:buNone/>
-                        <a:tabLst/>
                         <a:defRPr/>
                       </a:pPr>
                       <a:r>
                         <a:rPr lang="zh-CN" altLang="en-US" sz="1400" dirty="0"/>
-                        <a:t>子模块二</a:t>
+                        <a:t>工具分类论文</a:t>
                       </a:r>
                       <a:endParaRPr lang="en-US" altLang="zh-CN" sz="1400" dirty="0"/>
                     </a:p>
@@ -8376,13 +6732,13 @@
                         <a:buSzTx/>
                         <a:buFontTx/>
                         <a:buNone/>
-                        <a:tabLst/>
                         <a:defRPr/>
                       </a:pPr>
                       <a:r>
-                        <a:rPr lang="en-US" altLang="zh-CN" sz="1400" dirty="0"/>
-                        <a:t>XX</a:t>
+                        <a:rPr lang="zh-CN" altLang="en-US" sz="1400" dirty="0"/>
+                        <a:t>刘羿</a:t>
                       </a:r>
+                      <a:endParaRPr lang="en-US" altLang="zh-CN" sz="1400" dirty="0"/>
                     </a:p>
                   </a:txBody>
                   <a:tcPr marL="68564" marR="68564" marT="34282" marB="34282" anchor="ctr"/>
@@ -8393,6 +6749,58 @@
                     <a:lstStyle/>
                     <a:p>
                       <a:pPr algn="l"/>
+                      <a:r>
+                        <a:rPr lang="en-US" altLang="zh-CN" sz="1400" dirty="0"/>
+                        <a:t>1. </a:t>
+                      </a:r>
+                      <a:r>
+                        <a:rPr lang="zh-CN" altLang="en-US" sz="1400" dirty="0"/>
+                        <a:t>根据评分大纲，建立数值化评分模型</a:t>
+                      </a:r>
+                      <a:r>
+                        <a:rPr lang="en-US" altLang="zh-CN" sz="1400" dirty="0"/>
+                        <a:t>(</a:t>
+                      </a:r>
+                      <a:r>
+                        <a:rPr lang="zh-CN" altLang="en-US" sz="1400" dirty="0"/>
+                        <a:t>董瑞华</a:t>
+                      </a:r>
+                      <a:r>
+                        <a:rPr lang="en-US" altLang="zh-CN" sz="1400" dirty="0"/>
+                        <a:t>)</a:t>
+                      </a:r>
+                      <a:endParaRPr lang="zh-CN" altLang="en-US" sz="1400" dirty="0"/>
+                    </a:p>
+                    <a:p>
+                      <a:pPr algn="l"/>
+                      <a:r>
+                        <a:rPr lang="en-US" altLang="zh-CN" sz="1400" dirty="0"/>
+                        <a:t>2. </a:t>
+                      </a:r>
+                      <a:r>
+                        <a:rPr lang="zh-CN" altLang="en-US" sz="1400" dirty="0"/>
+                        <a:t>使用</a:t>
+                      </a:r>
+                      <a:r>
+                        <a:rPr lang="en-US" altLang="zh-CN" sz="1400" dirty="0"/>
+                        <a:t>python</a:t>
+                      </a:r>
+                      <a:r>
+                        <a:rPr lang="zh-CN" altLang="en-US" sz="1400" dirty="0"/>
+                        <a:t>对评分模型进行实现</a:t>
+                      </a:r>
+                      <a:r>
+                        <a:rPr lang="en-US" altLang="zh-CN" sz="1400" dirty="0"/>
+                        <a:t>(</a:t>
+                      </a:r>
+                      <a:r>
+                        <a:rPr lang="zh-CN" altLang="en-US" sz="1400" dirty="0"/>
+                        <a:t>刘羿，严宇</a:t>
+                      </a:r>
+                      <a:r>
+                        <a:rPr lang="en-US" altLang="zh-CN" sz="1400" dirty="0"/>
+                        <a:t>)</a:t>
+                      </a:r>
                       <a:endParaRPr lang="zh-CN" altLang="en-US" sz="1400" dirty="0"/>
                     </a:p>
                   </a:txBody>
@@ -8404,99 +6812,13 @@
                   </a:ext>
                 </a:extLst>
               </a:tr>
-              <a:tr h="667342">
-                <a:tc>
-                  <a:txBody>
-                    <a:bodyPr/>
-                    <a:lstStyle/>
-                    <a:p>
-                      <a:pPr algn="ctr"/>
-                      <a:endParaRPr lang="en-US" altLang="zh-CN" sz="1400" dirty="0"/>
-                    </a:p>
-                  </a:txBody>
-                  <a:tcPr marL="68564" marR="68564" marT="34282" marB="34282" anchor="ctr"/>
-                </a:tc>
-                <a:tc>
-                  <a:txBody>
-                    <a:bodyPr/>
-                    <a:lstStyle/>
-                    <a:p>
-                      <a:pPr algn="ctr"/>
-                      <a:endParaRPr lang="en-US" altLang="zh-CN" sz="1400" dirty="0"/>
-                    </a:p>
-                  </a:txBody>
-                  <a:tcPr marL="68564" marR="68564" marT="34282" marB="34282" anchor="ctr"/>
-                </a:tc>
-                <a:tc>
-                  <a:txBody>
-                    <a:bodyPr/>
-                    <a:lstStyle/>
-                    <a:p>
-                      <a:pPr algn="l"/>
-                      <a:endParaRPr lang="zh-CN" altLang="en-US" sz="1400" dirty="0"/>
-                    </a:p>
-                  </a:txBody>
-                  <a:tcPr marL="68564" marR="68564" marT="34282" marB="34282"/>
-                </a:tc>
-                <a:extLst>
-                  <a:ext uri="{0D108BD9-81ED-4DB2-BD59-A6C34878D82A}">
-                    <a16:rowId xmlns:a16="http://schemas.microsoft.com/office/drawing/2014/main" val="10003"/>
-                  </a:ext>
-                </a:extLst>
-              </a:tr>
-              <a:tr h="667342">
-                <a:tc>
-                  <a:txBody>
-                    <a:bodyPr/>
-                    <a:lstStyle/>
-                    <a:p>
-                      <a:pPr algn="ctr"/>
-                      <a:endParaRPr lang="zh-CN" altLang="en-US" sz="1400" dirty="0"/>
-                    </a:p>
-                  </a:txBody>
-                  <a:tcPr marL="68564" marR="68564" marT="34282" marB="34282" anchor="ctr"/>
-                </a:tc>
-                <a:tc>
-                  <a:txBody>
-                    <a:bodyPr/>
-                    <a:lstStyle/>
-                    <a:p>
-                      <a:pPr algn="ctr"/>
-                      <a:endParaRPr lang="zh-CN" altLang="en-US" sz="1400" dirty="0"/>
-                    </a:p>
-                  </a:txBody>
-                  <a:tcPr marL="68564" marR="68564" marT="34282" marB="34282" anchor="ctr"/>
-                </a:tc>
-                <a:tc>
-                  <a:txBody>
-                    <a:bodyPr/>
-                    <a:lstStyle/>
-                    <a:p>
-                      <a:pPr algn="l"/>
-                      <a:endParaRPr lang="zh-CN" altLang="en-US" sz="1400" dirty="0"/>
-                    </a:p>
-                  </a:txBody>
-                  <a:tcPr marL="68564" marR="68564" marT="34282" marB="34282"/>
-                </a:tc>
-                <a:extLst>
-                  <a:ext uri="{0D108BD9-81ED-4DB2-BD59-A6C34878D82A}">
-                    <a16:rowId xmlns:a16="http://schemas.microsoft.com/office/drawing/2014/main" val="10004"/>
-                  </a:ext>
-                </a:extLst>
-              </a:tr>
             </a:tbl>
           </a:graphicData>
         </a:graphic>
       </p:graphicFrame>
       <p:sp>
         <p:nvSpPr>
-          <p:cNvPr id="7" name="矩形 6">
-            <a:extLst>
-              <a:ext uri="{FF2B5EF4-FFF2-40B4-BE49-F238E27FC236}">
-                <a16:creationId xmlns:a16="http://schemas.microsoft.com/office/drawing/2014/main" id="{5AED5484-BEE6-49FC-919E-3FC267FC63BC}"/>
-              </a:ext>
-            </a:extLst>
-          </p:cNvPr>
+          <p:cNvPr id="7" name="矩形 6"/>
           <p:cNvSpPr/>
           <p:nvPr/>
         </p:nvSpPr>
@@ -8522,8 +6844,7 @@
                 </a:solidFill>
                 <a:latin typeface="Harlow Solid Italic" panose="04030604020F02020D02" pitchFamily="82" charset="0"/>
               </a:rPr>
-              <a:pPr/>
-              <a:t>2020/12/12</a:t>
+              <a:t>2021/3/6</a:t>
             </a:fld>
             <a:endParaRPr lang="zh-CN" altLang="en-US" sz="1050" dirty="0">
               <a:solidFill>
@@ -8535,446 +6856,6 @@
         </p:txBody>
       </p:sp>
     </p:spTree>
-    <p:extLst>
-      <p:ext uri="{BB962C8B-B14F-4D97-AF65-F5344CB8AC3E}">
-        <p14:creationId xmlns:p14="http://schemas.microsoft.com/office/powerpoint/2010/main" val="903872366"/>
-      </p:ext>
-    </p:extLst>
-  </p:cSld>
-  <p:clrMapOvr>
-    <a:masterClrMapping/>
-  </p:clrMapOvr>
-  <mc:AlternateContent xmlns:mc="http://schemas.openxmlformats.org/markup-compatibility/2006" xmlns:p14="http://schemas.microsoft.com/office/powerpoint/2010/main">
-    <mc:Choice Requires="p14">
-      <p:transition spd="med" p14:dur="700">
-        <p:fade/>
-      </p:transition>
-    </mc:Choice>
-    <mc:Fallback xmlns="">
-      <p:transition spd="med">
-        <p:fade/>
-      </p:transition>
-    </mc:Fallback>
-  </mc:AlternateContent>
-</p:sld>
-</file>
-
-<file path=ppt/slides/slide6.xml><?xml version="1.0" encoding="utf-8"?>
-<p:sld xmlns:a="http://schemas.openxmlformats.org/drawingml/2006/main" xmlns:r="http://schemas.openxmlformats.org/officeDocument/2006/relationships" xmlns:p="http://schemas.openxmlformats.org/presentationml/2006/main">
-  <p:cSld>
-    <p:spTree>
-      <p:nvGrpSpPr>
-        <p:cNvPr id="1" name=""/>
-        <p:cNvGrpSpPr/>
-        <p:nvPr/>
-      </p:nvGrpSpPr>
-      <p:grpSpPr>
-        <a:xfrm>
-          <a:off x="0" y="0"/>
-          <a:ext cx="0" cy="0"/>
-          <a:chOff x="0" y="0"/>
-          <a:chExt cx="0" cy="0"/>
-        </a:xfrm>
-      </p:grpSpPr>
-      <p:graphicFrame>
-        <p:nvGraphicFramePr>
-          <p:cNvPr id="5" name="图表 4">
-            <a:extLst>
-              <a:ext uri="{FF2B5EF4-FFF2-40B4-BE49-F238E27FC236}">
-                <a16:creationId xmlns:a16="http://schemas.microsoft.com/office/drawing/2014/main" id="{D7B4C682-9ECE-41E6-A9A0-D7062DDEEBC5}"/>
-              </a:ext>
-            </a:extLst>
-          </p:cNvPr>
-          <p:cNvGraphicFramePr/>
-          <p:nvPr>
-            <p:extLst>
-              <p:ext uri="{D42A27DB-BD31-4B8C-83A1-F6EECF244321}">
-                <p14:modId xmlns:p14="http://schemas.microsoft.com/office/powerpoint/2010/main" val="3987269684"/>
-              </p:ext>
-            </p:extLst>
-          </p:nvPr>
-        </p:nvGraphicFramePr>
-        <p:xfrm>
-          <a:off x="691902" y="1490836"/>
-          <a:ext cx="5328592" cy="3566284"/>
-        </p:xfrm>
-        <a:graphic>
-          <a:graphicData uri="http://schemas.openxmlformats.org/drawingml/2006/chart">
-            <c:chart xmlns:c="http://schemas.openxmlformats.org/drawingml/2006/chart" xmlns:r="http://schemas.openxmlformats.org/officeDocument/2006/relationships" r:id="rId3"/>
-          </a:graphicData>
-        </a:graphic>
-      </p:graphicFrame>
-      <p:pic>
-        <p:nvPicPr>
-          <p:cNvPr id="17" name="图片 16">
-            <a:extLst>
-              <a:ext uri="{FF2B5EF4-FFF2-40B4-BE49-F238E27FC236}">
-                <a16:creationId xmlns:a16="http://schemas.microsoft.com/office/drawing/2014/main" id="{E01E303A-A462-4A63-B972-B1E4263705D1}"/>
-              </a:ext>
-            </a:extLst>
-          </p:cNvPr>
-          <p:cNvPicPr>
-            <a:picLocks noChangeAspect="1"/>
-          </p:cNvPicPr>
-          <p:nvPr/>
-        </p:nvPicPr>
-        <p:blipFill>
-          <a:blip r:embed="rId4" cstate="print">
-            <a:extLst>
-              <a:ext uri="{28A0092B-C50C-407E-A947-70E740481C1C}">
-                <a14:useLocalDpi xmlns:a14="http://schemas.microsoft.com/office/drawing/2010/main" val="0"/>
-              </a:ext>
-            </a:extLst>
-          </a:blip>
-          <a:stretch>
-            <a:fillRect/>
-          </a:stretch>
-        </p:blipFill>
-        <p:spPr>
-          <a:xfrm>
-            <a:off x="252563" y="266700"/>
-            <a:ext cx="1275895" cy="431948"/>
-          </a:xfrm>
-          <a:prstGeom prst="rect">
-            <a:avLst/>
-          </a:prstGeom>
-        </p:spPr>
-      </p:pic>
-      <p:sp>
-        <p:nvSpPr>
-          <p:cNvPr id="20" name="矩形 19">
-            <a:extLst>
-              <a:ext uri="{FF2B5EF4-FFF2-40B4-BE49-F238E27FC236}">
-                <a16:creationId xmlns:a16="http://schemas.microsoft.com/office/drawing/2014/main" id="{5B244A90-35BA-4022-B73C-B1EEDD4FE5B4}"/>
-              </a:ext>
-            </a:extLst>
-          </p:cNvPr>
-          <p:cNvSpPr/>
-          <p:nvPr/>
-        </p:nvSpPr>
-        <p:spPr>
-          <a:xfrm>
-            <a:off x="2060054" y="251905"/>
-            <a:ext cx="3618298" cy="461537"/>
-          </a:xfrm>
-          <a:prstGeom prst="rect">
-            <a:avLst/>
-          </a:prstGeom>
-        </p:spPr>
-        <p:txBody>
-          <a:bodyPr wrap="none">
-            <a:spAutoFit/>
-          </a:bodyPr>
-          <a:lstStyle/>
-          <a:p>
-            <a:r>
-              <a:rPr lang="zh-CN" altLang="en-US" sz="2399" dirty="0">
-                <a:solidFill>
-                  <a:schemeClr val="tx1">
-                    <a:lumMod val="85000"/>
-                    <a:lumOff val="15000"/>
-                  </a:schemeClr>
-                </a:solidFill>
-                <a:latin typeface="微软雅黑" panose="020B0503020204020204" pitchFamily="34" charset="-122"/>
-                <a:ea typeface="微软雅黑" panose="020B0503020204020204" pitchFamily="34" charset="-122"/>
-              </a:rPr>
-              <a:t>项目组进度汇报</a:t>
-            </a:r>
-            <a:r>
-              <a:rPr lang="en-US" altLang="zh-CN" sz="2399" dirty="0">
-                <a:solidFill>
-                  <a:schemeClr val="tx1">
-                    <a:lumMod val="85000"/>
-                    <a:lumOff val="15000"/>
-                  </a:schemeClr>
-                </a:solidFill>
-                <a:latin typeface="微软雅黑" panose="020B0503020204020204" pitchFamily="34" charset="-122"/>
-                <a:ea typeface="微软雅黑" panose="020B0503020204020204" pitchFamily="34" charset="-122"/>
-              </a:rPr>
-              <a:t>——</a:t>
-            </a:r>
-            <a:r>
-              <a:rPr lang="zh-CN" altLang="en-US" sz="2399" dirty="0">
-                <a:solidFill>
-                  <a:schemeClr val="tx1">
-                    <a:lumMod val="85000"/>
-                    <a:lumOff val="15000"/>
-                  </a:schemeClr>
-                </a:solidFill>
-                <a:latin typeface="微软雅黑" panose="020B0503020204020204" pitchFamily="34" charset="-122"/>
-                <a:ea typeface="微软雅黑" panose="020B0503020204020204" pitchFamily="34" charset="-122"/>
-              </a:rPr>
-              <a:t>组名</a:t>
-            </a:r>
-          </a:p>
-        </p:txBody>
-      </p:sp>
-      <p:sp>
-        <p:nvSpPr>
-          <p:cNvPr id="21" name="内容占位符 1">
-            <a:extLst>
-              <a:ext uri="{FF2B5EF4-FFF2-40B4-BE49-F238E27FC236}">
-                <a16:creationId xmlns:a16="http://schemas.microsoft.com/office/drawing/2014/main" id="{9A19D43C-0FE6-4A1D-BAAB-B6C53F91EBEF}"/>
-              </a:ext>
-            </a:extLst>
-          </p:cNvPr>
-          <p:cNvSpPr txBox="1">
-            <a:spLocks/>
-          </p:cNvSpPr>
-          <p:nvPr/>
-        </p:nvSpPr>
-        <p:spPr>
-          <a:xfrm>
-            <a:off x="331862" y="1116919"/>
-            <a:ext cx="1872208" cy="445925"/>
-          </a:xfrm>
-          <a:prstGeom prst="rect">
-            <a:avLst/>
-          </a:prstGeom>
-        </p:spPr>
-        <p:txBody>
-          <a:bodyPr/>
-          <a:lstStyle>
-            <a:lvl1pPr marL="342900" indent="-342900" algn="l" defTabSz="914400" rtl="0" eaLnBrk="1" latinLnBrk="0" hangingPunct="1">
-              <a:spcBef>
-                <a:spcPct val="20000"/>
-              </a:spcBef>
-              <a:buFont typeface="Arial" panose="020B0604020202020204" pitchFamily="34" charset="0"/>
-              <a:buChar char="•"/>
-              <a:defRPr sz="3200" kern="1200">
-                <a:solidFill>
-                  <a:schemeClr val="tx1"/>
-                </a:solidFill>
-                <a:latin typeface="+mn-lt"/>
-                <a:ea typeface="+mn-ea"/>
-                <a:cs typeface="+mn-cs"/>
-              </a:defRPr>
-            </a:lvl1pPr>
-            <a:lvl2pPr marL="742950" indent="-285750" algn="l" defTabSz="914400" rtl="0" eaLnBrk="1" latinLnBrk="0" hangingPunct="1">
-              <a:spcBef>
-                <a:spcPct val="20000"/>
-              </a:spcBef>
-              <a:buFont typeface="Arial" panose="020B0604020202020204" pitchFamily="34" charset="0"/>
-              <a:buChar char="–"/>
-              <a:defRPr sz="2800" kern="1200">
-                <a:solidFill>
-                  <a:schemeClr val="tx1"/>
-                </a:solidFill>
-                <a:latin typeface="+mn-lt"/>
-                <a:ea typeface="+mn-ea"/>
-                <a:cs typeface="+mn-cs"/>
-              </a:defRPr>
-            </a:lvl2pPr>
-            <a:lvl3pPr marL="1143000" indent="-228600" algn="l" defTabSz="914400" rtl="0" eaLnBrk="1" latinLnBrk="0" hangingPunct="1">
-              <a:spcBef>
-                <a:spcPct val="20000"/>
-              </a:spcBef>
-              <a:buFont typeface="Arial" panose="020B0604020202020204" pitchFamily="34" charset="0"/>
-              <a:buChar char="•"/>
-              <a:defRPr sz="2400" kern="1200">
-                <a:solidFill>
-                  <a:schemeClr val="tx1"/>
-                </a:solidFill>
-                <a:latin typeface="+mn-lt"/>
-                <a:ea typeface="+mn-ea"/>
-                <a:cs typeface="+mn-cs"/>
-              </a:defRPr>
-            </a:lvl3pPr>
-            <a:lvl4pPr marL="1600200" indent="-228600" algn="l" defTabSz="914400" rtl="0" eaLnBrk="1" latinLnBrk="0" hangingPunct="1">
-              <a:spcBef>
-                <a:spcPct val="20000"/>
-              </a:spcBef>
-              <a:buFont typeface="Arial" panose="020B0604020202020204" pitchFamily="34" charset="0"/>
-              <a:buChar char="–"/>
-              <a:defRPr sz="2000" kern="1200">
-                <a:solidFill>
-                  <a:schemeClr val="tx1"/>
-                </a:solidFill>
-                <a:latin typeface="+mn-lt"/>
-                <a:ea typeface="+mn-ea"/>
-                <a:cs typeface="+mn-cs"/>
-              </a:defRPr>
-            </a:lvl4pPr>
-            <a:lvl5pPr marL="2057400" indent="-228600" algn="l" defTabSz="914400" rtl="0" eaLnBrk="1" latinLnBrk="0" hangingPunct="1">
-              <a:spcBef>
-                <a:spcPct val="20000"/>
-              </a:spcBef>
-              <a:buFont typeface="Arial" panose="020B0604020202020204" pitchFamily="34" charset="0"/>
-              <a:buChar char="»"/>
-              <a:defRPr sz="2000" kern="1200">
-                <a:solidFill>
-                  <a:schemeClr val="tx1"/>
-                </a:solidFill>
-                <a:latin typeface="+mn-lt"/>
-                <a:ea typeface="+mn-ea"/>
-                <a:cs typeface="+mn-cs"/>
-              </a:defRPr>
-            </a:lvl5pPr>
-            <a:lvl6pPr marL="2514600" indent="-228600" algn="l" defTabSz="914400" rtl="0" eaLnBrk="1" latinLnBrk="0" hangingPunct="1">
-              <a:spcBef>
-                <a:spcPct val="20000"/>
-              </a:spcBef>
-              <a:buFont typeface="Arial" panose="020B0604020202020204" pitchFamily="34" charset="0"/>
-              <a:buChar char="•"/>
-              <a:defRPr sz="2000" kern="1200">
-                <a:solidFill>
-                  <a:schemeClr val="tx1"/>
-                </a:solidFill>
-                <a:latin typeface="+mn-lt"/>
-                <a:ea typeface="+mn-ea"/>
-                <a:cs typeface="+mn-cs"/>
-              </a:defRPr>
-            </a:lvl6pPr>
-            <a:lvl7pPr marL="2971800" indent="-228600" algn="l" defTabSz="914400" rtl="0" eaLnBrk="1" latinLnBrk="0" hangingPunct="1">
-              <a:spcBef>
-                <a:spcPct val="20000"/>
-              </a:spcBef>
-              <a:buFont typeface="Arial" panose="020B0604020202020204" pitchFamily="34" charset="0"/>
-              <a:buChar char="•"/>
-              <a:defRPr sz="2000" kern="1200">
-                <a:solidFill>
-                  <a:schemeClr val="tx1"/>
-                </a:solidFill>
-                <a:latin typeface="+mn-lt"/>
-                <a:ea typeface="+mn-ea"/>
-                <a:cs typeface="+mn-cs"/>
-              </a:defRPr>
-            </a:lvl7pPr>
-            <a:lvl8pPr marL="3429000" indent="-228600" algn="l" defTabSz="914400" rtl="0" eaLnBrk="1" latinLnBrk="0" hangingPunct="1">
-              <a:spcBef>
-                <a:spcPct val="20000"/>
-              </a:spcBef>
-              <a:buFont typeface="Arial" panose="020B0604020202020204" pitchFamily="34" charset="0"/>
-              <a:buChar char="•"/>
-              <a:defRPr sz="2000" kern="1200">
-                <a:solidFill>
-                  <a:schemeClr val="tx1"/>
-                </a:solidFill>
-                <a:latin typeface="+mn-lt"/>
-                <a:ea typeface="+mn-ea"/>
-                <a:cs typeface="+mn-cs"/>
-              </a:defRPr>
-            </a:lvl8pPr>
-            <a:lvl9pPr marL="3886200" indent="-228600" algn="l" defTabSz="914400" rtl="0" eaLnBrk="1" latinLnBrk="0" hangingPunct="1">
-              <a:spcBef>
-                <a:spcPct val="20000"/>
-              </a:spcBef>
-              <a:buFont typeface="Arial" panose="020B0604020202020204" pitchFamily="34" charset="0"/>
-              <a:buChar char="•"/>
-              <a:defRPr sz="2000" kern="1200">
-                <a:solidFill>
-                  <a:schemeClr val="tx1"/>
-                </a:solidFill>
-                <a:latin typeface="+mn-lt"/>
-                <a:ea typeface="+mn-ea"/>
-                <a:cs typeface="+mn-cs"/>
-              </a:defRPr>
-            </a:lvl9pPr>
-          </a:lstStyle>
-          <a:p>
-            <a:r>
-              <a:rPr lang="zh-CN" altLang="en-US" sz="1800" dirty="0">
-                <a:latin typeface="微软雅黑" panose="020B0503020204020204" pitchFamily="34" charset="-122"/>
-                <a:ea typeface="微软雅黑" panose="020B0503020204020204" pitchFamily="34" charset="-122"/>
-              </a:rPr>
-              <a:t>组员评价</a:t>
-            </a:r>
-          </a:p>
-        </p:txBody>
-      </p:sp>
-      <p:sp>
-        <p:nvSpPr>
-          <p:cNvPr id="8" name="文本框 7">
-            <a:extLst>
-              <a:ext uri="{FF2B5EF4-FFF2-40B4-BE49-F238E27FC236}">
-                <a16:creationId xmlns:a16="http://schemas.microsoft.com/office/drawing/2014/main" id="{F8CA4503-F8E0-403F-8BF6-05E122C2D6E7}"/>
-              </a:ext>
-            </a:extLst>
-          </p:cNvPr>
-          <p:cNvSpPr txBox="1"/>
-          <p:nvPr/>
-        </p:nvSpPr>
-        <p:spPr>
-          <a:xfrm>
-            <a:off x="5840474" y="3579068"/>
-            <a:ext cx="1080120" cy="246221"/>
-          </a:xfrm>
-          <a:prstGeom prst="rect">
-            <a:avLst/>
-          </a:prstGeom>
-          <a:noFill/>
-        </p:spPr>
-        <p:txBody>
-          <a:bodyPr wrap="square" rtlCol="0">
-            <a:spAutoFit/>
-          </a:bodyPr>
-          <a:lstStyle/>
-          <a:p>
-            <a:r>
-              <a:rPr lang="zh-CN" altLang="en-US" sz="1000" dirty="0">
-                <a:solidFill>
-                  <a:srgbClr val="FF0000"/>
-                </a:solidFill>
-                <a:latin typeface="微软雅黑" panose="020B0503020204020204" pitchFamily="34" charset="-122"/>
-                <a:ea typeface="微软雅黑" panose="020B0503020204020204" pitchFamily="34" charset="-122"/>
-              </a:rPr>
-              <a:t>工作量基准线</a:t>
-            </a:r>
-          </a:p>
-        </p:txBody>
-      </p:sp>
-      <p:sp>
-        <p:nvSpPr>
-          <p:cNvPr id="10" name="矩形 9">
-            <a:extLst>
-              <a:ext uri="{FF2B5EF4-FFF2-40B4-BE49-F238E27FC236}">
-                <a16:creationId xmlns:a16="http://schemas.microsoft.com/office/drawing/2014/main" id="{38B2B14B-4035-48D9-B1CB-9A7463DF1A7C}"/>
-              </a:ext>
-            </a:extLst>
-          </p:cNvPr>
-          <p:cNvSpPr/>
-          <p:nvPr/>
-        </p:nvSpPr>
-        <p:spPr>
-          <a:xfrm>
-            <a:off x="5965901" y="4803204"/>
-            <a:ext cx="906488" cy="253916"/>
-          </a:xfrm>
-          <a:prstGeom prst="rect">
-            <a:avLst/>
-          </a:prstGeom>
-        </p:spPr>
-        <p:txBody>
-          <a:bodyPr wrap="square">
-            <a:spAutoFit/>
-          </a:bodyPr>
-          <a:lstStyle/>
-          <a:p>
-            <a:fld id="{B003DC61-8263-4D38-B314-B150A0DB5246}" type="datetime1">
-              <a:rPr lang="zh-CN" altLang="en-US" sz="1050">
-                <a:solidFill>
-                  <a:schemeClr val="tx2"/>
-                </a:solidFill>
-                <a:latin typeface="Harlow Solid Italic" panose="04030604020F02020D02" pitchFamily="82" charset="0"/>
-              </a:rPr>
-              <a:pPr/>
-              <a:t>2020/12/12</a:t>
-            </a:fld>
-            <a:endParaRPr lang="zh-CN" altLang="en-US" sz="1050" dirty="0">
-              <a:solidFill>
-                <a:schemeClr val="tx2"/>
-              </a:solidFill>
-              <a:latin typeface="Harlow Solid Italic" panose="04030604020F02020D02" pitchFamily="82" charset="0"/>
-            </a:endParaRPr>
-          </a:p>
-        </p:txBody>
-      </p:sp>
-    </p:spTree>
-    <p:extLst>
-      <p:ext uri="{BB962C8B-B14F-4D97-AF65-F5344CB8AC3E}">
-        <p14:creationId xmlns:p14="http://schemas.microsoft.com/office/powerpoint/2010/main" val="3387801914"/>
-      </p:ext>
-    </p:extLst>
   </p:cSld>
   <p:clrMapOvr>
     <a:masterClrMapping/>
@@ -9013,18 +6894,403 @@
       </p:grpSpPr>
       <p:graphicFrame>
         <p:nvGraphicFramePr>
-          <p:cNvPr id="2" name="图表 1">
-            <a:extLst>
-              <a:ext uri="{FF2B5EF4-FFF2-40B4-BE49-F238E27FC236}">
-                <a16:creationId xmlns:a16="http://schemas.microsoft.com/office/drawing/2014/main" id="{77AD3732-6A36-40DC-A842-AF56B6F6B8AA}"/>
-              </a:ext>
-            </a:extLst>
-          </p:cNvPr>
+          <p:cNvPr id="5" name="图表 4"/>
           <p:cNvGraphicFramePr/>
           <p:nvPr>
             <p:extLst>
               <p:ext uri="{D42A27DB-BD31-4B8C-83A1-F6EECF244321}">
-                <p14:modId xmlns:p14="http://schemas.microsoft.com/office/powerpoint/2010/main" val="2140356325"/>
+                <p14:modId xmlns:p14="http://schemas.microsoft.com/office/powerpoint/2010/main" val="2151584935"/>
+              </p:ext>
+            </p:extLst>
+          </p:nvPr>
+        </p:nvGraphicFramePr>
+        <p:xfrm>
+          <a:off x="691902" y="1490836"/>
+          <a:ext cx="5328592" cy="3566284"/>
+        </p:xfrm>
+        <a:graphic>
+          <a:graphicData uri="http://schemas.openxmlformats.org/drawingml/2006/chart">
+            <c:chart xmlns:c="http://schemas.openxmlformats.org/drawingml/2006/chart" xmlns:r="http://schemas.openxmlformats.org/officeDocument/2006/relationships" r:id="rId3"/>
+          </a:graphicData>
+        </a:graphic>
+      </p:graphicFrame>
+      <p:pic>
+        <p:nvPicPr>
+          <p:cNvPr id="17" name="图片 16"/>
+          <p:cNvPicPr>
+            <a:picLocks noChangeAspect="1"/>
+          </p:cNvPicPr>
+          <p:nvPr/>
+        </p:nvPicPr>
+        <p:blipFill>
+          <a:blip r:embed="rId4" cstate="print">
+            <a:extLst>
+              <a:ext uri="{28A0092B-C50C-407E-A947-70E740481C1C}">
+                <a14:useLocalDpi xmlns:a14="http://schemas.microsoft.com/office/drawing/2010/main" val="0"/>
+              </a:ext>
+            </a:extLst>
+          </a:blip>
+          <a:stretch>
+            <a:fillRect/>
+          </a:stretch>
+        </p:blipFill>
+        <p:spPr>
+          <a:xfrm>
+            <a:off x="252563" y="266700"/>
+            <a:ext cx="1275895" cy="431948"/>
+          </a:xfrm>
+          <a:prstGeom prst="rect">
+            <a:avLst/>
+          </a:prstGeom>
+        </p:spPr>
+      </p:pic>
+      <p:sp>
+        <p:nvSpPr>
+          <p:cNvPr id="20" name="矩形 19"/>
+          <p:cNvSpPr/>
+          <p:nvPr/>
+        </p:nvSpPr>
+        <p:spPr>
+          <a:xfrm>
+            <a:off x="2060054" y="251905"/>
+            <a:ext cx="4388509" cy="461665"/>
+          </a:xfrm>
+          <a:prstGeom prst="rect">
+            <a:avLst/>
+          </a:prstGeom>
+        </p:spPr>
+        <p:txBody>
+          <a:bodyPr wrap="none">
+            <a:spAutoFit/>
+          </a:bodyPr>
+          <a:lstStyle/>
+          <a:p>
+            <a:r>
+              <a:rPr lang="zh-CN" altLang="en-US" sz="2400" dirty="0">
+                <a:solidFill>
+                  <a:schemeClr val="tx1">
+                    <a:lumMod val="85000"/>
+                    <a:lumOff val="15000"/>
+                  </a:schemeClr>
+                </a:solidFill>
+                <a:latin typeface="微软雅黑" panose="020B0503020204020204" pitchFamily="34" charset="-122"/>
+                <a:ea typeface="微软雅黑" panose="020B0503020204020204" pitchFamily="34" charset="-122"/>
+              </a:rPr>
+              <a:t>网安组进度汇报</a:t>
+            </a:r>
+            <a:r>
+              <a:rPr lang="en-US" altLang="zh-CN" sz="2400" dirty="0">
+                <a:solidFill>
+                  <a:schemeClr val="tx1">
+                    <a:lumMod val="85000"/>
+                    <a:lumOff val="15000"/>
+                  </a:schemeClr>
+                </a:solidFill>
+                <a:latin typeface="微软雅黑" panose="020B0503020204020204" pitchFamily="34" charset="-122"/>
+                <a:ea typeface="微软雅黑" panose="020B0503020204020204" pitchFamily="34" charset="-122"/>
+              </a:rPr>
+              <a:t>——</a:t>
+            </a:r>
+            <a:r>
+              <a:rPr lang="zh-CN" altLang="en-US" sz="2400" dirty="0">
+                <a:solidFill>
+                  <a:schemeClr val="tx1">
+                    <a:lumMod val="85000"/>
+                    <a:lumOff val="15000"/>
+                  </a:schemeClr>
+                </a:solidFill>
+                <a:latin typeface="微软雅黑" panose="020B0503020204020204" pitchFamily="34" charset="-122"/>
+                <a:ea typeface="微软雅黑" panose="020B0503020204020204" pitchFamily="34" charset="-122"/>
+              </a:rPr>
+              <a:t>机理分析</a:t>
+            </a:r>
+          </a:p>
+        </p:txBody>
+      </p:sp>
+      <p:sp>
+        <p:nvSpPr>
+          <p:cNvPr id="21" name="内容占位符 1"/>
+          <p:cNvSpPr txBox="1"/>
+          <p:nvPr/>
+        </p:nvSpPr>
+        <p:spPr>
+          <a:xfrm>
+            <a:off x="331862" y="1116919"/>
+            <a:ext cx="1872208" cy="445925"/>
+          </a:xfrm>
+          <a:prstGeom prst="rect">
+            <a:avLst/>
+          </a:prstGeom>
+        </p:spPr>
+        <p:txBody>
+          <a:bodyPr/>
+          <a:lstStyle>
+            <a:lvl1pPr marL="342900" indent="-342900" algn="l" defTabSz="914400" rtl="0" eaLnBrk="1" latinLnBrk="0" hangingPunct="1">
+              <a:spcBef>
+                <a:spcPct val="20000"/>
+              </a:spcBef>
+              <a:buFont typeface="Arial" panose="020B0604020202020204" pitchFamily="34" charset="0"/>
+              <a:buChar char="•"/>
+              <a:defRPr sz="3200" kern="1200">
+                <a:solidFill>
+                  <a:schemeClr val="tx1"/>
+                </a:solidFill>
+                <a:latin typeface="+mn-lt"/>
+                <a:ea typeface="+mn-ea"/>
+                <a:cs typeface="+mn-cs"/>
+              </a:defRPr>
+            </a:lvl1pPr>
+            <a:lvl2pPr marL="742950" indent="-285750" algn="l" defTabSz="914400" rtl="0" eaLnBrk="1" latinLnBrk="0" hangingPunct="1">
+              <a:spcBef>
+                <a:spcPct val="20000"/>
+              </a:spcBef>
+              <a:buFont typeface="Arial" panose="020B0604020202020204" pitchFamily="34" charset="0"/>
+              <a:buChar char="–"/>
+              <a:defRPr sz="2800" kern="1200">
+                <a:solidFill>
+                  <a:schemeClr val="tx1"/>
+                </a:solidFill>
+                <a:latin typeface="+mn-lt"/>
+                <a:ea typeface="+mn-ea"/>
+                <a:cs typeface="+mn-cs"/>
+              </a:defRPr>
+            </a:lvl2pPr>
+            <a:lvl3pPr marL="1143000" indent="-228600" algn="l" defTabSz="914400" rtl="0" eaLnBrk="1" latinLnBrk="0" hangingPunct="1">
+              <a:spcBef>
+                <a:spcPct val="20000"/>
+              </a:spcBef>
+              <a:buFont typeface="Arial" panose="020B0604020202020204" pitchFamily="34" charset="0"/>
+              <a:buChar char="•"/>
+              <a:defRPr sz="2400" kern="1200">
+                <a:solidFill>
+                  <a:schemeClr val="tx1"/>
+                </a:solidFill>
+                <a:latin typeface="+mn-lt"/>
+                <a:ea typeface="+mn-ea"/>
+                <a:cs typeface="+mn-cs"/>
+              </a:defRPr>
+            </a:lvl3pPr>
+            <a:lvl4pPr marL="1600200" indent="-228600" algn="l" defTabSz="914400" rtl="0" eaLnBrk="1" latinLnBrk="0" hangingPunct="1">
+              <a:spcBef>
+                <a:spcPct val="20000"/>
+              </a:spcBef>
+              <a:buFont typeface="Arial" panose="020B0604020202020204" pitchFamily="34" charset="0"/>
+              <a:buChar char="–"/>
+              <a:defRPr sz="2000" kern="1200">
+                <a:solidFill>
+                  <a:schemeClr val="tx1"/>
+                </a:solidFill>
+                <a:latin typeface="+mn-lt"/>
+                <a:ea typeface="+mn-ea"/>
+                <a:cs typeface="+mn-cs"/>
+              </a:defRPr>
+            </a:lvl4pPr>
+            <a:lvl5pPr marL="2057400" indent="-228600" algn="l" defTabSz="914400" rtl="0" eaLnBrk="1" latinLnBrk="0" hangingPunct="1">
+              <a:spcBef>
+                <a:spcPct val="20000"/>
+              </a:spcBef>
+              <a:buFont typeface="Arial" panose="020B0604020202020204" pitchFamily="34" charset="0"/>
+              <a:buChar char="»"/>
+              <a:defRPr sz="2000" kern="1200">
+                <a:solidFill>
+                  <a:schemeClr val="tx1"/>
+                </a:solidFill>
+                <a:latin typeface="+mn-lt"/>
+                <a:ea typeface="+mn-ea"/>
+                <a:cs typeface="+mn-cs"/>
+              </a:defRPr>
+            </a:lvl5pPr>
+            <a:lvl6pPr marL="2514600" indent="-228600" algn="l" defTabSz="914400" rtl="0" eaLnBrk="1" latinLnBrk="0" hangingPunct="1">
+              <a:spcBef>
+                <a:spcPct val="20000"/>
+              </a:spcBef>
+              <a:buFont typeface="Arial" panose="020B0604020202020204" pitchFamily="34" charset="0"/>
+              <a:buChar char="•"/>
+              <a:defRPr sz="2000" kern="1200">
+                <a:solidFill>
+                  <a:schemeClr val="tx1"/>
+                </a:solidFill>
+                <a:latin typeface="+mn-lt"/>
+                <a:ea typeface="+mn-ea"/>
+                <a:cs typeface="+mn-cs"/>
+              </a:defRPr>
+            </a:lvl6pPr>
+            <a:lvl7pPr marL="2971800" indent="-228600" algn="l" defTabSz="914400" rtl="0" eaLnBrk="1" latinLnBrk="0" hangingPunct="1">
+              <a:spcBef>
+                <a:spcPct val="20000"/>
+              </a:spcBef>
+              <a:buFont typeface="Arial" panose="020B0604020202020204" pitchFamily="34" charset="0"/>
+              <a:buChar char="•"/>
+              <a:defRPr sz="2000" kern="1200">
+                <a:solidFill>
+                  <a:schemeClr val="tx1"/>
+                </a:solidFill>
+                <a:latin typeface="+mn-lt"/>
+                <a:ea typeface="+mn-ea"/>
+                <a:cs typeface="+mn-cs"/>
+              </a:defRPr>
+            </a:lvl7pPr>
+            <a:lvl8pPr marL="3429000" indent="-228600" algn="l" defTabSz="914400" rtl="0" eaLnBrk="1" latinLnBrk="0" hangingPunct="1">
+              <a:spcBef>
+                <a:spcPct val="20000"/>
+              </a:spcBef>
+              <a:buFont typeface="Arial" panose="020B0604020202020204" pitchFamily="34" charset="0"/>
+              <a:buChar char="•"/>
+              <a:defRPr sz="2000" kern="1200">
+                <a:solidFill>
+                  <a:schemeClr val="tx1"/>
+                </a:solidFill>
+                <a:latin typeface="+mn-lt"/>
+                <a:ea typeface="+mn-ea"/>
+                <a:cs typeface="+mn-cs"/>
+              </a:defRPr>
+            </a:lvl8pPr>
+            <a:lvl9pPr marL="3886200" indent="-228600" algn="l" defTabSz="914400" rtl="0" eaLnBrk="1" latinLnBrk="0" hangingPunct="1">
+              <a:spcBef>
+                <a:spcPct val="20000"/>
+              </a:spcBef>
+              <a:buFont typeface="Arial" panose="020B0604020202020204" pitchFamily="34" charset="0"/>
+              <a:buChar char="•"/>
+              <a:defRPr sz="2000" kern="1200">
+                <a:solidFill>
+                  <a:schemeClr val="tx1"/>
+                </a:solidFill>
+                <a:latin typeface="+mn-lt"/>
+                <a:ea typeface="+mn-ea"/>
+                <a:cs typeface="+mn-cs"/>
+              </a:defRPr>
+            </a:lvl9pPr>
+          </a:lstStyle>
+          <a:p>
+            <a:r>
+              <a:rPr lang="zh-CN" altLang="en-US" sz="1800" dirty="0">
+                <a:latin typeface="微软雅黑" panose="020B0503020204020204" pitchFamily="34" charset="-122"/>
+                <a:ea typeface="微软雅黑" panose="020B0503020204020204" pitchFamily="34" charset="-122"/>
+              </a:rPr>
+              <a:t>组员评价</a:t>
+            </a:r>
+          </a:p>
+        </p:txBody>
+      </p:sp>
+      <p:sp>
+        <p:nvSpPr>
+          <p:cNvPr id="8" name="文本框 7"/>
+          <p:cNvSpPr txBox="1"/>
+          <p:nvPr/>
+        </p:nvSpPr>
+        <p:spPr>
+          <a:xfrm>
+            <a:off x="5840474" y="3579068"/>
+            <a:ext cx="1080120" cy="246221"/>
+          </a:xfrm>
+          <a:prstGeom prst="rect">
+            <a:avLst/>
+          </a:prstGeom>
+          <a:noFill/>
+        </p:spPr>
+        <p:txBody>
+          <a:bodyPr wrap="square" rtlCol="0">
+            <a:spAutoFit/>
+          </a:bodyPr>
+          <a:lstStyle/>
+          <a:p>
+            <a:r>
+              <a:rPr lang="zh-CN" altLang="en-US" sz="1000" dirty="0">
+                <a:solidFill>
+                  <a:srgbClr val="FF0000"/>
+                </a:solidFill>
+                <a:latin typeface="微软雅黑" panose="020B0503020204020204" pitchFamily="34" charset="-122"/>
+                <a:ea typeface="微软雅黑" panose="020B0503020204020204" pitchFamily="34" charset="-122"/>
+              </a:rPr>
+              <a:t>工作量基准线</a:t>
+            </a:r>
+          </a:p>
+        </p:txBody>
+      </p:sp>
+      <p:sp>
+        <p:nvSpPr>
+          <p:cNvPr id="10" name="矩形 9"/>
+          <p:cNvSpPr/>
+          <p:nvPr/>
+        </p:nvSpPr>
+        <p:spPr>
+          <a:xfrm>
+            <a:off x="5965901" y="4803204"/>
+            <a:ext cx="906488" cy="253916"/>
+          </a:xfrm>
+          <a:prstGeom prst="rect">
+            <a:avLst/>
+          </a:prstGeom>
+        </p:spPr>
+        <p:txBody>
+          <a:bodyPr wrap="square">
+            <a:spAutoFit/>
+          </a:bodyPr>
+          <a:lstStyle/>
+          <a:p>
+            <a:fld id="{B003DC61-8263-4D38-B314-B150A0DB5246}" type="datetime1">
+              <a:rPr lang="zh-CN" altLang="en-US" sz="1050">
+                <a:solidFill>
+                  <a:schemeClr val="tx2"/>
+                </a:solidFill>
+                <a:latin typeface="Harlow Solid Italic" panose="04030604020F02020D02" pitchFamily="82" charset="0"/>
+              </a:rPr>
+              <a:t>2021/3/6</a:t>
+            </a:fld>
+            <a:endParaRPr lang="zh-CN" altLang="en-US" sz="1050" dirty="0">
+              <a:solidFill>
+                <a:schemeClr val="tx2"/>
+              </a:solidFill>
+              <a:latin typeface="Harlow Solid Italic" panose="04030604020F02020D02" pitchFamily="82" charset="0"/>
+            </a:endParaRPr>
+          </a:p>
+        </p:txBody>
+      </p:sp>
+    </p:spTree>
+  </p:cSld>
+  <p:clrMapOvr>
+    <a:masterClrMapping/>
+  </p:clrMapOvr>
+  <mc:AlternateContent xmlns:mc="http://schemas.openxmlformats.org/markup-compatibility/2006" xmlns:p14="http://schemas.microsoft.com/office/powerpoint/2010/main">
+    <mc:Choice Requires="p14">
+      <p:transition spd="med" p14:dur="700">
+        <p:fade/>
+      </p:transition>
+    </mc:Choice>
+    <mc:Fallback xmlns="">
+      <p:transition spd="med">
+        <p:fade/>
+      </p:transition>
+    </mc:Fallback>
+  </mc:AlternateContent>
+</p:sld>
+</file>
+
+<file path=ppt/slides/slide8.xml><?xml version="1.0" encoding="utf-8"?>
+<p:sld xmlns:a="http://schemas.openxmlformats.org/drawingml/2006/main" xmlns:r="http://schemas.openxmlformats.org/officeDocument/2006/relationships" xmlns:p="http://schemas.openxmlformats.org/presentationml/2006/main">
+  <p:cSld>
+    <p:spTree>
+      <p:nvGrpSpPr>
+        <p:cNvPr id="1" name=""/>
+        <p:cNvGrpSpPr/>
+        <p:nvPr/>
+      </p:nvGrpSpPr>
+      <p:grpSpPr>
+        <a:xfrm>
+          <a:off x="0" y="0"/>
+          <a:ext cx="0" cy="0"/>
+          <a:chOff x="0" y="0"/>
+          <a:chExt cx="0" cy="0"/>
+        </a:xfrm>
+      </p:grpSpPr>
+      <p:graphicFrame>
+        <p:nvGraphicFramePr>
+          <p:cNvPr id="2" name="图表 1"/>
+          <p:cNvGraphicFramePr/>
+          <p:nvPr>
+            <p:extLst>
+              <p:ext uri="{D42A27DB-BD31-4B8C-83A1-F6EECF244321}">
+                <p14:modId xmlns:p14="http://schemas.microsoft.com/office/powerpoint/2010/main" val="607434156"/>
               </p:ext>
             </p:extLst>
           </p:nvPr>
@@ -9041,13 +7307,7 @@
       </p:graphicFrame>
       <p:pic>
         <p:nvPicPr>
-          <p:cNvPr id="3" name="图片 2">
-            <a:extLst>
-              <a:ext uri="{FF2B5EF4-FFF2-40B4-BE49-F238E27FC236}">
-                <a16:creationId xmlns:a16="http://schemas.microsoft.com/office/drawing/2014/main" id="{5D4DBF1F-16FD-4B96-8F4C-519FC7ABE0D2}"/>
-              </a:ext>
-            </a:extLst>
-          </p:cNvPr>
+          <p:cNvPr id="3" name="图片 2"/>
           <p:cNvPicPr>
             <a:picLocks noChangeAspect="1"/>
           </p:cNvPicPr>
@@ -9077,20 +7337,14 @@
       </p:pic>
       <p:sp>
         <p:nvSpPr>
-          <p:cNvPr id="4" name="矩形 3">
-            <a:extLst>
-              <a:ext uri="{FF2B5EF4-FFF2-40B4-BE49-F238E27FC236}">
-                <a16:creationId xmlns:a16="http://schemas.microsoft.com/office/drawing/2014/main" id="{32D8F2A6-5E08-4EA4-AA1C-B82C18F90FB8}"/>
-              </a:ext>
-            </a:extLst>
-          </p:cNvPr>
+          <p:cNvPr id="4" name="矩形 3"/>
           <p:cNvSpPr/>
           <p:nvPr/>
         </p:nvSpPr>
         <p:spPr>
           <a:xfrm>
             <a:off x="2060054" y="251905"/>
-            <a:ext cx="3618298" cy="461537"/>
+            <a:ext cx="4388509" cy="461665"/>
           </a:xfrm>
           <a:prstGeom prst="rect">
             <a:avLst/>
@@ -9103,7 +7357,7 @@
           <a:lstStyle/>
           <a:p>
             <a:r>
-              <a:rPr lang="zh-CN" altLang="en-US" sz="2399" dirty="0">
+              <a:rPr lang="zh-CN" altLang="en-US" sz="2400" dirty="0">
                 <a:solidFill>
                   <a:schemeClr val="tx1">
                     <a:lumMod val="85000"/>
@@ -9113,10 +7367,10 @@
                 <a:latin typeface="微软雅黑" panose="020B0503020204020204" pitchFamily="34" charset="-122"/>
                 <a:ea typeface="微软雅黑" panose="020B0503020204020204" pitchFamily="34" charset="-122"/>
               </a:rPr>
-              <a:t>项目组进度汇报</a:t>
+              <a:t>网安组进度汇报</a:t>
             </a:r>
             <a:r>
-              <a:rPr lang="en-US" altLang="zh-CN" sz="2399" dirty="0">
+              <a:rPr lang="en-US" altLang="zh-CN" sz="2400" dirty="0">
                 <a:solidFill>
                   <a:schemeClr val="tx1">
                     <a:lumMod val="85000"/>
@@ -9129,7 +7383,7 @@
               <a:t>——</a:t>
             </a:r>
             <a:r>
-              <a:rPr lang="zh-CN" altLang="en-US" sz="2399" dirty="0">
+              <a:rPr lang="zh-CN" altLang="en-US" sz="2400" dirty="0">
                 <a:solidFill>
                   <a:schemeClr val="tx1">
                     <a:lumMod val="85000"/>
@@ -9139,20 +7393,14 @@
                 <a:latin typeface="微软雅黑" panose="020B0503020204020204" pitchFamily="34" charset="-122"/>
                 <a:ea typeface="微软雅黑" panose="020B0503020204020204" pitchFamily="34" charset="-122"/>
               </a:rPr>
-              <a:t>组名</a:t>
+              <a:t>机理分析</a:t>
             </a:r>
           </a:p>
         </p:txBody>
       </p:sp>
       <p:sp>
         <p:nvSpPr>
-          <p:cNvPr id="5" name="矩形 4">
-            <a:extLst>
-              <a:ext uri="{FF2B5EF4-FFF2-40B4-BE49-F238E27FC236}">
-                <a16:creationId xmlns:a16="http://schemas.microsoft.com/office/drawing/2014/main" id="{EEF9ADC9-67B1-4FE9-B1AE-9A3F6206E6B7}"/>
-              </a:ext>
-            </a:extLst>
-          </p:cNvPr>
+          <p:cNvPr id="5" name="矩形 4"/>
           <p:cNvSpPr/>
           <p:nvPr/>
         </p:nvSpPr>
@@ -9178,8 +7426,7 @@
                 </a:solidFill>
                 <a:latin typeface="Harlow Solid Italic" panose="04030604020F02020D02" pitchFamily="82" charset="0"/>
               </a:rPr>
-              <a:pPr/>
-              <a:t>2020/12/12</a:t>
+              <a:t>2021/3/6</a:t>
             </a:fld>
             <a:endParaRPr lang="zh-CN" altLang="en-US" sz="1050" dirty="0">
               <a:solidFill>
@@ -9191,11 +7438,6 @@
         </p:txBody>
       </p:sp>
     </p:spTree>
-    <p:extLst>
-      <p:ext uri="{BB962C8B-B14F-4D97-AF65-F5344CB8AC3E}">
-        <p14:creationId xmlns:p14="http://schemas.microsoft.com/office/powerpoint/2010/main" val="2202914810"/>
-      </p:ext>
-    </p:extLst>
   </p:cSld>
   <p:clrMapOvr>
     <a:masterClrMapping/>
@@ -9485,6 +7727,11 @@
   </a:themeElements>
   <a:objectDefaults/>
   <a:extraClrSchemeLst/>
+  <a:extLst>
+    <a:ext uri="{05A4C25C-085E-4340-85A3-A5531E510DB2}">
+      <thm15:themeFamily xmlns:thm15="http://schemas.microsoft.com/office/thememl/2012/main" name="Office Theme" id="{62F939B6-93AF-4DB8-9C6B-D6C7DFDC589F}" vid="{4A3C46E8-61CC-4603-A589-7422A47A8E4A}"/>
+    </a:ext>
+  </a:extLst>
 </a:theme>
 </file>
 
@@ -9770,6 +8017,11 @@
   </a:themeElements>
   <a:objectDefaults/>
   <a:extraClrSchemeLst/>
+  <a:extLst>
+    <a:ext uri="{05A4C25C-085E-4340-85A3-A5531E510DB2}">
+      <thm15:themeFamily xmlns:thm15="http://schemas.microsoft.com/office/thememl/2012/main" name="Office Theme" id="{62F939B6-93AF-4DB8-9C6B-D6C7DFDC589F}" vid="{4A3C46E8-61CC-4603-A589-7422A47A8E4A}"/>
+    </a:ext>
+  </a:extLst>
 </a:theme>
 </file>
 
@@ -9816,7 +8068,7 @@
     </a:clrScheme>
     <a:fontScheme name="Office">
       <a:majorFont>
-        <a:latin typeface="等线 Light" panose="020F0302020204030204"/>
+        <a:latin typeface="等线 Light"/>
         <a:ea typeface=""/>
         <a:cs typeface=""/>
         <a:font script="Jpan" typeface="游ゴシック Light"/>
@@ -9849,26 +8101,9 @@
         <a:font script="Viet" typeface="Times New Roman"/>
         <a:font script="Uigh" typeface="Microsoft Uighur"/>
         <a:font script="Geor" typeface="Sylfaen"/>
-        <a:font script="Armn" typeface="Arial"/>
-        <a:font script="Bugi" typeface="Leelawadee UI"/>
-        <a:font script="Bopo" typeface="Microsoft JhengHei"/>
-        <a:font script="Java" typeface="Javanese Text"/>
-        <a:font script="Lisu" typeface="Segoe UI"/>
-        <a:font script="Mymr" typeface="Myanmar Text"/>
-        <a:font script="Nkoo" typeface="Ebrima"/>
-        <a:font script="Olck" typeface="Nirmala UI"/>
-        <a:font script="Osma" typeface="Ebrima"/>
-        <a:font script="Phag" typeface="Phagspa"/>
-        <a:font script="Syrn" typeface="Estrangelo Edessa"/>
-        <a:font script="Syrj" typeface="Estrangelo Edessa"/>
-        <a:font script="Syre" typeface="Estrangelo Edessa"/>
-        <a:font script="Sora" typeface="Nirmala UI"/>
-        <a:font script="Tale" typeface="Microsoft Tai Le"/>
-        <a:font script="Talu" typeface="Microsoft New Tai Lue"/>
-        <a:font script="Tfng" typeface="Ebrima"/>
       </a:majorFont>
       <a:minorFont>
-        <a:latin typeface="等线" panose="020F0502020204030204"/>
+        <a:latin typeface="等线"/>
         <a:ea typeface=""/>
         <a:cs typeface=""/>
         <a:font script="Jpan" typeface="游ゴシック"/>
@@ -9901,23 +8136,6 @@
         <a:font script="Viet" typeface="Arial"/>
         <a:font script="Uigh" typeface="Microsoft Uighur"/>
         <a:font script="Geor" typeface="Sylfaen"/>
-        <a:font script="Armn" typeface="Arial"/>
-        <a:font script="Bugi" typeface="Leelawadee UI"/>
-        <a:font script="Bopo" typeface="Microsoft JhengHei"/>
-        <a:font script="Java" typeface="Javanese Text"/>
-        <a:font script="Lisu" typeface="Segoe UI"/>
-        <a:font script="Mymr" typeface="Myanmar Text"/>
-        <a:font script="Nkoo" typeface="Ebrima"/>
-        <a:font script="Olck" typeface="Nirmala UI"/>
-        <a:font script="Osma" typeface="Ebrima"/>
-        <a:font script="Phag" typeface="Phagspa"/>
-        <a:font script="Syrn" typeface="Estrangelo Edessa"/>
-        <a:font script="Syrj" typeface="Estrangelo Edessa"/>
-        <a:font script="Syre" typeface="Estrangelo Edessa"/>
-        <a:font script="Sora" typeface="Nirmala UI"/>
-        <a:font script="Tale" typeface="Microsoft Tai Le"/>
-        <a:font script="Talu" typeface="Microsoft New Tai Lue"/>
-        <a:font script="Tfng" typeface="Ebrima"/>
       </a:minorFont>
     </a:fontScheme>
     <a:fmtScheme name="Office">
